--- a/Java_PPT/#23_JDBC.pptx
+++ b/Java_PPT/#23_JDBC.pptx
@@ -1,35 +1,29 @@
 
 <file path=ppt/presentation.xml><?xml version="1.0" encoding="utf-8"?>
-<p:presentation xmlns:a="http://schemas.openxmlformats.org/drawingml/2006/main" xmlns:r="http://schemas.openxmlformats.org/officeDocument/2006/relationships" xmlns:p="http://schemas.openxmlformats.org/presentationml/2006/main" saveSubsetFonts="1">
+<p:presentation xmlns:a="http://schemas.openxmlformats.org/drawingml/2006/main" xmlns:r="http://schemas.openxmlformats.org/officeDocument/2006/relationships" xmlns:p="http://schemas.openxmlformats.org/presentationml/2006/main" xmlns:m="http://schemas.openxmlformats.org/officeDocument/2006/math" xmlns:w="http://schemas.openxmlformats.org/wordprocessingml/2006/main" saveSubsetFonts="1">
   <p:sldMasterIdLst>
-    <p:sldMasterId id="2147483648" r:id="rId4"/>
+    <p:sldMasterId id="2147483648" r:id="rId1"/>
   </p:sldMasterIdLst>
-  <p:notesMasterIdLst>
-    <p:notesMasterId r:id="rId15"/>
-  </p:notesMasterIdLst>
-  <p:handoutMasterIdLst>
-    <p:handoutMasterId r:id="rId16"/>
-  </p:handoutMasterIdLst>
   <p:sldIdLst>
-    <p:sldId id="256" r:id="rId5"/>
-    <p:sldId id="275" r:id="rId6"/>
-    <p:sldId id="283" r:id="rId7"/>
-    <p:sldId id="278" r:id="rId8"/>
-    <p:sldId id="285" r:id="rId9"/>
-    <p:sldId id="284" r:id="rId10"/>
-    <p:sldId id="276" r:id="rId11"/>
-    <p:sldId id="287" r:id="rId12"/>
-    <p:sldId id="286" r:id="rId13"/>
-    <p:sldId id="259" r:id="rId14"/>
+    <p:sldId id="256" r:id="rId3"/>
+    <p:sldId id="257" r:id="rId4"/>
+    <p:sldId id="258" r:id="rId5"/>
+    <p:sldId id="259" r:id="rId6"/>
+    <p:sldId id="260" r:id="rId7"/>
+    <p:sldId id="261" r:id="rId8"/>
+    <p:sldId id="262" r:id="rId9"/>
+    <p:sldId id="263" r:id="rId10"/>
+    <p:sldId id="264" r:id="rId11"/>
+    <p:sldId id="265" r:id="rId12"/>
   </p:sldIdLst>
   <p:sldSz cx="12188825" cy="6858000"/>
-  <p:notesSz cx="6858000" cy="9144000"/>
+  <p:notesSz cx="12188825" cy="6858000"/>
   <p:defaultTextStyle>
     <a:defPPr>
       <a:defRPr lang="en-US"/>
     </a:defPPr>
-    <a:lvl1pPr marL="0" algn="l" defTabSz="1218987" rtl="0" eaLnBrk="1" latinLnBrk="0" hangingPunct="1">
-      <a:defRPr sz="2400" kern="1200">
+    <a:lvl1pPr marL="0" algn="l" defTabSz="1218987">
+      <a:defRPr sz="2400">
         <a:solidFill>
           <a:schemeClr val="tx1"/>
         </a:solidFill>
@@ -38,8 +32,8 @@
         <a:cs typeface="+mn-cs"/>
       </a:defRPr>
     </a:lvl1pPr>
-    <a:lvl2pPr marL="609493" algn="l" defTabSz="1218987" rtl="0" eaLnBrk="1" latinLnBrk="0" hangingPunct="1">
-      <a:defRPr sz="2400" kern="1200">
+    <a:lvl2pPr marL="609493" algn="l" defTabSz="1218987">
+      <a:defRPr sz="2400">
         <a:solidFill>
           <a:schemeClr val="tx1"/>
         </a:solidFill>
@@ -48,8 +42,8 @@
         <a:cs typeface="+mn-cs"/>
       </a:defRPr>
     </a:lvl2pPr>
-    <a:lvl3pPr marL="1218987" algn="l" defTabSz="1218987" rtl="0" eaLnBrk="1" latinLnBrk="0" hangingPunct="1">
-      <a:defRPr sz="2400" kern="1200">
+    <a:lvl3pPr marL="1218987" algn="l" defTabSz="1218987">
+      <a:defRPr sz="2400">
         <a:solidFill>
           <a:schemeClr val="tx1"/>
         </a:solidFill>
@@ -58,8 +52,8 @@
         <a:cs typeface="+mn-cs"/>
       </a:defRPr>
     </a:lvl3pPr>
-    <a:lvl4pPr marL="1828480" algn="l" defTabSz="1218987" rtl="0" eaLnBrk="1" latinLnBrk="0" hangingPunct="1">
-      <a:defRPr sz="2400" kern="1200">
+    <a:lvl4pPr marL="1828480" algn="l" defTabSz="1218987">
+      <a:defRPr sz="2400">
         <a:solidFill>
           <a:schemeClr val="tx1"/>
         </a:solidFill>
@@ -68,8 +62,8 @@
         <a:cs typeface="+mn-cs"/>
       </a:defRPr>
     </a:lvl4pPr>
-    <a:lvl5pPr marL="2437973" algn="l" defTabSz="1218987" rtl="0" eaLnBrk="1" latinLnBrk="0" hangingPunct="1">
-      <a:defRPr sz="2400" kern="1200">
+    <a:lvl5pPr marL="2437973" algn="l" defTabSz="1218987">
+      <a:defRPr sz="2400">
         <a:solidFill>
           <a:schemeClr val="tx1"/>
         </a:solidFill>
@@ -78,8 +72,8 @@
         <a:cs typeface="+mn-cs"/>
       </a:defRPr>
     </a:lvl5pPr>
-    <a:lvl6pPr marL="3047467" algn="l" defTabSz="1218987" rtl="0" eaLnBrk="1" latinLnBrk="0" hangingPunct="1">
-      <a:defRPr sz="2400" kern="1200">
+    <a:lvl6pPr marL="3047467" algn="l" defTabSz="1218987">
+      <a:defRPr sz="2400">
         <a:solidFill>
           <a:schemeClr val="tx1"/>
         </a:solidFill>
@@ -88,8 +82,8 @@
         <a:cs typeface="+mn-cs"/>
       </a:defRPr>
     </a:lvl6pPr>
-    <a:lvl7pPr marL="3656960" algn="l" defTabSz="1218987" rtl="0" eaLnBrk="1" latinLnBrk="0" hangingPunct="1">
-      <a:defRPr sz="2400" kern="1200">
+    <a:lvl7pPr marL="3656960" algn="l" defTabSz="1218987">
+      <a:defRPr sz="2400">
         <a:solidFill>
           <a:schemeClr val="tx1"/>
         </a:solidFill>
@@ -98,8 +92,8 @@
         <a:cs typeface="+mn-cs"/>
       </a:defRPr>
     </a:lvl7pPr>
-    <a:lvl8pPr marL="4266453" algn="l" defTabSz="1218987" rtl="0" eaLnBrk="1" latinLnBrk="0" hangingPunct="1">
-      <a:defRPr sz="2400" kern="1200">
+    <a:lvl8pPr marL="4266453" algn="l" defTabSz="1218987">
+      <a:defRPr sz="2400">
         <a:solidFill>
           <a:schemeClr val="tx1"/>
         </a:solidFill>
@@ -108,8 +102,8 @@
         <a:cs typeface="+mn-cs"/>
       </a:defRPr>
     </a:lvl8pPr>
-    <a:lvl9pPr marL="4875947" algn="l" defTabSz="1218987" rtl="0" eaLnBrk="1" latinLnBrk="0" hangingPunct="1">
-      <a:defRPr sz="2400" kern="1200">
+    <a:lvl9pPr marL="4875947" algn="l" defTabSz="1218987">
+      <a:defRPr sz="2400">
         <a:solidFill>
           <a:schemeClr val="tx1"/>
         </a:solidFill>
@@ -119,563 +113,20 @@
       </a:defRPr>
     </a:lvl9pPr>
   </p:defaultTextStyle>
-  <p:extLst>
-    <p:ext uri="{EFAFB233-063F-42B5-8137-9DF3F51BA10A}">
-      <p15:sldGuideLst xmlns:p15="http://schemas.microsoft.com/office/powerpoint/2012/main">
-        <p15:guide id="1" orient="horz" pos="2160">
-          <p15:clr>
-            <a:srgbClr val="A4A3A4"/>
-          </p15:clr>
-        </p15:guide>
-        <p15:guide id="3" pos="3839">
-          <p15:clr>
-            <a:srgbClr val="A4A3A4"/>
-          </p15:clr>
-        </p15:guide>
-      </p15:sldGuideLst>
-    </p:ext>
-    <p:ext uri="{2D200454-40CA-4A62-9FC3-DE9A4176ACB9}">
-      <p15:notesGuideLst xmlns:p15="http://schemas.microsoft.com/office/powerpoint/2012/main">
-        <p15:guide id="1" orient="horz" pos="2880">
-          <p15:clr>
-            <a:srgbClr val="A4A3A4"/>
-          </p15:clr>
-        </p15:guide>
-        <p15:guide id="2" pos="2160">
-          <p15:clr>
-            <a:srgbClr val="A4A3A4"/>
-          </p15:clr>
-        </p15:guide>
-      </p15:notesGuideLst>
-    </p:ext>
-  </p:extLst>
 </p:presentation>
 </file>
 
-<file path=ppt/handoutMasters/handoutMaster1.xml><?xml version="1.0" encoding="utf-8"?>
-<p:handoutMaster xmlns:a="http://schemas.openxmlformats.org/drawingml/2006/main" xmlns:r="http://schemas.openxmlformats.org/officeDocument/2006/relationships" xmlns:p="http://schemas.openxmlformats.org/presentationml/2006/main">
-  <p:cSld>
-    <p:bg>
-      <p:bgRef idx="1001">
-        <a:schemeClr val="bg1"/>
-      </p:bgRef>
-    </p:bg>
-    <p:spTree>
-      <p:nvGrpSpPr>
-        <p:cNvPr id="1" name=""/>
-        <p:cNvGrpSpPr/>
-        <p:nvPr/>
-      </p:nvGrpSpPr>
-      <p:grpSpPr>
-        <a:xfrm>
-          <a:off x="0" y="0"/>
-          <a:ext cx="0" cy="0"/>
-          <a:chOff x="0" y="0"/>
-          <a:chExt cx="0" cy="0"/>
-        </a:xfrm>
-      </p:grpSpPr>
-      <p:sp>
-        <p:nvSpPr>
-          <p:cNvPr id="2" name="Header Placeholder 1"/>
-          <p:cNvSpPr>
-            <a:spLocks noGrp="1"/>
-          </p:cNvSpPr>
-          <p:nvPr>
-            <p:ph type="hdr" sz="quarter"/>
-          </p:nvPr>
-        </p:nvSpPr>
-        <p:spPr>
-          <a:xfrm>
-            <a:off x="0" y="0"/>
-            <a:ext cx="2971800" cy="457200"/>
-          </a:xfrm>
-          <a:prstGeom prst="rect">
-            <a:avLst/>
-          </a:prstGeom>
-        </p:spPr>
-        <p:txBody>
-          <a:bodyPr vert="horz" lIns="91440" tIns="45720" rIns="91440" bIns="45720" rtlCol="0"/>
-          <a:lstStyle>
-            <a:lvl1pPr algn="l">
-              <a:defRPr sz="1200"/>
-            </a:lvl1pPr>
-          </a:lstStyle>
-          <a:p>
-            <a:endParaRPr/>
-          </a:p>
-        </p:txBody>
-      </p:sp>
-      <p:sp>
-        <p:nvSpPr>
-          <p:cNvPr id="3" name="Date Placeholder 2"/>
-          <p:cNvSpPr>
-            <a:spLocks noGrp="1"/>
-          </p:cNvSpPr>
-          <p:nvPr>
-            <p:ph type="dt" sz="quarter" idx="1"/>
-          </p:nvPr>
-        </p:nvSpPr>
-        <p:spPr>
-          <a:xfrm>
-            <a:off x="3884613" y="0"/>
-            <a:ext cx="2971800" cy="457200"/>
-          </a:xfrm>
-          <a:prstGeom prst="rect">
-            <a:avLst/>
-          </a:prstGeom>
-        </p:spPr>
-        <p:txBody>
-          <a:bodyPr vert="horz" lIns="91440" tIns="45720" rIns="91440" bIns="45720" rtlCol="0"/>
-          <a:lstStyle>
-            <a:lvl1pPr algn="r">
-              <a:defRPr sz="1200"/>
-            </a:lvl1pPr>
-          </a:lstStyle>
-          <a:p>
-            <a:fld id="{705E03B7-B591-4A2A-B695-014C5A39F13E}" type="datetimeFigureOut">
-              <a:rPr lang="en-US"/>
-              <a:t>2/12/2023</a:t>
-            </a:fld>
-            <a:endParaRPr/>
-          </a:p>
-        </p:txBody>
-      </p:sp>
-      <p:sp>
-        <p:nvSpPr>
-          <p:cNvPr id="4" name="Footer Placeholder 3"/>
-          <p:cNvSpPr>
-            <a:spLocks noGrp="1"/>
-          </p:cNvSpPr>
-          <p:nvPr>
-            <p:ph type="ftr" sz="quarter" idx="2"/>
-          </p:nvPr>
-        </p:nvSpPr>
-        <p:spPr>
-          <a:xfrm>
-            <a:off x="0" y="8685213"/>
-            <a:ext cx="2971800" cy="457200"/>
-          </a:xfrm>
-          <a:prstGeom prst="rect">
-            <a:avLst/>
-          </a:prstGeom>
-        </p:spPr>
-        <p:txBody>
-          <a:bodyPr vert="horz" lIns="91440" tIns="45720" rIns="91440" bIns="45720" rtlCol="0" anchor="b"/>
-          <a:lstStyle>
-            <a:lvl1pPr algn="l">
-              <a:defRPr sz="1200"/>
-            </a:lvl1pPr>
-          </a:lstStyle>
-          <a:p>
-            <a:endParaRPr/>
-          </a:p>
-        </p:txBody>
-      </p:sp>
-      <p:sp>
-        <p:nvSpPr>
-          <p:cNvPr id="5" name="Slide Number Placeholder 4"/>
-          <p:cNvSpPr>
-            <a:spLocks noGrp="1"/>
-          </p:cNvSpPr>
-          <p:nvPr>
-            <p:ph type="sldNum" sz="quarter" idx="3"/>
-          </p:nvPr>
-        </p:nvSpPr>
-        <p:spPr>
-          <a:xfrm>
-            <a:off x="3884613" y="8685213"/>
-            <a:ext cx="2971800" cy="457200"/>
-          </a:xfrm>
-          <a:prstGeom prst="rect">
-            <a:avLst/>
-          </a:prstGeom>
-        </p:spPr>
-        <p:txBody>
-          <a:bodyPr vert="horz" lIns="91440" tIns="45720" rIns="91440" bIns="45720" rtlCol="0" anchor="b"/>
-          <a:lstStyle>
-            <a:lvl1pPr algn="r">
-              <a:defRPr sz="1200"/>
-            </a:lvl1pPr>
-          </a:lstStyle>
-          <a:p>
-            <a:fld id="{A8E322BB-75AD-4A1E-9661-2724167329F0}" type="slidenum">
-              <a:rPr/>
-              <a:t>‹#›</a:t>
-            </a:fld>
-            <a:endParaRPr/>
-          </a:p>
-        </p:txBody>
-      </p:sp>
-    </p:spTree>
-    <p:extLst>
-      <p:ext uri="{BB962C8B-B14F-4D97-AF65-F5344CB8AC3E}">
-        <p14:creationId xmlns:p14="http://schemas.microsoft.com/office/powerpoint/2010/main" val="251270579"/>
-      </p:ext>
-    </p:extLst>
-  </p:cSld>
-  <p:clrMap bg1="lt1" tx1="dk1" bg2="lt2" tx2="dk2" accent1="accent1" accent2="accent2" accent3="accent3" accent4="accent4" accent5="accent5" accent6="accent6" hlink="hlink" folHlink="folHlink"/>
-</p:handoutMaster>
-</file>
-
-<file path=ppt/notesMasters/notesMaster1.xml><?xml version="1.0" encoding="utf-8"?>
-<p:notesMaster xmlns:a="http://schemas.openxmlformats.org/drawingml/2006/main" xmlns:r="http://schemas.openxmlformats.org/officeDocument/2006/relationships" xmlns:p="http://schemas.openxmlformats.org/presentationml/2006/main">
-  <p:cSld>
-    <p:bg>
-      <p:bgRef idx="1001">
-        <a:schemeClr val="bg1"/>
-      </p:bgRef>
-    </p:bg>
-    <p:spTree>
-      <p:nvGrpSpPr>
-        <p:cNvPr id="1" name=""/>
-        <p:cNvGrpSpPr/>
-        <p:nvPr/>
-      </p:nvGrpSpPr>
-      <p:grpSpPr>
-        <a:xfrm>
-          <a:off x="0" y="0"/>
-          <a:ext cx="0" cy="0"/>
-          <a:chOff x="0" y="0"/>
-          <a:chExt cx="0" cy="0"/>
-        </a:xfrm>
-      </p:grpSpPr>
-      <p:sp>
-        <p:nvSpPr>
-          <p:cNvPr id="2" name="Header Placeholder 1"/>
-          <p:cNvSpPr>
-            <a:spLocks noGrp="1"/>
-          </p:cNvSpPr>
-          <p:nvPr>
-            <p:ph type="hdr" sz="quarter"/>
-          </p:nvPr>
-        </p:nvSpPr>
-        <p:spPr>
-          <a:xfrm>
-            <a:off x="0" y="0"/>
-            <a:ext cx="2971800" cy="457200"/>
-          </a:xfrm>
-          <a:prstGeom prst="rect">
-            <a:avLst/>
-          </a:prstGeom>
-        </p:spPr>
-        <p:txBody>
-          <a:bodyPr vert="horz" lIns="91440" tIns="45720" rIns="91440" bIns="45720" rtlCol="0"/>
-          <a:lstStyle>
-            <a:lvl1pPr algn="l">
-              <a:defRPr sz="1200"/>
-            </a:lvl1pPr>
-          </a:lstStyle>
-          <a:p>
-            <a:endParaRPr/>
-          </a:p>
-        </p:txBody>
-      </p:sp>
-      <p:sp>
-        <p:nvSpPr>
-          <p:cNvPr id="3" name="Date Placeholder 2"/>
-          <p:cNvSpPr>
-            <a:spLocks noGrp="1"/>
-          </p:cNvSpPr>
-          <p:nvPr>
-            <p:ph type="dt" idx="1"/>
-          </p:nvPr>
-        </p:nvSpPr>
-        <p:spPr>
-          <a:xfrm>
-            <a:off x="3884613" y="0"/>
-            <a:ext cx="2971800" cy="457200"/>
-          </a:xfrm>
-          <a:prstGeom prst="rect">
-            <a:avLst/>
-          </a:prstGeom>
-        </p:spPr>
-        <p:txBody>
-          <a:bodyPr vert="horz" lIns="91440" tIns="45720" rIns="91440" bIns="45720" rtlCol="0"/>
-          <a:lstStyle>
-            <a:lvl1pPr algn="r">
-              <a:defRPr sz="1200"/>
-            </a:lvl1pPr>
-          </a:lstStyle>
-          <a:p>
-            <a:fld id="{67DFBD7B-E4FB-4AA8-9540-FD148073ACB3}" type="datetimeFigureOut">
-              <a:rPr lang="en-US"/>
-              <a:t>2/12/2023</a:t>
-            </a:fld>
-            <a:endParaRPr/>
-          </a:p>
-        </p:txBody>
-      </p:sp>
-      <p:sp>
-        <p:nvSpPr>
-          <p:cNvPr id="4" name="Slide Image Placeholder 3"/>
-          <p:cNvSpPr>
-            <a:spLocks noGrp="1" noRot="1" noChangeAspect="1"/>
-          </p:cNvSpPr>
-          <p:nvPr>
-            <p:ph type="sldImg" idx="2"/>
-          </p:nvPr>
-        </p:nvSpPr>
-        <p:spPr>
-          <a:xfrm>
-            <a:off x="381000" y="685800"/>
-            <a:ext cx="6096000" cy="3429000"/>
-          </a:xfrm>
-          <a:prstGeom prst="rect">
-            <a:avLst/>
-          </a:prstGeom>
-          <a:noFill/>
-          <a:ln w="12700">
-            <a:solidFill>
-              <a:prstClr val="black"/>
-            </a:solidFill>
-          </a:ln>
-        </p:spPr>
-        <p:txBody>
-          <a:bodyPr vert="horz" lIns="91440" tIns="45720" rIns="91440" bIns="45720" rtlCol="0" anchor="ctr"/>
-          <a:lstStyle/>
-          <a:p>
-            <a:endParaRPr/>
-          </a:p>
-        </p:txBody>
-      </p:sp>
-      <p:sp>
-        <p:nvSpPr>
-          <p:cNvPr id="5" name="Notes Placeholder 4"/>
-          <p:cNvSpPr>
-            <a:spLocks noGrp="1"/>
-          </p:cNvSpPr>
-          <p:nvPr>
-            <p:ph type="body" sz="quarter" idx="3"/>
-          </p:nvPr>
-        </p:nvSpPr>
-        <p:spPr>
-          <a:xfrm>
-            <a:off x="685800" y="4343400"/>
-            <a:ext cx="5486400" cy="4114800"/>
-          </a:xfrm>
-          <a:prstGeom prst="rect">
-            <a:avLst/>
-          </a:prstGeom>
-        </p:spPr>
-        <p:txBody>
-          <a:bodyPr vert="horz" lIns="91440" tIns="45720" rIns="91440" bIns="45720" rtlCol="0"/>
-          <a:lstStyle/>
-          <a:p>
-            <a:pPr lvl="0"/>
-            <a:r>
-              <a:t>Click to edit Master text styles</a:t>
-            </a:r>
-          </a:p>
-          <a:p>
-            <a:pPr lvl="1"/>
-            <a:r>
-              <a:t>Second level</a:t>
-            </a:r>
-          </a:p>
-          <a:p>
-            <a:pPr lvl="2"/>
-            <a:r>
-              <a:t>Third level</a:t>
-            </a:r>
-          </a:p>
-          <a:p>
-            <a:pPr lvl="3"/>
-            <a:r>
-              <a:t>Fourth level</a:t>
-            </a:r>
-          </a:p>
-          <a:p>
-            <a:pPr lvl="4"/>
-            <a:r>
-              <a:t>Fifth level</a:t>
-            </a:r>
-          </a:p>
-        </p:txBody>
-      </p:sp>
-      <p:sp>
-        <p:nvSpPr>
-          <p:cNvPr id="6" name="Footer Placeholder 5"/>
-          <p:cNvSpPr>
-            <a:spLocks noGrp="1"/>
-          </p:cNvSpPr>
-          <p:nvPr>
-            <p:ph type="ftr" sz="quarter" idx="4"/>
-          </p:nvPr>
-        </p:nvSpPr>
-        <p:spPr>
-          <a:xfrm>
-            <a:off x="0" y="8685213"/>
-            <a:ext cx="2971800" cy="457200"/>
-          </a:xfrm>
-          <a:prstGeom prst="rect">
-            <a:avLst/>
-          </a:prstGeom>
-        </p:spPr>
-        <p:txBody>
-          <a:bodyPr vert="horz" lIns="91440" tIns="45720" rIns="91440" bIns="45720" rtlCol="0" anchor="b"/>
-          <a:lstStyle>
-            <a:lvl1pPr algn="l">
-              <a:defRPr sz="1200"/>
-            </a:lvl1pPr>
-          </a:lstStyle>
-          <a:p>
-            <a:endParaRPr/>
-          </a:p>
-        </p:txBody>
-      </p:sp>
-      <p:sp>
-        <p:nvSpPr>
-          <p:cNvPr id="7" name="Slide Number Placeholder 6"/>
-          <p:cNvSpPr>
-            <a:spLocks noGrp="1"/>
-          </p:cNvSpPr>
-          <p:nvPr>
-            <p:ph type="sldNum" sz="quarter" idx="5"/>
-          </p:nvPr>
-        </p:nvSpPr>
-        <p:spPr>
-          <a:xfrm>
-            <a:off x="3884613" y="8685213"/>
-            <a:ext cx="2971800" cy="457200"/>
-          </a:xfrm>
-          <a:prstGeom prst="rect">
-            <a:avLst/>
-          </a:prstGeom>
-        </p:spPr>
-        <p:txBody>
-          <a:bodyPr vert="horz" lIns="91440" tIns="45720" rIns="91440" bIns="45720" rtlCol="0" anchor="b"/>
-          <a:lstStyle>
-            <a:lvl1pPr algn="r">
-              <a:defRPr sz="1200"/>
-            </a:lvl1pPr>
-          </a:lstStyle>
-          <a:p>
-            <a:fld id="{B045B7DE-1198-4F2F-B574-CA8CAE341642}" type="slidenum">
-              <a:rPr/>
-              <a:t>‹#›</a:t>
-            </a:fld>
-            <a:endParaRPr/>
-          </a:p>
-        </p:txBody>
-      </p:sp>
-    </p:spTree>
-    <p:extLst>
-      <p:ext uri="{BB962C8B-B14F-4D97-AF65-F5344CB8AC3E}">
-        <p14:creationId xmlns:p14="http://schemas.microsoft.com/office/powerpoint/2010/main" val="1882312455"/>
-      </p:ext>
-    </p:extLst>
-  </p:cSld>
-  <p:clrMap bg1="lt1" tx1="dk1" bg2="lt2" tx2="dk2" accent1="accent1" accent2="accent2" accent3="accent3" accent4="accent4" accent5="accent5" accent6="accent6" hlink="hlink" folHlink="folHlink"/>
-  <p:notesStyle>
-    <a:lvl1pPr marL="0" algn="l" defTabSz="1218987" rtl="0" eaLnBrk="1" latinLnBrk="0" hangingPunct="1">
-      <a:defRPr sz="1600" kern="1200">
-        <a:solidFill>
-          <a:schemeClr val="tx1"/>
-        </a:solidFill>
-        <a:latin typeface="+mn-lt"/>
-        <a:ea typeface="+mn-ea"/>
-        <a:cs typeface="+mn-cs"/>
-      </a:defRPr>
-    </a:lvl1pPr>
-    <a:lvl2pPr marL="609493" algn="l" defTabSz="1218987" rtl="0" eaLnBrk="1" latinLnBrk="0" hangingPunct="1">
-      <a:defRPr sz="1600" kern="1200">
-        <a:solidFill>
-          <a:schemeClr val="tx1"/>
-        </a:solidFill>
-        <a:latin typeface="+mn-lt"/>
-        <a:ea typeface="+mn-ea"/>
-        <a:cs typeface="+mn-cs"/>
-      </a:defRPr>
-    </a:lvl2pPr>
-    <a:lvl3pPr marL="1218987" algn="l" defTabSz="1218987" rtl="0" eaLnBrk="1" latinLnBrk="0" hangingPunct="1">
-      <a:defRPr sz="1600" kern="1200">
-        <a:solidFill>
-          <a:schemeClr val="tx1"/>
-        </a:solidFill>
-        <a:latin typeface="+mn-lt"/>
-        <a:ea typeface="+mn-ea"/>
-        <a:cs typeface="+mn-cs"/>
-      </a:defRPr>
-    </a:lvl3pPr>
-    <a:lvl4pPr marL="1828480" algn="l" defTabSz="1218987" rtl="0" eaLnBrk="1" latinLnBrk="0" hangingPunct="1">
-      <a:defRPr sz="1600" kern="1200">
-        <a:solidFill>
-          <a:schemeClr val="tx1"/>
-        </a:solidFill>
-        <a:latin typeface="+mn-lt"/>
-        <a:ea typeface="+mn-ea"/>
-        <a:cs typeface="+mn-cs"/>
-      </a:defRPr>
-    </a:lvl4pPr>
-    <a:lvl5pPr marL="2437973" algn="l" defTabSz="1218987" rtl="0" eaLnBrk="1" latinLnBrk="0" hangingPunct="1">
-      <a:defRPr sz="1600" kern="1200">
-        <a:solidFill>
-          <a:schemeClr val="tx1"/>
-        </a:solidFill>
-        <a:latin typeface="+mn-lt"/>
-        <a:ea typeface="+mn-ea"/>
-        <a:cs typeface="+mn-cs"/>
-      </a:defRPr>
-    </a:lvl5pPr>
-    <a:lvl6pPr marL="3047467" algn="l" defTabSz="1218987" rtl="0" eaLnBrk="1" latinLnBrk="0" hangingPunct="1">
-      <a:defRPr sz="1600" kern="1200">
-        <a:solidFill>
-          <a:schemeClr val="tx1"/>
-        </a:solidFill>
-        <a:latin typeface="+mn-lt"/>
-        <a:ea typeface="+mn-ea"/>
-        <a:cs typeface="+mn-cs"/>
-      </a:defRPr>
-    </a:lvl6pPr>
-    <a:lvl7pPr marL="3656960" algn="l" defTabSz="1218987" rtl="0" eaLnBrk="1" latinLnBrk="0" hangingPunct="1">
-      <a:defRPr sz="1600" kern="1200">
-        <a:solidFill>
-          <a:schemeClr val="tx1"/>
-        </a:solidFill>
-        <a:latin typeface="+mn-lt"/>
-        <a:ea typeface="+mn-ea"/>
-        <a:cs typeface="+mn-cs"/>
-      </a:defRPr>
-    </a:lvl7pPr>
-    <a:lvl8pPr marL="4266453" algn="l" defTabSz="1218987" rtl="0" eaLnBrk="1" latinLnBrk="0" hangingPunct="1">
-      <a:defRPr sz="1600" kern="1200">
-        <a:solidFill>
-          <a:schemeClr val="tx1"/>
-        </a:solidFill>
-        <a:latin typeface="+mn-lt"/>
-        <a:ea typeface="+mn-ea"/>
-        <a:cs typeface="+mn-cs"/>
-      </a:defRPr>
-    </a:lvl8pPr>
-    <a:lvl9pPr marL="4875947" algn="l" defTabSz="1218987" rtl="0" eaLnBrk="1" latinLnBrk="0" hangingPunct="1">
-      <a:defRPr sz="1600" kern="1200">
-        <a:solidFill>
-          <a:schemeClr val="tx1"/>
-        </a:solidFill>
-        <a:latin typeface="+mn-lt"/>
-        <a:ea typeface="+mn-ea"/>
-        <a:cs typeface="+mn-cs"/>
-      </a:defRPr>
-    </a:lvl9pPr>
-  </p:notesStyle>
-</p:notesMaster>
-</file>
-
 <file path=ppt/slideLayouts/slideLayout1.xml><?xml version="1.0" encoding="utf-8"?>
-<p:sldLayout xmlns:a="http://schemas.openxmlformats.org/drawingml/2006/main" xmlns:r="http://schemas.openxmlformats.org/officeDocument/2006/relationships" xmlns:p="http://schemas.openxmlformats.org/presentationml/2006/main" showMasterSp="0" type="title" preserve="1">
+<p:sldLayout xmlns:a="http://schemas.openxmlformats.org/drawingml/2006/main" xmlns:r="http://schemas.openxmlformats.org/officeDocument/2006/relationships" xmlns:p="http://schemas.openxmlformats.org/presentationml/2006/main" xmlns:m="http://schemas.openxmlformats.org/officeDocument/2006/math" xmlns:w="http://schemas.openxmlformats.org/wordprocessingml/2006/main" matchingName="" preserve="1" showMasterPhAnim="0" showMasterSp="0" type="title" userDrawn="1">
   <p:cSld name="Title Slide">
     <p:bg>
-      <p:bgPr>
-        <a:blipFill dpi="0" rotWithShape="1">
+      <p:bgPr shadeToTitle="0">
+        <a:blipFill>
           <a:blip r:embed="rId2">
             <a:lum/>
           </a:blip>
-          <a:srcRect/>
-          <a:stretch>
-            <a:fillRect/>
-          </a:stretch>
+          <a:stretch/>
         </a:blipFill>
-        <a:effectLst/>
       </p:bgPr>
     </p:bg>
     <p:spTree>
@@ -684,7 +135,7 @@
         <p:cNvGrpSpPr/>
         <p:nvPr/>
       </p:nvGrpSpPr>
-      <p:grpSpPr>
+      <p:grpSpPr bwMode="auto">
         <a:xfrm>
           <a:off x="0" y="0"/>
           <a:ext cx="0" cy="0"/>
@@ -698,7 +149,7 @@
           <p:cNvGrpSpPr/>
           <p:nvPr/>
         </p:nvGrpSpPr>
-        <p:grpSpPr>
+        <p:grpSpPr bwMode="auto">
           <a:xfrm>
             <a:off x="0" y="1135743"/>
             <a:ext cx="1622332" cy="799981"/>
@@ -712,13 +163,15 @@
             <p:cNvSpPr/>
             <p:nvPr/>
           </p:nvSpPr>
-          <p:spPr>
+          <p:spPr bwMode="auto">
             <a:xfrm>
               <a:off x="591671" y="452558"/>
-              <a:ext cx="322729" cy="524180"/>
+              <a:ext cx="322728" cy="524180"/>
             </a:xfrm>
             <a:prstGeom prst="roundRect">
-              <a:avLst/>
+              <a:avLst>
+                <a:gd name="adj" fmla="val 16667"/>
+              </a:avLst>
             </a:prstGeom>
             <a:solidFill>
               <a:schemeClr val="accent3"/>
@@ -747,7 +200,9 @@
             <a:bodyPr rtlCol="0" anchor="ctr"/>
             <a:lstStyle/>
             <a:p>
-              <a:pPr algn="ctr"/>
+              <a:pPr algn="ctr">
+                <a:defRPr/>
+              </a:pPr>
               <a:endParaRPr/>
             </a:p>
           </p:txBody>
@@ -758,13 +213,15 @@
             <p:cNvSpPr/>
             <p:nvPr/>
           </p:nvSpPr>
-          <p:spPr>
+          <p:spPr bwMode="auto">
             <a:xfrm>
               <a:off x="215154" y="452558"/>
-              <a:ext cx="322729" cy="524180"/>
+              <a:ext cx="322728" cy="524180"/>
             </a:xfrm>
             <a:prstGeom prst="roundRect">
-              <a:avLst/>
+              <a:avLst>
+                <a:gd name="adj" fmla="val 16667"/>
+              </a:avLst>
             </a:prstGeom>
             <a:solidFill>
               <a:schemeClr val="accent2"/>
@@ -793,7 +250,9 @@
             <a:bodyPr rtlCol="0" anchor="ctr"/>
             <a:lstStyle/>
             <a:p>
-              <a:pPr algn="ctr"/>
+              <a:pPr algn="ctr">
+                <a:defRPr/>
+              </a:pPr>
               <a:endParaRPr/>
             </a:p>
           </p:txBody>
@@ -804,7 +263,7 @@
             <p:cNvSpPr/>
             <p:nvPr/>
           </p:nvSpPr>
-          <p:spPr>
+          <p:spPr bwMode="auto">
             <a:xfrm rot="5400000">
               <a:off x="-181408" y="633966"/>
               <a:ext cx="524182" cy="161366"/>
@@ -842,7 +301,9 @@
             <a:bodyPr rtlCol="0" anchor="ctr"/>
             <a:lstStyle/>
             <a:p>
-              <a:pPr algn="ctr"/>
+              <a:pPr algn="ctr">
+                <a:defRPr/>
+              </a:pPr>
               <a:endParaRPr/>
             </a:p>
           </p:txBody>
@@ -858,7 +319,7 @@
             <p:ph type="ctrTitle"/>
           </p:nvPr>
         </p:nvSpPr>
-        <p:spPr>
+        <p:spPr bwMode="auto">
           <a:xfrm>
             <a:off x="1828324" y="362396"/>
             <a:ext cx="9141619" cy="1676400"/>
@@ -877,6 +338,9 @@
             </a:lvl1pPr>
           </a:lstStyle>
           <a:p>
+            <a:pPr>
+              <a:defRPr/>
+            </a:pPr>
             <a:r>
               <a:rPr lang="en-US"/>
               <a:t>Click to edit Master title style</a:t>
@@ -895,10 +359,10 @@
             <p:ph type="subTitle" idx="1"/>
           </p:nvPr>
         </p:nvSpPr>
-        <p:spPr>
+        <p:spPr bwMode="auto">
           <a:xfrm>
             <a:off x="1828324" y="2089595"/>
-            <a:ext cx="9141619" cy="886344"/>
+            <a:ext cx="9141619" cy="886343"/>
           </a:xfrm>
         </p:spPr>
         <p:txBody>
@@ -998,11 +462,14 @@
             </a:lvl9pPr>
           </a:lstStyle>
           <a:p>
+            <a:pPr>
+              <a:defRPr/>
+            </a:pPr>
             <a:r>
               <a:rPr lang="en-US"/>
               <a:t>Click to edit Master subtitle style</a:t>
             </a:r>
-            <a:endParaRPr dirty="0"/>
+            <a:endParaRPr/>
           </a:p>
         </p:txBody>
       </p:sp>
@@ -1016,15 +483,19 @@
             <p:ph type="ftr" sz="quarter" idx="11"/>
           </p:nvPr>
         </p:nvSpPr>
-        <p:spPr/>
+        <p:spPr bwMode="auto"/>
         <p:txBody>
           <a:bodyPr/>
           <a:lstStyle/>
           <a:p>
-            <a:r>
-              <a:rPr lang="en-US" dirty="0"/>
+            <a:pPr>
+              <a:defRPr/>
+            </a:pPr>
+            <a:r>
+              <a:rPr lang="en-US"/>
               <a:t>Add a footer</a:t>
             </a:r>
+            <a:endParaRPr/>
           </a:p>
         </p:txBody>
       </p:sp>
@@ -1038,14 +509,17 @@
             <p:ph type="dt" sz="half" idx="10"/>
           </p:nvPr>
         </p:nvSpPr>
-        <p:spPr/>
+        <p:spPr bwMode="auto"/>
         <p:txBody>
           <a:bodyPr/>
           <a:lstStyle/>
           <a:p>
+            <a:pPr>
+              <a:defRPr/>
+            </a:pPr>
             <a:fld id="{A7209051-6E81-43E8-9099-FF6A0C3DCFE8}" type="datetime1">
               <a:rPr lang="en-US"/>
-              <a:t>2/12/2023</a:t>
+              <a:t/>
             </a:fld>
             <a:endParaRPr/>
           </a:p>
@@ -1061,46 +535,32 @@
             <p:ph type="sldNum" sz="quarter" idx="12"/>
           </p:nvPr>
         </p:nvSpPr>
-        <p:spPr/>
+        <p:spPr bwMode="auto"/>
         <p:txBody>
           <a:bodyPr/>
           <a:lstStyle/>
           <a:p>
+            <a:pPr>
+              <a:defRPr/>
+            </a:pPr>
             <a:fld id="{34C99D79-8A4B-4031-B1E0-AF26F8EDF2BC}" type="slidenum">
               <a:rPr/>
-              <a:t>‹#›</a:t>
+              <a:t/>
             </a:fld>
             <a:endParaRPr/>
           </a:p>
         </p:txBody>
       </p:sp>
     </p:spTree>
-    <p:extLst>
-      <p:ext uri="{BB962C8B-B14F-4D97-AF65-F5344CB8AC3E}">
-        <p14:creationId xmlns:p14="http://schemas.microsoft.com/office/powerpoint/2010/main" val="3887510112"/>
-      </p:ext>
-    </p:extLst>
   </p:cSld>
   <p:clrMapOvr>
     <a:masterClrMapping/>
   </p:clrMapOvr>
-  <mc:AlternateContent xmlns:mc="http://schemas.openxmlformats.org/markup-compatibility/2006" xmlns:p14="http://schemas.microsoft.com/office/powerpoint/2010/main">
-    <mc:Choice Requires="p14">
-      <p:transition spd="med" p14:dur="700">
-        <p:fade/>
-      </p:transition>
-    </mc:Choice>
-    <mc:Fallback xmlns="">
-      <p:transition spd="med">
-        <p:fade/>
-      </p:transition>
-    </mc:Fallback>
-  </mc:AlternateContent>
 </p:sldLayout>
 </file>
 
 <file path=ppt/slideLayouts/slideLayout10.xml><?xml version="1.0" encoding="utf-8"?>
-<p:sldLayout xmlns:a="http://schemas.openxmlformats.org/drawingml/2006/main" xmlns:r="http://schemas.openxmlformats.org/officeDocument/2006/relationships" xmlns:p="http://schemas.openxmlformats.org/presentationml/2006/main" type="vertTx" preserve="1">
+<p:sldLayout xmlns:a="http://schemas.openxmlformats.org/drawingml/2006/main" xmlns:r="http://schemas.openxmlformats.org/officeDocument/2006/relationships" xmlns:p="http://schemas.openxmlformats.org/presentationml/2006/main" xmlns:m="http://schemas.openxmlformats.org/officeDocument/2006/math" xmlns:w="http://schemas.openxmlformats.org/wordprocessingml/2006/main" matchingName="" preserve="1" showMasterPhAnim="0" type="vertTx" userDrawn="1">
   <p:cSld name="Title and Vertical Text">
     <p:spTree>
       <p:nvGrpSpPr>
@@ -1108,7 +568,7 @@
         <p:cNvGrpSpPr/>
         <p:nvPr/>
       </p:nvGrpSpPr>
-      <p:grpSpPr>
+      <p:grpSpPr bwMode="auto">
         <a:xfrm>
           <a:off x="0" y="0"/>
           <a:ext cx="0" cy="0"/>
@@ -1126,11 +586,14 @@
             <p:ph type="title"/>
           </p:nvPr>
         </p:nvSpPr>
-        <p:spPr/>
+        <p:spPr bwMode="auto"/>
         <p:txBody>
           <a:bodyPr/>
           <a:lstStyle/>
           <a:p>
+            <a:pPr>
+              <a:defRPr/>
+            </a:pPr>
             <a:r>
               <a:rPr lang="en-US"/>
               <a:t>Click to edit Master title style</a:t>
@@ -1149,7 +612,7 @@
             <p:ph type="body" orient="vert" idx="1"/>
           </p:nvPr>
         </p:nvSpPr>
-        <p:spPr/>
+        <p:spPr bwMode="auto"/>
         <p:txBody>
           <a:bodyPr vert="eaVert"/>
           <a:lstStyle>
@@ -1163,42 +626,56 @@
               <a:defRPr/>
             </a:lvl7pPr>
             <a:lvl8pPr>
-              <a:defRPr baseline="0"/>
+              <a:defRPr/>
             </a:lvl8pPr>
             <a:lvl9pPr>
-              <a:defRPr baseline="0"/>
+              <a:defRPr/>
             </a:lvl9pPr>
           </a:lstStyle>
           <a:p>
-            <a:pPr lvl="0"/>
+            <a:pPr lvl="0">
+              <a:defRPr/>
+            </a:pPr>
             <a:r>
               <a:rPr lang="en-US"/>
               <a:t>Edit Master text styles</a:t>
             </a:r>
-          </a:p>
-          <a:p>
-            <a:pPr lvl="1"/>
+            <a:endParaRPr/>
+          </a:p>
+          <a:p>
+            <a:pPr lvl="1">
+              <a:defRPr/>
+            </a:pPr>
             <a:r>
               <a:rPr lang="en-US"/>
               <a:t>Second level</a:t>
             </a:r>
-          </a:p>
-          <a:p>
-            <a:pPr lvl="2"/>
+            <a:endParaRPr/>
+          </a:p>
+          <a:p>
+            <a:pPr lvl="2">
+              <a:defRPr/>
+            </a:pPr>
             <a:r>
               <a:rPr lang="en-US"/>
               <a:t>Third level</a:t>
             </a:r>
-          </a:p>
-          <a:p>
-            <a:pPr lvl="3"/>
+            <a:endParaRPr/>
+          </a:p>
+          <a:p>
+            <a:pPr lvl="3">
+              <a:defRPr/>
+            </a:pPr>
             <a:r>
               <a:rPr lang="en-US"/>
               <a:t>Fourth level</a:t>
             </a:r>
-          </a:p>
-          <a:p>
-            <a:pPr lvl="4"/>
+            <a:endParaRPr/>
+          </a:p>
+          <a:p>
+            <a:pPr lvl="4">
+              <a:defRPr/>
+            </a:pPr>
             <a:r>
               <a:rPr lang="en-US"/>
               <a:t>Fifth level</a:t>
@@ -1217,15 +694,19 @@
             <p:ph type="ftr" sz="quarter" idx="11"/>
           </p:nvPr>
         </p:nvSpPr>
-        <p:spPr/>
+        <p:spPr bwMode="auto"/>
         <p:txBody>
           <a:bodyPr/>
           <a:lstStyle/>
           <a:p>
-            <a:r>
-              <a:rPr lang="en-US" dirty="0"/>
+            <a:pPr>
+              <a:defRPr/>
+            </a:pPr>
+            <a:r>
+              <a:rPr lang="en-US"/>
               <a:t>Add a footer</a:t>
             </a:r>
+            <a:endParaRPr/>
           </a:p>
         </p:txBody>
       </p:sp>
@@ -1239,14 +720,17 @@
             <p:ph type="dt" sz="half" idx="10"/>
           </p:nvPr>
         </p:nvSpPr>
-        <p:spPr/>
+        <p:spPr bwMode="auto"/>
         <p:txBody>
           <a:bodyPr/>
           <a:lstStyle/>
           <a:p>
+            <a:pPr>
+              <a:defRPr/>
+            </a:pPr>
             <a:fld id="{EDCEAB04-7709-4C1E-A61A-74684A0170FC}" type="datetime1">
               <a:rPr lang="en-US"/>
-              <a:t>2/12/2023</a:t>
+              <a:t/>
             </a:fld>
             <a:endParaRPr/>
           </a:p>
@@ -1262,46 +746,32 @@
             <p:ph type="sldNum" sz="quarter" idx="12"/>
           </p:nvPr>
         </p:nvSpPr>
-        <p:spPr/>
+        <p:spPr bwMode="auto"/>
         <p:txBody>
           <a:bodyPr/>
           <a:lstStyle/>
           <a:p>
+            <a:pPr>
+              <a:defRPr/>
+            </a:pPr>
             <a:fld id="{34C99D79-8A4B-4031-B1E0-AF26F8EDF2BC}" type="slidenum">
               <a:rPr/>
-              <a:t>‹#›</a:t>
+              <a:t/>
             </a:fld>
             <a:endParaRPr/>
           </a:p>
         </p:txBody>
       </p:sp>
     </p:spTree>
-    <p:extLst>
-      <p:ext uri="{BB962C8B-B14F-4D97-AF65-F5344CB8AC3E}">
-        <p14:creationId xmlns:p14="http://schemas.microsoft.com/office/powerpoint/2010/main" val="2640825804"/>
-      </p:ext>
-    </p:extLst>
   </p:cSld>
   <p:clrMapOvr>
     <a:masterClrMapping/>
   </p:clrMapOvr>
-  <mc:AlternateContent xmlns:mc="http://schemas.openxmlformats.org/markup-compatibility/2006" xmlns:p14="http://schemas.microsoft.com/office/powerpoint/2010/main">
-    <mc:Choice Requires="p14">
-      <p:transition spd="med" p14:dur="700">
-        <p:fade/>
-      </p:transition>
-    </mc:Choice>
-    <mc:Fallback xmlns="">
-      <p:transition spd="med">
-        <p:fade/>
-      </p:transition>
-    </mc:Fallback>
-  </mc:AlternateContent>
 </p:sldLayout>
 </file>
 
 <file path=ppt/slideLayouts/slideLayout11.xml><?xml version="1.0" encoding="utf-8"?>
-<p:sldLayout xmlns:a="http://schemas.openxmlformats.org/drawingml/2006/main" xmlns:r="http://schemas.openxmlformats.org/officeDocument/2006/relationships" xmlns:p="http://schemas.openxmlformats.org/presentationml/2006/main" showMasterSp="0" type="vertTitleAndTx" preserve="1">
+<p:sldLayout xmlns:a="http://schemas.openxmlformats.org/drawingml/2006/main" xmlns:r="http://schemas.openxmlformats.org/officeDocument/2006/relationships" xmlns:p="http://schemas.openxmlformats.org/presentationml/2006/main" xmlns:m="http://schemas.openxmlformats.org/officeDocument/2006/math" xmlns:w="http://schemas.openxmlformats.org/wordprocessingml/2006/main" matchingName="" preserve="1" showMasterPhAnim="0" showMasterSp="0" type="vertTitleAndTx" userDrawn="1">
   <p:cSld name="Vertical Title and Text">
     <p:spTree>
       <p:nvGrpSpPr>
@@ -1309,7 +779,7 @@
         <p:cNvGrpSpPr/>
         <p:nvPr/>
       </p:nvGrpSpPr>
-      <p:grpSpPr>
+      <p:grpSpPr bwMode="auto">
         <a:xfrm>
           <a:off x="0" y="0"/>
           <a:ext cx="0" cy="0"/>
@@ -1323,7 +793,7 @@
           <p:cNvGrpSpPr/>
           <p:nvPr/>
         </p:nvGrpSpPr>
-        <p:grpSpPr>
+        <p:grpSpPr bwMode="auto">
           <a:xfrm rot="5400000">
             <a:off x="9583007" y="233864"/>
             <a:ext cx="1063300" cy="524046"/>
@@ -1337,13 +807,15 @@
             <p:cNvSpPr/>
             <p:nvPr/>
           </p:nvSpPr>
-          <p:spPr>
+          <p:spPr bwMode="auto">
             <a:xfrm>
               <a:off x="591671" y="452558"/>
-              <a:ext cx="322729" cy="524180"/>
+              <a:ext cx="322728" cy="524180"/>
             </a:xfrm>
             <a:prstGeom prst="roundRect">
-              <a:avLst/>
+              <a:avLst>
+                <a:gd name="adj" fmla="val 16667"/>
+              </a:avLst>
             </a:prstGeom>
             <a:solidFill>
               <a:schemeClr val="accent3"/>
@@ -1372,7 +844,9 @@
             <a:bodyPr rtlCol="0" anchor="ctr"/>
             <a:lstStyle/>
             <a:p>
-              <a:pPr algn="ctr"/>
+              <a:pPr algn="ctr">
+                <a:defRPr/>
+              </a:pPr>
               <a:endParaRPr/>
             </a:p>
           </p:txBody>
@@ -1383,13 +857,15 @@
             <p:cNvSpPr/>
             <p:nvPr/>
           </p:nvSpPr>
-          <p:spPr>
+          <p:spPr bwMode="auto">
             <a:xfrm>
               <a:off x="215154" y="452558"/>
-              <a:ext cx="322729" cy="524180"/>
+              <a:ext cx="322728" cy="524180"/>
             </a:xfrm>
             <a:prstGeom prst="roundRect">
-              <a:avLst/>
+              <a:avLst>
+                <a:gd name="adj" fmla="val 16667"/>
+              </a:avLst>
             </a:prstGeom>
             <a:solidFill>
               <a:schemeClr val="accent2"/>
@@ -1418,7 +894,9 @@
             <a:bodyPr rtlCol="0" anchor="ctr"/>
             <a:lstStyle/>
             <a:p>
-              <a:pPr algn="ctr"/>
+              <a:pPr algn="ctr">
+                <a:defRPr/>
+              </a:pPr>
               <a:endParaRPr/>
             </a:p>
           </p:txBody>
@@ -1429,7 +907,7 @@
             <p:cNvSpPr/>
             <p:nvPr/>
           </p:nvSpPr>
-          <p:spPr>
+          <p:spPr bwMode="auto">
             <a:xfrm rot="5400000">
               <a:off x="-181408" y="633966"/>
               <a:ext cx="524182" cy="161366"/>
@@ -1467,7 +945,9 @@
             <a:bodyPr rtlCol="0" anchor="ctr"/>
             <a:lstStyle/>
             <a:p>
-              <a:pPr algn="ctr"/>
+              <a:pPr algn="ctr">
+                <a:defRPr/>
+              </a:pPr>
               <a:endParaRPr/>
             </a:p>
           </p:txBody>
@@ -1479,11 +959,11 @@
           <p:cNvGrpSpPr/>
           <p:nvPr/>
         </p:nvGrpSpPr>
-        <p:grpSpPr>
+        <p:grpSpPr bwMode="auto">
           <a:xfrm>
             <a:off x="0" y="5395517"/>
             <a:ext cx="12188825" cy="1462483"/>
-            <a:chOff x="0" y="4046638"/>
+            <a:chOff x="0" y="4046637"/>
             <a:chExt cx="9144000" cy="1096862"/>
           </a:xfrm>
         </p:grpSpPr>
@@ -1505,7 +985,7 @@
               <a:cxnLst/>
               <a:rect l="l" t="t" r="r" b="b"/>
               <a:pathLst>
-                <a:path w="904412" h="9144000">
+                <a:path w="904412" h="9144000" fill="norm" stroke="1" extrusionOk="0">
                   <a:moveTo>
                     <a:pt x="0" y="0"/>
                   </a:moveTo>
@@ -1529,7 +1009,7 @@
             </a:custGeom>
             <a:solidFill>
               <a:schemeClr val="tx1">
-                <a:alpha val="8000"/>
+                <a:alpha val="7999"/>
               </a:schemeClr>
             </a:solidFill>
             <a:ln>
@@ -1556,7 +1036,9 @@
             <a:bodyPr rtlCol="0" anchor="ctr"/>
             <a:lstStyle/>
             <a:p>
-              <a:pPr algn="ctr"/>
+              <a:pPr algn="ctr">
+                <a:defRPr/>
+              </a:pPr>
               <a:endParaRPr/>
             </a:p>
           </p:txBody>
@@ -1579,7 +1061,7 @@
               <a:cxnLst/>
               <a:rect l="l" t="t" r="r" b="b"/>
               <a:pathLst>
-                <a:path w="1096862" h="9144000">
+                <a:path w="1096862" h="9144000" fill="norm" stroke="1" extrusionOk="0">
                   <a:moveTo>
                     <a:pt x="1096861" y="9136375"/>
                   </a:moveTo>
@@ -1650,7 +1132,9 @@
             <a:bodyPr rtlCol="0" anchor="ctr"/>
             <a:lstStyle/>
             <a:p>
-              <a:pPr lvl="0" algn="ctr"/>
+              <a:pPr lvl="0" algn="ctr">
+                <a:defRPr/>
+              </a:pPr>
               <a:endParaRPr/>
             </a:p>
           </p:txBody>
@@ -1666,9 +1150,9 @@
             <p:ph type="title" orient="vert"/>
           </p:nvPr>
         </p:nvSpPr>
-        <p:spPr>
+        <p:spPr bwMode="auto">
           <a:xfrm>
-            <a:off x="9751060" y="1150514"/>
+            <a:off x="9751059" y="1150514"/>
             <a:ext cx="1828324" cy="5021685"/>
           </a:xfrm>
         </p:spPr>
@@ -1676,6 +1160,9 @@
           <a:bodyPr vert="eaVert"/>
           <a:lstStyle/>
           <a:p>
+            <a:pPr>
+              <a:defRPr/>
+            </a:pPr>
             <a:r>
               <a:rPr lang="en-US"/>
               <a:t>Click to edit Master title style</a:t>
@@ -1694,7 +1181,7 @@
             <p:ph type="body" orient="vert" idx="1"/>
           </p:nvPr>
         </p:nvSpPr>
-        <p:spPr>
+        <p:spPr bwMode="auto">
           <a:xfrm>
             <a:off x="1218882" y="1150514"/>
             <a:ext cx="8227457" cy="5021685"/>
@@ -1713,42 +1200,56 @@
               <a:defRPr/>
             </a:lvl7pPr>
             <a:lvl8pPr>
-              <a:defRPr baseline="0"/>
+              <a:defRPr/>
             </a:lvl8pPr>
             <a:lvl9pPr>
-              <a:defRPr baseline="0"/>
+              <a:defRPr/>
             </a:lvl9pPr>
           </a:lstStyle>
           <a:p>
-            <a:pPr lvl="0"/>
+            <a:pPr lvl="0">
+              <a:defRPr/>
+            </a:pPr>
             <a:r>
               <a:rPr lang="en-US"/>
               <a:t>Edit Master text styles</a:t>
             </a:r>
-          </a:p>
-          <a:p>
-            <a:pPr lvl="1"/>
+            <a:endParaRPr/>
+          </a:p>
+          <a:p>
+            <a:pPr lvl="1">
+              <a:defRPr/>
+            </a:pPr>
             <a:r>
               <a:rPr lang="en-US"/>
               <a:t>Second level</a:t>
             </a:r>
-          </a:p>
-          <a:p>
-            <a:pPr lvl="2"/>
+            <a:endParaRPr/>
+          </a:p>
+          <a:p>
+            <a:pPr lvl="2">
+              <a:defRPr/>
+            </a:pPr>
             <a:r>
               <a:rPr lang="en-US"/>
               <a:t>Third level</a:t>
             </a:r>
-          </a:p>
-          <a:p>
-            <a:pPr lvl="3"/>
+            <a:endParaRPr/>
+          </a:p>
+          <a:p>
+            <a:pPr lvl="3">
+              <a:defRPr/>
+            </a:pPr>
             <a:r>
               <a:rPr lang="en-US"/>
               <a:t>Fourth level</a:t>
             </a:r>
-          </a:p>
-          <a:p>
-            <a:pPr lvl="4"/>
+            <a:endParaRPr/>
+          </a:p>
+          <a:p>
+            <a:pPr lvl="4">
+              <a:defRPr/>
+            </a:pPr>
             <a:r>
               <a:rPr lang="en-US"/>
               <a:t>Fifth level</a:t>
@@ -1767,15 +1268,19 @@
             <p:ph type="ftr" sz="quarter" idx="11"/>
           </p:nvPr>
         </p:nvSpPr>
-        <p:spPr/>
+        <p:spPr bwMode="auto"/>
         <p:txBody>
           <a:bodyPr/>
           <a:lstStyle/>
           <a:p>
-            <a:r>
-              <a:rPr lang="en-US" dirty="0"/>
+            <a:pPr>
+              <a:defRPr/>
+            </a:pPr>
+            <a:r>
+              <a:rPr lang="en-US"/>
               <a:t>Add a footer</a:t>
             </a:r>
+            <a:endParaRPr/>
           </a:p>
         </p:txBody>
       </p:sp>
@@ -1789,14 +1294,17 @@
             <p:ph type="dt" sz="half" idx="10"/>
           </p:nvPr>
         </p:nvSpPr>
-        <p:spPr/>
+        <p:spPr bwMode="auto"/>
         <p:txBody>
           <a:bodyPr/>
           <a:lstStyle/>
           <a:p>
+            <a:pPr>
+              <a:defRPr/>
+            </a:pPr>
             <a:fld id="{0C79BD0D-E0B1-4CED-AC65-708AC79EB9CD}" type="datetime1">
               <a:rPr lang="en-US"/>
-              <a:t>2/12/2023</a:t>
+              <a:t/>
             </a:fld>
             <a:endParaRPr/>
           </a:p>
@@ -1812,46 +1320,32 @@
             <p:ph type="sldNum" sz="quarter" idx="12"/>
           </p:nvPr>
         </p:nvSpPr>
-        <p:spPr/>
+        <p:spPr bwMode="auto"/>
         <p:txBody>
           <a:bodyPr/>
           <a:lstStyle/>
           <a:p>
+            <a:pPr>
+              <a:defRPr/>
+            </a:pPr>
             <a:fld id="{34C99D79-8A4B-4031-B1E0-AF26F8EDF2BC}" type="slidenum">
               <a:rPr/>
-              <a:t>‹#›</a:t>
+              <a:t/>
             </a:fld>
             <a:endParaRPr/>
           </a:p>
         </p:txBody>
       </p:sp>
     </p:spTree>
-    <p:extLst>
-      <p:ext uri="{BB962C8B-B14F-4D97-AF65-F5344CB8AC3E}">
-        <p14:creationId xmlns:p14="http://schemas.microsoft.com/office/powerpoint/2010/main" val="81644822"/>
-      </p:ext>
-    </p:extLst>
   </p:cSld>
   <p:clrMapOvr>
     <a:masterClrMapping/>
   </p:clrMapOvr>
-  <mc:AlternateContent xmlns:mc="http://schemas.openxmlformats.org/markup-compatibility/2006" xmlns:p14="http://schemas.microsoft.com/office/powerpoint/2010/main">
-    <mc:Choice Requires="p14">
-      <p:transition spd="med" p14:dur="700">
-        <p:fade/>
-      </p:transition>
-    </mc:Choice>
-    <mc:Fallback xmlns="">
-      <p:transition spd="med">
-        <p:fade/>
-      </p:transition>
-    </mc:Fallback>
-  </mc:AlternateContent>
 </p:sldLayout>
 </file>
 
 <file path=ppt/slideLayouts/slideLayout2.xml><?xml version="1.0" encoding="utf-8"?>
-<p:sldLayout xmlns:a="http://schemas.openxmlformats.org/drawingml/2006/main" xmlns:r="http://schemas.openxmlformats.org/officeDocument/2006/relationships" xmlns:p="http://schemas.openxmlformats.org/presentationml/2006/main" type="obj" preserve="1">
+<p:sldLayout xmlns:a="http://schemas.openxmlformats.org/drawingml/2006/main" xmlns:r="http://schemas.openxmlformats.org/officeDocument/2006/relationships" xmlns:p="http://schemas.openxmlformats.org/presentationml/2006/main" xmlns:m="http://schemas.openxmlformats.org/officeDocument/2006/math" xmlns:w="http://schemas.openxmlformats.org/wordprocessingml/2006/main" matchingName="" preserve="1" showMasterPhAnim="0" type="obj" userDrawn="1">
   <p:cSld name="Title and Content">
     <p:spTree>
       <p:nvGrpSpPr>
@@ -1859,7 +1353,7 @@
         <p:cNvGrpSpPr/>
         <p:nvPr/>
       </p:nvGrpSpPr>
-      <p:grpSpPr>
+      <p:grpSpPr bwMode="auto">
         <a:xfrm>
           <a:off x="0" y="0"/>
           <a:ext cx="0" cy="0"/>
@@ -1877,11 +1371,14 @@
             <p:ph type="title"/>
           </p:nvPr>
         </p:nvSpPr>
-        <p:spPr/>
+        <p:spPr bwMode="auto"/>
         <p:txBody>
           <a:bodyPr/>
           <a:lstStyle/>
           <a:p>
+            <a:pPr>
+              <a:defRPr/>
+            </a:pPr>
             <a:r>
               <a:rPr lang="en-US"/>
               <a:t>Click to edit Master title style</a:t>
@@ -1900,7 +1397,7 @@
             <p:ph idx="1"/>
           </p:nvPr>
         </p:nvSpPr>
-        <p:spPr/>
+        <p:spPr bwMode="auto"/>
         <p:txBody>
           <a:bodyPr/>
           <a:lstStyle>
@@ -1921,35 +1418,49 @@
             </a:lvl9pPr>
           </a:lstStyle>
           <a:p>
-            <a:pPr lvl="0"/>
+            <a:pPr lvl="0">
+              <a:defRPr/>
+            </a:pPr>
             <a:r>
               <a:rPr lang="en-US"/>
               <a:t>Edit Master text styles</a:t>
             </a:r>
-          </a:p>
-          <a:p>
-            <a:pPr lvl="1"/>
+            <a:endParaRPr/>
+          </a:p>
+          <a:p>
+            <a:pPr lvl="1">
+              <a:defRPr/>
+            </a:pPr>
             <a:r>
               <a:rPr lang="en-US"/>
               <a:t>Second level</a:t>
             </a:r>
-          </a:p>
-          <a:p>
-            <a:pPr lvl="2"/>
+            <a:endParaRPr/>
+          </a:p>
+          <a:p>
+            <a:pPr lvl="2">
+              <a:defRPr/>
+            </a:pPr>
             <a:r>
               <a:rPr lang="en-US"/>
               <a:t>Third level</a:t>
             </a:r>
-          </a:p>
-          <a:p>
-            <a:pPr lvl="3"/>
+            <a:endParaRPr/>
+          </a:p>
+          <a:p>
+            <a:pPr lvl="3">
+              <a:defRPr/>
+            </a:pPr>
             <a:r>
               <a:rPr lang="en-US"/>
               <a:t>Fourth level</a:t>
             </a:r>
-          </a:p>
-          <a:p>
-            <a:pPr lvl="4"/>
+            <a:endParaRPr/>
+          </a:p>
+          <a:p>
+            <a:pPr lvl="4">
+              <a:defRPr/>
+            </a:pPr>
             <a:r>
               <a:rPr lang="en-US"/>
               <a:t>Fifth level</a:t>
@@ -1968,15 +1479,19 @@
             <p:ph type="ftr" sz="quarter" idx="11"/>
           </p:nvPr>
         </p:nvSpPr>
-        <p:spPr/>
+        <p:spPr bwMode="auto"/>
         <p:txBody>
           <a:bodyPr/>
           <a:lstStyle/>
           <a:p>
-            <a:r>
-              <a:rPr lang="en-US" dirty="0"/>
+            <a:pPr>
+              <a:defRPr/>
+            </a:pPr>
+            <a:r>
+              <a:rPr lang="en-US"/>
               <a:t>Add a footer</a:t>
             </a:r>
+            <a:endParaRPr/>
           </a:p>
         </p:txBody>
       </p:sp>
@@ -1990,14 +1505,17 @@
             <p:ph type="dt" sz="half" idx="10"/>
           </p:nvPr>
         </p:nvSpPr>
-        <p:spPr/>
+        <p:spPr bwMode="auto"/>
         <p:txBody>
           <a:bodyPr/>
           <a:lstStyle/>
           <a:p>
+            <a:pPr>
+              <a:defRPr/>
+            </a:pPr>
             <a:fld id="{0CC3EA6D-DF0B-4D4B-B359-5F1D1D0E30A4}" type="datetime1">
               <a:rPr lang="en-US"/>
-              <a:t>2/12/2023</a:t>
+              <a:t/>
             </a:fld>
             <a:endParaRPr/>
           </a:p>
@@ -2013,46 +1531,32 @@
             <p:ph type="sldNum" sz="quarter" idx="12"/>
           </p:nvPr>
         </p:nvSpPr>
-        <p:spPr/>
+        <p:spPr bwMode="auto"/>
         <p:txBody>
           <a:bodyPr/>
           <a:lstStyle/>
           <a:p>
+            <a:pPr>
+              <a:defRPr/>
+            </a:pPr>
             <a:fld id="{34C99D79-8A4B-4031-B1E0-AF26F8EDF2BC}" type="slidenum">
               <a:rPr/>
-              <a:t>‹#›</a:t>
+              <a:t/>
             </a:fld>
             <a:endParaRPr/>
           </a:p>
         </p:txBody>
       </p:sp>
     </p:spTree>
-    <p:extLst>
-      <p:ext uri="{BB962C8B-B14F-4D97-AF65-F5344CB8AC3E}">
-        <p14:creationId xmlns:p14="http://schemas.microsoft.com/office/powerpoint/2010/main" val="3435150780"/>
-      </p:ext>
-    </p:extLst>
   </p:cSld>
   <p:clrMapOvr>
     <a:masterClrMapping/>
   </p:clrMapOvr>
-  <mc:AlternateContent xmlns:mc="http://schemas.openxmlformats.org/markup-compatibility/2006" xmlns:p14="http://schemas.microsoft.com/office/powerpoint/2010/main">
-    <mc:Choice Requires="p14">
-      <p:transition spd="med" p14:dur="700">
-        <p:fade/>
-      </p:transition>
-    </mc:Choice>
-    <mc:Fallback xmlns="">
-      <p:transition spd="med">
-        <p:fade/>
-      </p:transition>
-    </mc:Fallback>
-  </mc:AlternateContent>
 </p:sldLayout>
 </file>
 
 <file path=ppt/slideLayouts/slideLayout3.xml><?xml version="1.0" encoding="utf-8"?>
-<p:sldLayout xmlns:a="http://schemas.openxmlformats.org/drawingml/2006/main" xmlns:r="http://schemas.openxmlformats.org/officeDocument/2006/relationships" xmlns:p="http://schemas.openxmlformats.org/presentationml/2006/main" showMasterSp="0" type="secHead" preserve="1">
+<p:sldLayout xmlns:a="http://schemas.openxmlformats.org/drawingml/2006/main" xmlns:r="http://schemas.openxmlformats.org/officeDocument/2006/relationships" xmlns:p="http://schemas.openxmlformats.org/presentationml/2006/main" xmlns:m="http://schemas.openxmlformats.org/officeDocument/2006/math" xmlns:w="http://schemas.openxmlformats.org/wordprocessingml/2006/main" matchingName="" preserve="1" showMasterPhAnim="0" showMasterSp="0" type="secHead" userDrawn="1">
   <p:cSld name="Section Header">
     <p:spTree>
       <p:nvGrpSpPr>
@@ -2060,7 +1564,7 @@
         <p:cNvGrpSpPr/>
         <p:nvPr/>
       </p:nvGrpSpPr>
-      <p:grpSpPr>
+      <p:grpSpPr bwMode="auto">
         <a:xfrm>
           <a:off x="0" y="0"/>
           <a:ext cx="0" cy="0"/>
@@ -2074,7 +1578,7 @@
           <p:cNvGrpSpPr/>
           <p:nvPr/>
         </p:nvGrpSpPr>
-        <p:grpSpPr>
+        <p:grpSpPr bwMode="auto">
           <a:xfrm>
             <a:off x="0" y="3124415"/>
             <a:ext cx="1622332" cy="805061"/>
@@ -2088,13 +1592,15 @@
             <p:cNvSpPr/>
             <p:nvPr/>
           </p:nvSpPr>
-          <p:spPr>
+          <p:spPr bwMode="auto">
             <a:xfrm>
               <a:off x="787514" y="2347123"/>
-              <a:ext cx="429552" cy="599984"/>
+              <a:ext cx="429552" cy="599983"/>
             </a:xfrm>
             <a:prstGeom prst="roundRect">
-              <a:avLst/>
+              <a:avLst>
+                <a:gd name="adj" fmla="val 16667"/>
+              </a:avLst>
             </a:prstGeom>
             <a:solidFill>
               <a:schemeClr val="accent3"/>
@@ -2123,7 +1629,9 @@
             <a:bodyPr rtlCol="0" anchor="ctr"/>
             <a:lstStyle/>
             <a:p>
-              <a:pPr algn="ctr"/>
+              <a:pPr algn="ctr">
+                <a:defRPr/>
+              </a:pPr>
               <a:endParaRPr/>
             </a:p>
           </p:txBody>
@@ -2134,13 +1642,15 @@
             <p:cNvSpPr/>
             <p:nvPr/>
           </p:nvSpPr>
-          <p:spPr>
+          <p:spPr bwMode="auto">
             <a:xfrm>
               <a:off x="286370" y="2347123"/>
-              <a:ext cx="429552" cy="599984"/>
+              <a:ext cx="429552" cy="599983"/>
             </a:xfrm>
             <a:prstGeom prst="roundRect">
-              <a:avLst/>
+              <a:avLst>
+                <a:gd name="adj" fmla="val 16667"/>
+              </a:avLst>
             </a:prstGeom>
             <a:solidFill>
               <a:schemeClr val="accent2"/>
@@ -2169,7 +1679,9 @@
             <a:bodyPr rtlCol="0" anchor="ctr"/>
             <a:lstStyle/>
             <a:p>
-              <a:pPr algn="ctr"/>
+              <a:pPr algn="ctr">
+                <a:defRPr/>
+              </a:pPr>
               <a:endParaRPr/>
             </a:p>
           </p:txBody>
@@ -2180,7 +1692,7 @@
             <p:cNvSpPr/>
             <p:nvPr/>
           </p:nvSpPr>
-          <p:spPr>
+          <p:spPr bwMode="auto">
             <a:xfrm rot="5400000">
               <a:off x="-192604" y="2535915"/>
               <a:ext cx="599986" cy="214778"/>
@@ -2218,7 +1730,9 @@
             <a:bodyPr rtlCol="0" anchor="ctr"/>
             <a:lstStyle/>
             <a:p>
-              <a:pPr algn="ctr"/>
+              <a:pPr algn="ctr">
+                <a:defRPr/>
+              </a:pPr>
               <a:endParaRPr/>
             </a:p>
           </p:txBody>
@@ -2230,11 +1744,11 @@
           <p:cNvGrpSpPr/>
           <p:nvPr/>
         </p:nvGrpSpPr>
-        <p:grpSpPr>
+        <p:grpSpPr bwMode="auto">
           <a:xfrm>
             <a:off x="0" y="5409216"/>
             <a:ext cx="12188825" cy="1462483"/>
-            <a:chOff x="0" y="4056912"/>
+            <a:chOff x="0" y="4056911"/>
             <a:chExt cx="9144000" cy="1096862"/>
           </a:xfrm>
         </p:grpSpPr>
@@ -2256,7 +1770,7 @@
               <a:cxnLst/>
               <a:rect l="l" t="t" r="r" b="b"/>
               <a:pathLst>
-                <a:path w="904412" h="9144000">
+                <a:path w="904412" h="9144000" fill="norm" stroke="1" extrusionOk="0">
                   <a:moveTo>
                     <a:pt x="0" y="0"/>
                   </a:moveTo>
@@ -2280,7 +1794,7 @@
             </a:custGeom>
             <a:solidFill>
               <a:schemeClr val="tx1">
-                <a:alpha val="8000"/>
+                <a:alpha val="7999"/>
               </a:schemeClr>
             </a:solidFill>
             <a:ln>
@@ -2307,7 +1821,9 @@
             <a:bodyPr rtlCol="0" anchor="ctr"/>
             <a:lstStyle/>
             <a:p>
-              <a:pPr algn="ctr"/>
+              <a:pPr algn="ctr">
+                <a:defRPr/>
+              </a:pPr>
               <a:endParaRPr/>
             </a:p>
           </p:txBody>
@@ -2330,7 +1846,7 @@
               <a:cxnLst/>
               <a:rect l="l" t="t" r="r" b="b"/>
               <a:pathLst>
-                <a:path w="1096862" h="9144000">
+                <a:path w="1096862" h="9144000" fill="norm" stroke="1" extrusionOk="0">
                   <a:moveTo>
                     <a:pt x="1096861" y="9136375"/>
                   </a:moveTo>
@@ -2401,7 +1917,9 @@
             <a:bodyPr rtlCol="0" anchor="ctr"/>
             <a:lstStyle/>
             <a:p>
-              <a:pPr lvl="0" algn="ctr"/>
+              <a:pPr lvl="0" algn="ctr">
+                <a:defRPr/>
+              </a:pPr>
               <a:endParaRPr/>
             </a:p>
           </p:txBody>
@@ -2417,7 +1935,7 @@
             <p:ph type="title"/>
           </p:nvPr>
         </p:nvSpPr>
-        <p:spPr>
+        <p:spPr bwMode="auto">
           <a:xfrm>
             <a:off x="1828324" y="1932518"/>
             <a:ext cx="9141619" cy="2105367"/>
@@ -2429,10 +1947,13 @@
           </a:bodyPr>
           <a:lstStyle>
             <a:lvl1pPr algn="l">
-              <a:defRPr sz="6000" b="0" cap="none" baseline="0"/>
+              <a:defRPr sz="6000" b="0" cap="none"/>
             </a:lvl1pPr>
           </a:lstStyle>
           <a:p>
+            <a:pPr>
+              <a:defRPr/>
+            </a:pPr>
             <a:r>
               <a:rPr lang="en-US"/>
               <a:t>Click to edit Master title style</a:t>
@@ -2451,7 +1972,7 @@
             <p:ph type="body" idx="1"/>
           </p:nvPr>
         </p:nvSpPr>
-        <p:spPr>
+        <p:spPr bwMode="auto">
           <a:xfrm>
             <a:off x="1828324" y="4084264"/>
             <a:ext cx="9141619" cy="933297"/>
@@ -2554,11 +2075,14 @@
             </a:lvl9pPr>
           </a:lstStyle>
           <a:p>
-            <a:pPr lvl="0"/>
+            <a:pPr lvl="0">
+              <a:defRPr/>
+            </a:pPr>
             <a:r>
               <a:rPr lang="en-US"/>
               <a:t>Edit Master text styles</a:t>
             </a:r>
+            <a:endParaRPr/>
           </a:p>
         </p:txBody>
       </p:sp>
@@ -2572,15 +2096,19 @@
             <p:ph type="ftr" sz="quarter" idx="11"/>
           </p:nvPr>
         </p:nvSpPr>
-        <p:spPr/>
+        <p:spPr bwMode="auto"/>
         <p:txBody>
           <a:bodyPr/>
           <a:lstStyle/>
           <a:p>
-            <a:r>
-              <a:rPr lang="en-US" dirty="0"/>
+            <a:pPr>
+              <a:defRPr/>
+            </a:pPr>
+            <a:r>
+              <a:rPr lang="en-US"/>
               <a:t>Add a footer</a:t>
             </a:r>
+            <a:endParaRPr/>
           </a:p>
         </p:txBody>
       </p:sp>
@@ -2594,14 +2122,17 @@
             <p:ph type="dt" sz="half" idx="10"/>
           </p:nvPr>
         </p:nvSpPr>
-        <p:spPr/>
+        <p:spPr bwMode="auto"/>
         <p:txBody>
           <a:bodyPr/>
           <a:lstStyle/>
           <a:p>
+            <a:pPr>
+              <a:defRPr/>
+            </a:pPr>
             <a:fld id="{977EDB99-15BC-4479-BAC5-1E502E66917A}" type="datetime1">
               <a:rPr lang="en-US"/>
-              <a:t>2/12/2023</a:t>
+              <a:t/>
             </a:fld>
             <a:endParaRPr/>
           </a:p>
@@ -2617,46 +2148,32 @@
             <p:ph type="sldNum" sz="quarter" idx="12"/>
           </p:nvPr>
         </p:nvSpPr>
-        <p:spPr/>
+        <p:spPr bwMode="auto"/>
         <p:txBody>
           <a:bodyPr/>
           <a:lstStyle/>
           <a:p>
+            <a:pPr>
+              <a:defRPr/>
+            </a:pPr>
             <a:fld id="{34C99D79-8A4B-4031-B1E0-AF26F8EDF2BC}" type="slidenum">
               <a:rPr/>
-              <a:t>‹#›</a:t>
+              <a:t/>
             </a:fld>
             <a:endParaRPr/>
           </a:p>
         </p:txBody>
       </p:sp>
     </p:spTree>
-    <p:extLst>
-      <p:ext uri="{BB962C8B-B14F-4D97-AF65-F5344CB8AC3E}">
-        <p14:creationId xmlns:p14="http://schemas.microsoft.com/office/powerpoint/2010/main" val="1435693446"/>
-      </p:ext>
-    </p:extLst>
   </p:cSld>
   <p:clrMapOvr>
     <a:masterClrMapping/>
   </p:clrMapOvr>
-  <mc:AlternateContent xmlns:mc="http://schemas.openxmlformats.org/markup-compatibility/2006" xmlns:p14="http://schemas.microsoft.com/office/powerpoint/2010/main">
-    <mc:Choice Requires="p14">
-      <p:transition spd="med" p14:dur="700">
-        <p:fade/>
-      </p:transition>
-    </mc:Choice>
-    <mc:Fallback xmlns="">
-      <p:transition spd="med">
-        <p:fade/>
-      </p:transition>
-    </mc:Fallback>
-  </mc:AlternateContent>
 </p:sldLayout>
 </file>
 
 <file path=ppt/slideLayouts/slideLayout4.xml><?xml version="1.0" encoding="utf-8"?>
-<p:sldLayout xmlns:a="http://schemas.openxmlformats.org/drawingml/2006/main" xmlns:r="http://schemas.openxmlformats.org/officeDocument/2006/relationships" xmlns:p="http://schemas.openxmlformats.org/presentationml/2006/main" type="twoObj" preserve="1">
+<p:sldLayout xmlns:a="http://schemas.openxmlformats.org/drawingml/2006/main" xmlns:r="http://schemas.openxmlformats.org/officeDocument/2006/relationships" xmlns:p="http://schemas.openxmlformats.org/presentationml/2006/main" xmlns:m="http://schemas.openxmlformats.org/officeDocument/2006/math" xmlns:w="http://schemas.openxmlformats.org/wordprocessingml/2006/main" matchingName="" preserve="1" showMasterPhAnim="0" type="twoObj" userDrawn="1">
   <p:cSld name="Two Content">
     <p:spTree>
       <p:nvGrpSpPr>
@@ -2664,7 +2181,7 @@
         <p:cNvGrpSpPr/>
         <p:nvPr/>
       </p:nvGrpSpPr>
-      <p:grpSpPr>
+      <p:grpSpPr bwMode="auto">
         <a:xfrm>
           <a:off x="0" y="0"/>
           <a:ext cx="0" cy="0"/>
@@ -2682,16 +2199,19 @@
             <p:ph type="title"/>
           </p:nvPr>
         </p:nvSpPr>
-        <p:spPr>
+        <p:spPr bwMode="auto">
           <a:xfrm>
             <a:off x="1141412" y="152400"/>
-            <a:ext cx="9751060" cy="1295400"/>
+            <a:ext cx="9751059" cy="1295400"/>
           </a:xfrm>
         </p:spPr>
         <p:txBody>
           <a:bodyPr/>
           <a:lstStyle/>
           <a:p>
+            <a:pPr>
+              <a:defRPr/>
+            </a:pPr>
             <a:r>
               <a:rPr lang="en-US"/>
               <a:t>Click to edit Master title style</a:t>
@@ -2710,10 +2230,10 @@
             <p:ph sz="half" idx="1"/>
           </p:nvPr>
         </p:nvSpPr>
-        <p:spPr>
+        <p:spPr bwMode="auto">
           <a:xfrm>
             <a:off x="1141412" y="1600200"/>
-            <a:ext cx="4875530" cy="4572000"/>
+            <a:ext cx="4875529" cy="4572000"/>
           </a:xfrm>
         </p:spPr>
         <p:txBody>
@@ -2750,35 +2270,49 @@
             </a:lvl9pPr>
           </a:lstStyle>
           <a:p>
-            <a:pPr lvl="0"/>
+            <a:pPr lvl="0">
+              <a:defRPr/>
+            </a:pPr>
             <a:r>
               <a:rPr lang="en-US"/>
               <a:t>Edit Master text styles</a:t>
             </a:r>
-          </a:p>
-          <a:p>
-            <a:pPr lvl="1"/>
+            <a:endParaRPr/>
+          </a:p>
+          <a:p>
+            <a:pPr lvl="1">
+              <a:defRPr/>
+            </a:pPr>
             <a:r>
               <a:rPr lang="en-US"/>
               <a:t>Second level</a:t>
             </a:r>
-          </a:p>
-          <a:p>
-            <a:pPr lvl="2"/>
+            <a:endParaRPr/>
+          </a:p>
+          <a:p>
+            <a:pPr lvl="2">
+              <a:defRPr/>
+            </a:pPr>
             <a:r>
               <a:rPr lang="en-US"/>
               <a:t>Third level</a:t>
             </a:r>
-          </a:p>
-          <a:p>
-            <a:pPr lvl="3"/>
+            <a:endParaRPr/>
+          </a:p>
+          <a:p>
+            <a:pPr lvl="3">
+              <a:defRPr/>
+            </a:pPr>
             <a:r>
               <a:rPr lang="en-US"/>
               <a:t>Fourth level</a:t>
             </a:r>
-          </a:p>
-          <a:p>
-            <a:pPr lvl="4"/>
+            <a:endParaRPr/>
+          </a:p>
+          <a:p>
+            <a:pPr lvl="4">
+              <a:defRPr/>
+            </a:pPr>
             <a:r>
               <a:rPr lang="en-US"/>
               <a:t>Fifth level</a:t>
@@ -2797,10 +2331,10 @@
             <p:ph sz="half" idx="2"/>
           </p:nvPr>
         </p:nvSpPr>
-        <p:spPr>
+        <p:spPr bwMode="auto">
           <a:xfrm>
             <a:off x="6094412" y="1600200"/>
-            <a:ext cx="4875530" cy="4572000"/>
+            <a:ext cx="4875529" cy="4572000"/>
           </a:xfrm>
         </p:spPr>
         <p:txBody>
@@ -2837,35 +2371,49 @@
             </a:lvl9pPr>
           </a:lstStyle>
           <a:p>
-            <a:pPr lvl="0"/>
+            <a:pPr lvl="0">
+              <a:defRPr/>
+            </a:pPr>
             <a:r>
               <a:rPr lang="en-US"/>
               <a:t>Edit Master text styles</a:t>
             </a:r>
-          </a:p>
-          <a:p>
-            <a:pPr lvl="1"/>
+            <a:endParaRPr/>
+          </a:p>
+          <a:p>
+            <a:pPr lvl="1">
+              <a:defRPr/>
+            </a:pPr>
             <a:r>
               <a:rPr lang="en-US"/>
               <a:t>Second level</a:t>
             </a:r>
-          </a:p>
-          <a:p>
-            <a:pPr lvl="2"/>
+            <a:endParaRPr/>
+          </a:p>
+          <a:p>
+            <a:pPr lvl="2">
+              <a:defRPr/>
+            </a:pPr>
             <a:r>
               <a:rPr lang="en-US"/>
               <a:t>Third level</a:t>
             </a:r>
-          </a:p>
-          <a:p>
-            <a:pPr lvl="3"/>
+            <a:endParaRPr/>
+          </a:p>
+          <a:p>
+            <a:pPr lvl="3">
+              <a:defRPr/>
+            </a:pPr>
             <a:r>
               <a:rPr lang="en-US"/>
               <a:t>Fourth level</a:t>
             </a:r>
-          </a:p>
-          <a:p>
-            <a:pPr lvl="4"/>
+            <a:endParaRPr/>
+          </a:p>
+          <a:p>
+            <a:pPr lvl="4">
+              <a:defRPr/>
+            </a:pPr>
             <a:r>
               <a:rPr lang="en-US"/>
               <a:t>Fifth level</a:t>
@@ -2884,15 +2432,19 @@
             <p:ph type="ftr" sz="quarter" idx="11"/>
           </p:nvPr>
         </p:nvSpPr>
-        <p:spPr/>
+        <p:spPr bwMode="auto"/>
         <p:txBody>
           <a:bodyPr/>
           <a:lstStyle/>
           <a:p>
-            <a:r>
-              <a:rPr lang="en-US" dirty="0"/>
+            <a:pPr>
+              <a:defRPr/>
+            </a:pPr>
+            <a:r>
+              <a:rPr lang="en-US"/>
               <a:t>Add a footer</a:t>
             </a:r>
+            <a:endParaRPr/>
           </a:p>
         </p:txBody>
       </p:sp>
@@ -2906,14 +2458,17 @@
             <p:ph type="dt" sz="half" idx="10"/>
           </p:nvPr>
         </p:nvSpPr>
-        <p:spPr/>
+        <p:spPr bwMode="auto"/>
         <p:txBody>
           <a:bodyPr/>
           <a:lstStyle/>
           <a:p>
+            <a:pPr>
+              <a:defRPr/>
+            </a:pPr>
             <a:fld id="{4067C2A3-CD19-48AB-9F64-ECCF75182EDD}" type="datetime1">
               <a:rPr lang="en-US"/>
-              <a:t>2/12/2023</a:t>
+              <a:t/>
             </a:fld>
             <a:endParaRPr/>
           </a:p>
@@ -2929,46 +2484,32 @@
             <p:ph type="sldNum" sz="quarter" idx="12"/>
           </p:nvPr>
         </p:nvSpPr>
-        <p:spPr/>
+        <p:spPr bwMode="auto"/>
         <p:txBody>
           <a:bodyPr/>
           <a:lstStyle/>
           <a:p>
+            <a:pPr>
+              <a:defRPr/>
+            </a:pPr>
             <a:fld id="{34C99D79-8A4B-4031-B1E0-AF26F8EDF2BC}" type="slidenum">
               <a:rPr/>
-              <a:t>‹#›</a:t>
+              <a:t/>
             </a:fld>
             <a:endParaRPr/>
           </a:p>
         </p:txBody>
       </p:sp>
     </p:spTree>
-    <p:extLst>
-      <p:ext uri="{BB962C8B-B14F-4D97-AF65-F5344CB8AC3E}">
-        <p14:creationId xmlns:p14="http://schemas.microsoft.com/office/powerpoint/2010/main" val="1297796297"/>
-      </p:ext>
-    </p:extLst>
   </p:cSld>
   <p:clrMapOvr>
     <a:masterClrMapping/>
   </p:clrMapOvr>
-  <mc:AlternateContent xmlns:mc="http://schemas.openxmlformats.org/markup-compatibility/2006" xmlns:p14="http://schemas.microsoft.com/office/powerpoint/2010/main">
-    <mc:Choice Requires="p14">
-      <p:transition spd="med" p14:dur="700">
-        <p:fade/>
-      </p:transition>
-    </mc:Choice>
-    <mc:Fallback xmlns="">
-      <p:transition spd="med">
-        <p:fade/>
-      </p:transition>
-    </mc:Fallback>
-  </mc:AlternateContent>
 </p:sldLayout>
 </file>
 
 <file path=ppt/slideLayouts/slideLayout5.xml><?xml version="1.0" encoding="utf-8"?>
-<p:sldLayout xmlns:a="http://schemas.openxmlformats.org/drawingml/2006/main" xmlns:r="http://schemas.openxmlformats.org/officeDocument/2006/relationships" xmlns:p="http://schemas.openxmlformats.org/presentationml/2006/main" type="twoTxTwoObj" preserve="1">
+<p:sldLayout xmlns:a="http://schemas.openxmlformats.org/drawingml/2006/main" xmlns:r="http://schemas.openxmlformats.org/officeDocument/2006/relationships" xmlns:p="http://schemas.openxmlformats.org/presentationml/2006/main" xmlns:m="http://schemas.openxmlformats.org/officeDocument/2006/math" xmlns:w="http://schemas.openxmlformats.org/wordprocessingml/2006/main" matchingName="" preserve="1" showMasterPhAnim="0" type="twoTxTwoObj" userDrawn="1">
   <p:cSld name="Comparison">
     <p:spTree>
       <p:nvGrpSpPr>
@@ -2976,7 +2517,7 @@
         <p:cNvGrpSpPr/>
         <p:nvPr/>
       </p:nvGrpSpPr>
-      <p:grpSpPr>
+      <p:grpSpPr bwMode="auto">
         <a:xfrm>
           <a:off x="0" y="0"/>
           <a:ext cx="0" cy="0"/>
@@ -2994,10 +2535,10 @@
             <p:ph type="title"/>
           </p:nvPr>
         </p:nvSpPr>
-        <p:spPr>
+        <p:spPr bwMode="auto">
           <a:xfrm>
             <a:off x="1141412" y="152400"/>
-            <a:ext cx="9751060" cy="1295400"/>
+            <a:ext cx="9751059" cy="1295400"/>
           </a:xfrm>
         </p:spPr>
         <p:txBody>
@@ -3008,6 +2549,9 @@
             </a:lvl1pPr>
           </a:lstStyle>
           <a:p>
+            <a:pPr>
+              <a:defRPr/>
+            </a:pPr>
             <a:r>
               <a:rPr lang="en-US"/>
               <a:t>Click to edit Master title style</a:t>
@@ -3026,10 +2570,10 @@
             <p:ph type="body" idx="1"/>
           </p:nvPr>
         </p:nvSpPr>
-        <p:spPr>
+        <p:spPr bwMode="auto">
           <a:xfrm>
             <a:off x="1141412" y="1524000"/>
-            <a:ext cx="4875530" cy="816429"/>
+            <a:ext cx="4875529" cy="816429"/>
           </a:xfrm>
         </p:spPr>
         <p:txBody>
@@ -3081,11 +2625,14 @@
             </a:lvl9pPr>
           </a:lstStyle>
           <a:p>
-            <a:pPr lvl="0"/>
+            <a:pPr lvl="0">
+              <a:defRPr/>
+            </a:pPr>
             <a:r>
               <a:rPr lang="en-US"/>
               <a:t>Edit Master text styles</a:t>
             </a:r>
+            <a:endParaRPr/>
           </a:p>
         </p:txBody>
       </p:sp>
@@ -3099,10 +2646,10 @@
             <p:ph sz="half" idx="2"/>
           </p:nvPr>
         </p:nvSpPr>
-        <p:spPr>
+        <p:spPr bwMode="auto">
           <a:xfrm>
             <a:off x="1141412" y="2413000"/>
-            <a:ext cx="4875530" cy="3759199"/>
+            <a:ext cx="4875529" cy="3759199"/>
           </a:xfrm>
         </p:spPr>
         <p:txBody>
@@ -3132,42 +2679,56 @@
               <a:defRPr sz="2000"/>
             </a:lvl7pPr>
             <a:lvl8pPr>
-              <a:defRPr sz="2000" baseline="0"/>
+              <a:defRPr sz="2000"/>
             </a:lvl8pPr>
             <a:lvl9pPr>
-              <a:defRPr sz="2000" baseline="0"/>
+              <a:defRPr sz="2000"/>
             </a:lvl9pPr>
           </a:lstStyle>
           <a:p>
-            <a:pPr lvl="0"/>
+            <a:pPr lvl="0">
+              <a:defRPr/>
+            </a:pPr>
             <a:r>
               <a:rPr lang="en-US"/>
               <a:t>Edit Master text styles</a:t>
             </a:r>
-          </a:p>
-          <a:p>
-            <a:pPr lvl="1"/>
+            <a:endParaRPr/>
+          </a:p>
+          <a:p>
+            <a:pPr lvl="1">
+              <a:defRPr/>
+            </a:pPr>
             <a:r>
               <a:rPr lang="en-US"/>
               <a:t>Second level</a:t>
             </a:r>
-          </a:p>
-          <a:p>
-            <a:pPr lvl="2"/>
+            <a:endParaRPr/>
+          </a:p>
+          <a:p>
+            <a:pPr lvl="2">
+              <a:defRPr/>
+            </a:pPr>
             <a:r>
               <a:rPr lang="en-US"/>
               <a:t>Third level</a:t>
             </a:r>
-          </a:p>
-          <a:p>
-            <a:pPr lvl="3"/>
+            <a:endParaRPr/>
+          </a:p>
+          <a:p>
+            <a:pPr lvl="3">
+              <a:defRPr/>
+            </a:pPr>
             <a:r>
               <a:rPr lang="en-US"/>
               <a:t>Fourth level</a:t>
             </a:r>
-          </a:p>
-          <a:p>
-            <a:pPr lvl="4"/>
+            <a:endParaRPr/>
+          </a:p>
+          <a:p>
+            <a:pPr lvl="4">
+              <a:defRPr/>
+            </a:pPr>
             <a:r>
               <a:rPr lang="en-US"/>
               <a:t>Fifth level</a:t>
@@ -3186,10 +2747,10 @@
             <p:ph type="body" sz="quarter" idx="3"/>
           </p:nvPr>
         </p:nvSpPr>
-        <p:spPr>
+        <p:spPr bwMode="auto">
           <a:xfrm>
             <a:off x="6094412" y="1524000"/>
-            <a:ext cx="4875530" cy="816429"/>
+            <a:ext cx="4875529" cy="816429"/>
           </a:xfrm>
         </p:spPr>
         <p:txBody>
@@ -3241,11 +2802,14 @@
             </a:lvl9pPr>
           </a:lstStyle>
           <a:p>
-            <a:pPr lvl="0"/>
+            <a:pPr lvl="0">
+              <a:defRPr/>
+            </a:pPr>
             <a:r>
               <a:rPr lang="en-US"/>
               <a:t>Edit Master text styles</a:t>
             </a:r>
+            <a:endParaRPr/>
           </a:p>
         </p:txBody>
       </p:sp>
@@ -3259,10 +2823,10 @@
             <p:ph sz="quarter" idx="4"/>
           </p:nvPr>
         </p:nvSpPr>
-        <p:spPr>
+        <p:spPr bwMode="auto">
           <a:xfrm>
             <a:off x="6094412" y="2413000"/>
-            <a:ext cx="4875530" cy="3759199"/>
+            <a:ext cx="4875529" cy="3759199"/>
           </a:xfrm>
         </p:spPr>
         <p:txBody>
@@ -3292,42 +2856,56 @@
               <a:defRPr sz="2000"/>
             </a:lvl7pPr>
             <a:lvl8pPr>
-              <a:defRPr sz="2000" baseline="0"/>
+              <a:defRPr sz="2000"/>
             </a:lvl8pPr>
             <a:lvl9pPr>
-              <a:defRPr sz="2000" baseline="0"/>
+              <a:defRPr sz="2000"/>
             </a:lvl9pPr>
           </a:lstStyle>
           <a:p>
-            <a:pPr lvl="0"/>
+            <a:pPr lvl="0">
+              <a:defRPr/>
+            </a:pPr>
             <a:r>
               <a:rPr lang="en-US"/>
               <a:t>Edit Master text styles</a:t>
             </a:r>
-          </a:p>
-          <a:p>
-            <a:pPr lvl="1"/>
+            <a:endParaRPr/>
+          </a:p>
+          <a:p>
+            <a:pPr lvl="1">
+              <a:defRPr/>
+            </a:pPr>
             <a:r>
               <a:rPr lang="en-US"/>
               <a:t>Second level</a:t>
             </a:r>
-          </a:p>
-          <a:p>
-            <a:pPr lvl="2"/>
+            <a:endParaRPr/>
+          </a:p>
+          <a:p>
+            <a:pPr lvl="2">
+              <a:defRPr/>
+            </a:pPr>
             <a:r>
               <a:rPr lang="en-US"/>
               <a:t>Third level</a:t>
             </a:r>
-          </a:p>
-          <a:p>
-            <a:pPr lvl="3"/>
+            <a:endParaRPr/>
+          </a:p>
+          <a:p>
+            <a:pPr lvl="3">
+              <a:defRPr/>
+            </a:pPr>
             <a:r>
               <a:rPr lang="en-US"/>
               <a:t>Fourth level</a:t>
             </a:r>
-          </a:p>
-          <a:p>
-            <a:pPr lvl="4"/>
+            <a:endParaRPr/>
+          </a:p>
+          <a:p>
+            <a:pPr lvl="4">
+              <a:defRPr/>
+            </a:pPr>
             <a:r>
               <a:rPr lang="en-US"/>
               <a:t>Fifth level</a:t>
@@ -3346,15 +2924,19 @@
             <p:ph type="ftr" sz="quarter" idx="11"/>
           </p:nvPr>
         </p:nvSpPr>
-        <p:spPr/>
+        <p:spPr bwMode="auto"/>
         <p:txBody>
           <a:bodyPr/>
           <a:lstStyle/>
           <a:p>
-            <a:r>
-              <a:rPr lang="en-US" dirty="0"/>
+            <a:pPr>
+              <a:defRPr/>
+            </a:pPr>
+            <a:r>
+              <a:rPr lang="en-US"/>
               <a:t>Add a footer</a:t>
             </a:r>
+            <a:endParaRPr/>
           </a:p>
         </p:txBody>
       </p:sp>
@@ -3368,14 +2950,17 @@
             <p:ph type="dt" sz="half" idx="10"/>
           </p:nvPr>
         </p:nvSpPr>
-        <p:spPr/>
+        <p:spPr bwMode="auto"/>
         <p:txBody>
           <a:bodyPr/>
           <a:lstStyle/>
           <a:p>
+            <a:pPr>
+              <a:defRPr/>
+            </a:pPr>
             <a:fld id="{0363E8C1-7C87-4705-AB97-8CD17D208E3F}" type="datetime1">
               <a:rPr lang="en-US"/>
-              <a:t>2/12/2023</a:t>
+              <a:t/>
             </a:fld>
             <a:endParaRPr/>
           </a:p>
@@ -3391,46 +2976,32 @@
             <p:ph type="sldNum" sz="quarter" idx="12"/>
           </p:nvPr>
         </p:nvSpPr>
-        <p:spPr/>
+        <p:spPr bwMode="auto"/>
         <p:txBody>
           <a:bodyPr/>
           <a:lstStyle/>
           <a:p>
+            <a:pPr>
+              <a:defRPr/>
+            </a:pPr>
             <a:fld id="{34C99D79-8A4B-4031-B1E0-AF26F8EDF2BC}" type="slidenum">
               <a:rPr/>
-              <a:t>‹#›</a:t>
+              <a:t/>
             </a:fld>
             <a:endParaRPr/>
           </a:p>
         </p:txBody>
       </p:sp>
     </p:spTree>
-    <p:extLst>
-      <p:ext uri="{BB962C8B-B14F-4D97-AF65-F5344CB8AC3E}">
-        <p14:creationId xmlns:p14="http://schemas.microsoft.com/office/powerpoint/2010/main" val="487039940"/>
-      </p:ext>
-    </p:extLst>
   </p:cSld>
   <p:clrMapOvr>
     <a:masterClrMapping/>
   </p:clrMapOvr>
-  <mc:AlternateContent xmlns:mc="http://schemas.openxmlformats.org/markup-compatibility/2006" xmlns:p14="http://schemas.microsoft.com/office/powerpoint/2010/main">
-    <mc:Choice Requires="p14">
-      <p:transition spd="med" p14:dur="700">
-        <p:fade/>
-      </p:transition>
-    </mc:Choice>
-    <mc:Fallback xmlns="">
-      <p:transition spd="med">
-        <p:fade/>
-      </p:transition>
-    </mc:Fallback>
-  </mc:AlternateContent>
 </p:sldLayout>
 </file>
 
 <file path=ppt/slideLayouts/slideLayout6.xml><?xml version="1.0" encoding="utf-8"?>
-<p:sldLayout xmlns:a="http://schemas.openxmlformats.org/drawingml/2006/main" xmlns:r="http://schemas.openxmlformats.org/officeDocument/2006/relationships" xmlns:p="http://schemas.openxmlformats.org/presentationml/2006/main" type="titleOnly" preserve="1">
+<p:sldLayout xmlns:a="http://schemas.openxmlformats.org/drawingml/2006/main" xmlns:r="http://schemas.openxmlformats.org/officeDocument/2006/relationships" xmlns:p="http://schemas.openxmlformats.org/presentationml/2006/main" xmlns:m="http://schemas.openxmlformats.org/officeDocument/2006/math" xmlns:w="http://schemas.openxmlformats.org/wordprocessingml/2006/main" matchingName="" preserve="1" showMasterPhAnim="0" type="titleOnly" userDrawn="1">
   <p:cSld name="Title Only">
     <p:spTree>
       <p:nvGrpSpPr>
@@ -3438,7 +3009,7 @@
         <p:cNvGrpSpPr/>
         <p:nvPr/>
       </p:nvGrpSpPr>
-      <p:grpSpPr>
+      <p:grpSpPr bwMode="auto">
         <a:xfrm>
           <a:off x="0" y="0"/>
           <a:ext cx="0" cy="0"/>
@@ -3456,11 +3027,14 @@
             <p:ph type="title"/>
           </p:nvPr>
         </p:nvSpPr>
-        <p:spPr/>
+        <p:spPr bwMode="auto"/>
         <p:txBody>
           <a:bodyPr/>
           <a:lstStyle/>
           <a:p>
+            <a:pPr>
+              <a:defRPr/>
+            </a:pPr>
             <a:r>
               <a:rPr lang="en-US"/>
               <a:t>Click to edit Master title style</a:t>
@@ -3479,15 +3053,19 @@
             <p:ph type="ftr" sz="quarter" idx="11"/>
           </p:nvPr>
         </p:nvSpPr>
-        <p:spPr/>
+        <p:spPr bwMode="auto"/>
         <p:txBody>
           <a:bodyPr/>
           <a:lstStyle/>
           <a:p>
-            <a:r>
-              <a:rPr lang="en-US" dirty="0"/>
+            <a:pPr>
+              <a:defRPr/>
+            </a:pPr>
+            <a:r>
+              <a:rPr lang="en-US"/>
               <a:t>Add a footer</a:t>
             </a:r>
+            <a:endParaRPr/>
           </a:p>
         </p:txBody>
       </p:sp>
@@ -3501,14 +3079,17 @@
             <p:ph type="dt" sz="half" idx="10"/>
           </p:nvPr>
         </p:nvSpPr>
-        <p:spPr/>
+        <p:spPr bwMode="auto"/>
         <p:txBody>
           <a:bodyPr/>
           <a:lstStyle/>
           <a:p>
+            <a:pPr>
+              <a:defRPr/>
+            </a:pPr>
             <a:fld id="{E20C624E-DF92-4841-B9B9-DD11AA239B85}" type="datetime1">
               <a:rPr lang="en-US"/>
-              <a:t>2/12/2023</a:t>
+              <a:t/>
             </a:fld>
             <a:endParaRPr/>
           </a:p>
@@ -3524,46 +3105,32 @@
             <p:ph type="sldNum" sz="quarter" idx="12"/>
           </p:nvPr>
         </p:nvSpPr>
-        <p:spPr/>
+        <p:spPr bwMode="auto"/>
         <p:txBody>
           <a:bodyPr/>
           <a:lstStyle/>
           <a:p>
+            <a:pPr>
+              <a:defRPr/>
+            </a:pPr>
             <a:fld id="{34C99D79-8A4B-4031-B1E0-AF26F8EDF2BC}" type="slidenum">
               <a:rPr/>
-              <a:t>‹#›</a:t>
+              <a:t/>
             </a:fld>
             <a:endParaRPr/>
           </a:p>
         </p:txBody>
       </p:sp>
     </p:spTree>
-    <p:extLst>
-      <p:ext uri="{BB962C8B-B14F-4D97-AF65-F5344CB8AC3E}">
-        <p14:creationId xmlns:p14="http://schemas.microsoft.com/office/powerpoint/2010/main" val="96903192"/>
-      </p:ext>
-    </p:extLst>
   </p:cSld>
   <p:clrMapOvr>
     <a:masterClrMapping/>
   </p:clrMapOvr>
-  <mc:AlternateContent xmlns:mc="http://schemas.openxmlformats.org/markup-compatibility/2006" xmlns:p14="http://schemas.microsoft.com/office/powerpoint/2010/main">
-    <mc:Choice Requires="p14">
-      <p:transition spd="med" p14:dur="700">
-        <p:fade/>
-      </p:transition>
-    </mc:Choice>
-    <mc:Fallback xmlns="">
-      <p:transition spd="med">
-        <p:fade/>
-      </p:transition>
-    </mc:Fallback>
-  </mc:AlternateContent>
 </p:sldLayout>
 </file>
 
 <file path=ppt/slideLayouts/slideLayout7.xml><?xml version="1.0" encoding="utf-8"?>
-<p:sldLayout xmlns:a="http://schemas.openxmlformats.org/drawingml/2006/main" xmlns:r="http://schemas.openxmlformats.org/officeDocument/2006/relationships" xmlns:p="http://schemas.openxmlformats.org/presentationml/2006/main" showMasterSp="0" type="blank" preserve="1">
+<p:sldLayout xmlns:a="http://schemas.openxmlformats.org/drawingml/2006/main" xmlns:r="http://schemas.openxmlformats.org/officeDocument/2006/relationships" xmlns:p="http://schemas.openxmlformats.org/presentationml/2006/main" xmlns:m="http://schemas.openxmlformats.org/officeDocument/2006/math" xmlns:w="http://schemas.openxmlformats.org/wordprocessingml/2006/main" matchingName="" preserve="1" showMasterPhAnim="0" showMasterSp="0" type="blank" userDrawn="1">
   <p:cSld name="Blank">
     <p:spTree>
       <p:nvGrpSpPr>
@@ -3571,7 +3138,7 @@
         <p:cNvGrpSpPr/>
         <p:nvPr/>
       </p:nvGrpSpPr>
-      <p:grpSpPr>
+      <p:grpSpPr bwMode="auto">
         <a:xfrm>
           <a:off x="0" y="0"/>
           <a:ext cx="0" cy="0"/>
@@ -3585,11 +3152,11 @@
           <p:cNvGrpSpPr/>
           <p:nvPr/>
         </p:nvGrpSpPr>
-        <p:grpSpPr>
+        <p:grpSpPr bwMode="auto">
           <a:xfrm>
             <a:off x="0" y="5409216"/>
             <a:ext cx="12188825" cy="1462483"/>
-            <a:chOff x="0" y="4056912"/>
+            <a:chOff x="0" y="4056911"/>
             <a:chExt cx="9144000" cy="1096862"/>
           </a:xfrm>
         </p:grpSpPr>
@@ -3611,7 +3178,7 @@
               <a:cxnLst/>
               <a:rect l="l" t="t" r="r" b="b"/>
               <a:pathLst>
-                <a:path w="904412" h="9144000">
+                <a:path w="904412" h="9144000" fill="norm" stroke="1" extrusionOk="0">
                   <a:moveTo>
                     <a:pt x="0" y="0"/>
                   </a:moveTo>
@@ -3635,7 +3202,7 @@
             </a:custGeom>
             <a:solidFill>
               <a:schemeClr val="tx1">
-                <a:alpha val="8000"/>
+                <a:alpha val="7999"/>
               </a:schemeClr>
             </a:solidFill>
             <a:ln>
@@ -3662,7 +3229,9 @@
             <a:bodyPr rtlCol="0" anchor="ctr"/>
             <a:lstStyle/>
             <a:p>
-              <a:pPr algn="ctr"/>
+              <a:pPr algn="ctr">
+                <a:defRPr/>
+              </a:pPr>
               <a:endParaRPr/>
             </a:p>
           </p:txBody>
@@ -3685,7 +3254,7 @@
               <a:cxnLst/>
               <a:rect l="l" t="t" r="r" b="b"/>
               <a:pathLst>
-                <a:path w="1096862" h="9144000">
+                <a:path w="1096862" h="9144000" fill="norm" stroke="1" extrusionOk="0">
                   <a:moveTo>
                     <a:pt x="1096861" y="9136375"/>
                   </a:moveTo>
@@ -3756,7 +3325,9 @@
             <a:bodyPr rtlCol="0" anchor="ctr"/>
             <a:lstStyle/>
             <a:p>
-              <a:pPr lvl="0" algn="ctr"/>
+              <a:pPr lvl="0" algn="ctr">
+                <a:defRPr/>
+              </a:pPr>
               <a:endParaRPr/>
             </a:p>
           </p:txBody>
@@ -3772,15 +3343,19 @@
             <p:ph type="ftr" sz="quarter" idx="11"/>
           </p:nvPr>
         </p:nvSpPr>
-        <p:spPr/>
+        <p:spPr bwMode="auto"/>
         <p:txBody>
           <a:bodyPr/>
           <a:lstStyle/>
           <a:p>
-            <a:r>
-              <a:rPr lang="en-US" dirty="0"/>
+            <a:pPr>
+              <a:defRPr/>
+            </a:pPr>
+            <a:r>
+              <a:rPr lang="en-US"/>
               <a:t>Add a footer</a:t>
             </a:r>
+            <a:endParaRPr/>
           </a:p>
         </p:txBody>
       </p:sp>
@@ -3794,14 +3369,17 @@
             <p:ph type="dt" sz="half" idx="10"/>
           </p:nvPr>
         </p:nvSpPr>
-        <p:spPr/>
+        <p:spPr bwMode="auto"/>
         <p:txBody>
           <a:bodyPr/>
           <a:lstStyle/>
           <a:p>
+            <a:pPr>
+              <a:defRPr/>
+            </a:pPr>
             <a:fld id="{FBDA3AE1-4360-4D5B-BDBC-656B872DD533}" type="datetime1">
               <a:rPr lang="en-US"/>
-              <a:t>2/12/2023</a:t>
+              <a:t/>
             </a:fld>
             <a:endParaRPr/>
           </a:p>
@@ -3817,46 +3395,32 @@
             <p:ph type="sldNum" sz="quarter" idx="12"/>
           </p:nvPr>
         </p:nvSpPr>
-        <p:spPr/>
+        <p:spPr bwMode="auto"/>
         <p:txBody>
           <a:bodyPr/>
           <a:lstStyle/>
           <a:p>
+            <a:pPr>
+              <a:defRPr/>
+            </a:pPr>
             <a:fld id="{34C99D79-8A4B-4031-B1E0-AF26F8EDF2BC}" type="slidenum">
               <a:rPr/>
-              <a:t>‹#›</a:t>
+              <a:t/>
             </a:fld>
             <a:endParaRPr/>
           </a:p>
         </p:txBody>
       </p:sp>
     </p:spTree>
-    <p:extLst>
-      <p:ext uri="{BB962C8B-B14F-4D97-AF65-F5344CB8AC3E}">
-        <p14:creationId xmlns:p14="http://schemas.microsoft.com/office/powerpoint/2010/main" val="2225395563"/>
-      </p:ext>
-    </p:extLst>
   </p:cSld>
   <p:clrMapOvr>
     <a:masterClrMapping/>
   </p:clrMapOvr>
-  <mc:AlternateContent xmlns:mc="http://schemas.openxmlformats.org/markup-compatibility/2006" xmlns:p14="http://schemas.microsoft.com/office/powerpoint/2010/main">
-    <mc:Choice Requires="p14">
-      <p:transition spd="med" p14:dur="700">
-        <p:fade/>
-      </p:transition>
-    </mc:Choice>
-    <mc:Fallback xmlns="">
-      <p:transition spd="med">
-        <p:fade/>
-      </p:transition>
-    </mc:Fallback>
-  </mc:AlternateContent>
 </p:sldLayout>
 </file>
 
 <file path=ppt/slideLayouts/slideLayout8.xml><?xml version="1.0" encoding="utf-8"?>
-<p:sldLayout xmlns:a="http://schemas.openxmlformats.org/drawingml/2006/main" xmlns:r="http://schemas.openxmlformats.org/officeDocument/2006/relationships" xmlns:p="http://schemas.openxmlformats.org/presentationml/2006/main" type="objTx" preserve="1">
+<p:sldLayout xmlns:a="http://schemas.openxmlformats.org/drawingml/2006/main" xmlns:r="http://schemas.openxmlformats.org/officeDocument/2006/relationships" xmlns:p="http://schemas.openxmlformats.org/presentationml/2006/main" xmlns:m="http://schemas.openxmlformats.org/officeDocument/2006/math" xmlns:w="http://schemas.openxmlformats.org/wordprocessingml/2006/main" matchingName="" preserve="1" showMasterPhAnim="0" type="objTx" userDrawn="1">
   <p:cSld name="Content with Caption">
     <p:spTree>
       <p:nvGrpSpPr>
@@ -3864,7 +3428,7 @@
         <p:cNvGrpSpPr/>
         <p:nvPr/>
       </p:nvGrpSpPr>
-      <p:grpSpPr>
+      <p:grpSpPr bwMode="auto">
         <a:xfrm>
           <a:off x="0" y="0"/>
           <a:ext cx="0" cy="0"/>
@@ -3882,7 +3446,7 @@
             <p:ph type="title"/>
           </p:nvPr>
         </p:nvSpPr>
-        <p:spPr/>
+        <p:spPr bwMode="auto"/>
         <p:txBody>
           <a:bodyPr anchor="b">
             <a:normAutofit/>
@@ -3893,6 +3457,9 @@
             </a:lvl1pPr>
           </a:lstStyle>
           <a:p>
+            <a:pPr>
+              <a:defRPr/>
+            </a:pPr>
             <a:r>
               <a:rPr lang="en-US"/>
               <a:t>Click to edit Master title style</a:t>
@@ -3911,9 +3478,9 @@
             <p:ph idx="1"/>
           </p:nvPr>
         </p:nvSpPr>
-        <p:spPr>
+        <p:spPr bwMode="auto">
           <a:xfrm>
-            <a:off x="4875530" y="1600200"/>
+            <a:off x="4875529" y="1600200"/>
             <a:ext cx="6094413" cy="4572000"/>
           </a:xfrm>
         </p:spPr>
@@ -3951,35 +3518,49 @@
             </a:lvl9pPr>
           </a:lstStyle>
           <a:p>
-            <a:pPr lvl="0"/>
+            <a:pPr lvl="0">
+              <a:defRPr/>
+            </a:pPr>
             <a:r>
               <a:rPr lang="en-US"/>
               <a:t>Edit Master text styles</a:t>
             </a:r>
-          </a:p>
-          <a:p>
-            <a:pPr lvl="1"/>
+            <a:endParaRPr/>
+          </a:p>
+          <a:p>
+            <a:pPr lvl="1">
+              <a:defRPr/>
+            </a:pPr>
             <a:r>
               <a:rPr lang="en-US"/>
               <a:t>Second level</a:t>
             </a:r>
-          </a:p>
-          <a:p>
-            <a:pPr lvl="2"/>
+            <a:endParaRPr/>
+          </a:p>
+          <a:p>
+            <a:pPr lvl="2">
+              <a:defRPr/>
+            </a:pPr>
             <a:r>
               <a:rPr lang="en-US"/>
               <a:t>Third level</a:t>
             </a:r>
-          </a:p>
-          <a:p>
-            <a:pPr lvl="3"/>
+            <a:endParaRPr/>
+          </a:p>
+          <a:p>
+            <a:pPr lvl="3">
+              <a:defRPr/>
+            </a:pPr>
             <a:r>
               <a:rPr lang="en-US"/>
               <a:t>Fourth level</a:t>
             </a:r>
-          </a:p>
-          <a:p>
-            <a:pPr lvl="4"/>
+            <a:endParaRPr/>
+          </a:p>
+          <a:p>
+            <a:pPr lvl="4">
+              <a:defRPr/>
+            </a:pPr>
             <a:r>
               <a:rPr lang="en-US"/>
               <a:t>Fifth level</a:t>
@@ -3998,7 +3579,7 @@
             <p:ph type="body" sz="half" idx="2"/>
           </p:nvPr>
         </p:nvSpPr>
-        <p:spPr>
+        <p:spPr bwMode="auto">
           <a:xfrm>
             <a:off x="1218883" y="1600202"/>
             <a:ext cx="3453500" cy="4571999"/>
@@ -4053,11 +3634,14 @@
             </a:lvl9pPr>
           </a:lstStyle>
           <a:p>
-            <a:pPr lvl="0"/>
+            <a:pPr lvl="0">
+              <a:defRPr/>
+            </a:pPr>
             <a:r>
               <a:rPr lang="en-US"/>
               <a:t>Edit Master text styles</a:t>
             </a:r>
+            <a:endParaRPr/>
           </a:p>
         </p:txBody>
       </p:sp>
@@ -4071,15 +3655,19 @@
             <p:ph type="ftr" sz="quarter" idx="11"/>
           </p:nvPr>
         </p:nvSpPr>
-        <p:spPr/>
+        <p:spPr bwMode="auto"/>
         <p:txBody>
           <a:bodyPr/>
           <a:lstStyle/>
           <a:p>
-            <a:r>
-              <a:rPr lang="en-US" dirty="0"/>
+            <a:pPr>
+              <a:defRPr/>
+            </a:pPr>
+            <a:r>
+              <a:rPr lang="en-US"/>
               <a:t>Add a footer</a:t>
             </a:r>
+            <a:endParaRPr/>
           </a:p>
         </p:txBody>
       </p:sp>
@@ -4093,14 +3681,17 @@
             <p:ph type="dt" sz="half" idx="10"/>
           </p:nvPr>
         </p:nvSpPr>
-        <p:spPr/>
+        <p:spPr bwMode="auto"/>
         <p:txBody>
           <a:bodyPr/>
           <a:lstStyle/>
           <a:p>
+            <a:pPr>
+              <a:defRPr/>
+            </a:pPr>
             <a:fld id="{20990708-46A4-4851-883E-8DFB8939107E}" type="datetime1">
               <a:rPr lang="en-US"/>
-              <a:t>2/12/2023</a:t>
+              <a:t/>
             </a:fld>
             <a:endParaRPr/>
           </a:p>
@@ -4116,46 +3707,32 @@
             <p:ph type="sldNum" sz="quarter" idx="12"/>
           </p:nvPr>
         </p:nvSpPr>
-        <p:spPr/>
+        <p:spPr bwMode="auto"/>
         <p:txBody>
           <a:bodyPr/>
           <a:lstStyle/>
           <a:p>
+            <a:pPr>
+              <a:defRPr/>
+            </a:pPr>
             <a:fld id="{34C99D79-8A4B-4031-B1E0-AF26F8EDF2BC}" type="slidenum">
               <a:rPr/>
-              <a:t>‹#›</a:t>
+              <a:t/>
             </a:fld>
             <a:endParaRPr/>
           </a:p>
         </p:txBody>
       </p:sp>
     </p:spTree>
-    <p:extLst>
-      <p:ext uri="{BB962C8B-B14F-4D97-AF65-F5344CB8AC3E}">
-        <p14:creationId xmlns:p14="http://schemas.microsoft.com/office/powerpoint/2010/main" val="3483960618"/>
-      </p:ext>
-    </p:extLst>
   </p:cSld>
   <p:clrMapOvr>
     <a:masterClrMapping/>
   </p:clrMapOvr>
-  <mc:AlternateContent xmlns:mc="http://schemas.openxmlformats.org/markup-compatibility/2006" xmlns:p14="http://schemas.microsoft.com/office/powerpoint/2010/main">
-    <mc:Choice Requires="p14">
-      <p:transition spd="med" p14:dur="700">
-        <p:fade/>
-      </p:transition>
-    </mc:Choice>
-    <mc:Fallback xmlns="">
-      <p:transition spd="med">
-        <p:fade/>
-      </p:transition>
-    </mc:Fallback>
-  </mc:AlternateContent>
 </p:sldLayout>
 </file>
 
 <file path=ppt/slideLayouts/slideLayout9.xml><?xml version="1.0" encoding="utf-8"?>
-<p:sldLayout xmlns:a="http://schemas.openxmlformats.org/drawingml/2006/main" xmlns:r="http://schemas.openxmlformats.org/officeDocument/2006/relationships" xmlns:p="http://schemas.openxmlformats.org/presentationml/2006/main" type="picTx" preserve="1">
+<p:sldLayout xmlns:a="http://schemas.openxmlformats.org/drawingml/2006/main" xmlns:r="http://schemas.openxmlformats.org/officeDocument/2006/relationships" xmlns:p="http://schemas.openxmlformats.org/presentationml/2006/main" xmlns:m="http://schemas.openxmlformats.org/officeDocument/2006/math" xmlns:w="http://schemas.openxmlformats.org/wordprocessingml/2006/main" matchingName="" preserve="1" showMasterPhAnim="0" type="picTx" userDrawn="1">
   <p:cSld name="Picture with Caption">
     <p:spTree>
       <p:nvGrpSpPr>
@@ -4163,7 +3740,7 @@
         <p:cNvGrpSpPr/>
         <p:nvPr/>
       </p:nvGrpSpPr>
-      <p:grpSpPr>
+      <p:grpSpPr bwMode="auto">
         <a:xfrm>
           <a:off x="0" y="0"/>
           <a:ext cx="0" cy="0"/>
@@ -4181,7 +3758,7 @@
             <p:ph type="title"/>
           </p:nvPr>
         </p:nvSpPr>
-        <p:spPr/>
+        <p:spPr bwMode="auto"/>
         <p:txBody>
           <a:bodyPr anchor="b">
             <a:normAutofit/>
@@ -4192,6 +3769,9 @@
             </a:lvl1pPr>
           </a:lstStyle>
           <a:p>
+            <a:pPr>
+              <a:defRPr/>
+            </a:pPr>
             <a:r>
               <a:rPr lang="en-US"/>
               <a:t>Click to edit Master title style</a:t>
@@ -4210,7 +3790,7 @@
             <p:ph type="pic" idx="1"/>
           </p:nvPr>
         </p:nvSpPr>
-        <p:spPr>
+        <p:spPr bwMode="auto">
           <a:xfrm>
             <a:off x="1218887" y="1600200"/>
             <a:ext cx="6703850" cy="3657600"/>
@@ -4264,6 +3844,9 @@
             </a:lvl9pPr>
           </a:lstStyle>
           <a:p>
+            <a:pPr>
+              <a:defRPr/>
+            </a:pPr>
             <a:r>
               <a:rPr lang="en-US"/>
               <a:t>Click icon to add picture</a:t>
@@ -4282,7 +3865,7 @@
             <p:ph type="body" sz="half" idx="2"/>
           </p:nvPr>
         </p:nvSpPr>
-        <p:spPr>
+        <p:spPr bwMode="auto">
           <a:xfrm>
             <a:off x="8125883" y="1600200"/>
             <a:ext cx="2844059" cy="3759200"/>
@@ -4337,11 +3920,14 @@
             </a:lvl9pPr>
           </a:lstStyle>
           <a:p>
-            <a:pPr lvl="0"/>
+            <a:pPr lvl="0">
+              <a:defRPr/>
+            </a:pPr>
             <a:r>
               <a:rPr lang="en-US"/>
               <a:t>Edit Master text styles</a:t>
             </a:r>
+            <a:endParaRPr/>
           </a:p>
         </p:txBody>
       </p:sp>
@@ -4355,15 +3941,19 @@
             <p:ph type="ftr" sz="quarter" idx="11"/>
           </p:nvPr>
         </p:nvSpPr>
-        <p:spPr/>
+        <p:spPr bwMode="auto"/>
         <p:txBody>
           <a:bodyPr/>
           <a:lstStyle/>
           <a:p>
-            <a:r>
-              <a:rPr lang="en-US" dirty="0"/>
+            <a:pPr>
+              <a:defRPr/>
+            </a:pPr>
+            <a:r>
+              <a:rPr lang="en-US"/>
               <a:t>Add a footer</a:t>
             </a:r>
+            <a:endParaRPr/>
           </a:p>
         </p:txBody>
       </p:sp>
@@ -4377,14 +3967,17 @@
             <p:ph type="dt" sz="half" idx="10"/>
           </p:nvPr>
         </p:nvSpPr>
-        <p:spPr/>
+        <p:spPr bwMode="auto"/>
         <p:txBody>
           <a:bodyPr/>
           <a:lstStyle/>
           <a:p>
+            <a:pPr>
+              <a:defRPr/>
+            </a:pPr>
             <a:fld id="{AE88EFFC-86AE-4294-A319-CAFC2651994B}" type="datetime1">
               <a:rPr lang="en-US"/>
-              <a:t>2/12/2023</a:t>
+              <a:t/>
             </a:fld>
             <a:endParaRPr/>
           </a:p>
@@ -4400,47 +3993,33 @@
             <p:ph type="sldNum" sz="quarter" idx="12"/>
           </p:nvPr>
         </p:nvSpPr>
-        <p:spPr/>
+        <p:spPr bwMode="auto"/>
         <p:txBody>
           <a:bodyPr/>
           <a:lstStyle/>
           <a:p>
+            <a:pPr>
+              <a:defRPr/>
+            </a:pPr>
             <a:fld id="{34C99D79-8A4B-4031-B1E0-AF26F8EDF2BC}" type="slidenum">
               <a:rPr/>
-              <a:t>‹#›</a:t>
+              <a:t/>
             </a:fld>
             <a:endParaRPr/>
           </a:p>
         </p:txBody>
       </p:sp>
     </p:spTree>
-    <p:extLst>
-      <p:ext uri="{BB962C8B-B14F-4D97-AF65-F5344CB8AC3E}">
-        <p14:creationId xmlns:p14="http://schemas.microsoft.com/office/powerpoint/2010/main" val="1442985026"/>
-      </p:ext>
-    </p:extLst>
   </p:cSld>
   <p:clrMapOvr>
     <a:masterClrMapping/>
   </p:clrMapOvr>
-  <mc:AlternateContent xmlns:mc="http://schemas.openxmlformats.org/markup-compatibility/2006" xmlns:p14="http://schemas.microsoft.com/office/powerpoint/2010/main">
-    <mc:Choice Requires="p14">
-      <p:transition spd="med" p14:dur="700">
-        <p:fade/>
-      </p:transition>
-    </mc:Choice>
-    <mc:Fallback xmlns="">
-      <p:transition spd="med">
-        <p:fade/>
-      </p:transition>
-    </mc:Fallback>
-  </mc:AlternateContent>
 </p:sldLayout>
 </file>
 
 <file path=ppt/slideMasters/slideMaster1.xml><?xml version="1.0" encoding="utf-8"?>
-<p:sldMaster xmlns:a="http://schemas.openxmlformats.org/drawingml/2006/main" xmlns:r="http://schemas.openxmlformats.org/officeDocument/2006/relationships" xmlns:p="http://schemas.openxmlformats.org/presentationml/2006/main">
-  <p:cSld>
+<p:sldMaster xmlns:a="http://schemas.openxmlformats.org/drawingml/2006/main" xmlns:r="http://schemas.openxmlformats.org/officeDocument/2006/relationships" xmlns:p="http://schemas.openxmlformats.org/presentationml/2006/main" xmlns:m="http://schemas.openxmlformats.org/officeDocument/2006/math" xmlns:w="http://schemas.openxmlformats.org/wordprocessingml/2006/main" preserve="0">
+  <p:cSld name="">
     <p:bg>
       <p:bgRef idx="1001">
         <a:schemeClr val="bg1"/>
@@ -4452,7 +4031,7 @@
         <p:cNvGrpSpPr/>
         <p:nvPr/>
       </p:nvGrpSpPr>
-      <p:grpSpPr>
+      <p:grpSpPr bwMode="auto">
         <a:xfrm>
           <a:off x="0" y="0"/>
           <a:ext cx="0" cy="0"/>
@@ -4466,11 +4045,11 @@
           <p:cNvGrpSpPr/>
           <p:nvPr/>
         </p:nvGrpSpPr>
-        <p:grpSpPr>
+        <p:grpSpPr bwMode="auto">
           <a:xfrm>
             <a:off x="0" y="5409216"/>
             <a:ext cx="12188825" cy="1462483"/>
-            <a:chOff x="0" y="4056912"/>
+            <a:chOff x="0" y="4056911"/>
             <a:chExt cx="9144000" cy="1096862"/>
           </a:xfrm>
         </p:grpSpPr>
@@ -4492,7 +4071,7 @@
               <a:cxnLst/>
               <a:rect l="l" t="t" r="r" b="b"/>
               <a:pathLst>
-                <a:path w="904412" h="9144000">
+                <a:path w="904412" h="9144000" fill="norm" stroke="1" extrusionOk="0">
                   <a:moveTo>
                     <a:pt x="0" y="0"/>
                   </a:moveTo>
@@ -4516,7 +4095,7 @@
             </a:custGeom>
             <a:solidFill>
               <a:schemeClr val="tx1">
-                <a:alpha val="8000"/>
+                <a:alpha val="7999"/>
               </a:schemeClr>
             </a:solidFill>
             <a:ln>
@@ -4543,7 +4122,9 @@
             <a:bodyPr rtlCol="0" anchor="ctr"/>
             <a:lstStyle/>
             <a:p>
-              <a:pPr algn="ctr"/>
+              <a:pPr algn="ctr">
+                <a:defRPr/>
+              </a:pPr>
               <a:endParaRPr/>
             </a:p>
           </p:txBody>
@@ -4566,7 +4147,7 @@
               <a:cxnLst/>
               <a:rect l="l" t="t" r="r" b="b"/>
               <a:pathLst>
-                <a:path w="1096862" h="9144000">
+                <a:path w="1096862" h="9144000" fill="norm" stroke="1" extrusionOk="0">
                   <a:moveTo>
                     <a:pt x="1096861" y="9136375"/>
                   </a:moveTo>
@@ -4637,7 +4218,9 @@
             <a:bodyPr rtlCol="0" anchor="ctr"/>
             <a:lstStyle/>
             <a:p>
-              <a:pPr lvl="0" algn="ctr"/>
+              <a:pPr lvl="0" algn="ctr">
+                <a:defRPr/>
+              </a:pPr>
               <a:endParaRPr/>
             </a:p>
           </p:txBody>
@@ -4649,7 +4232,7 @@
           <p:cNvGrpSpPr/>
           <p:nvPr/>
         </p:nvGrpSpPr>
-        <p:grpSpPr>
+        <p:grpSpPr bwMode="auto">
           <a:xfrm>
             <a:off x="1" y="800551"/>
             <a:ext cx="1063023" cy="524183"/>
@@ -4663,13 +4246,15 @@
             <p:cNvSpPr/>
             <p:nvPr/>
           </p:nvSpPr>
-          <p:spPr>
+          <p:spPr bwMode="auto">
             <a:xfrm>
               <a:off x="591671" y="452558"/>
-              <a:ext cx="322729" cy="524180"/>
+              <a:ext cx="322728" cy="524180"/>
             </a:xfrm>
             <a:prstGeom prst="roundRect">
-              <a:avLst/>
+              <a:avLst>
+                <a:gd name="adj" fmla="val 16667"/>
+              </a:avLst>
             </a:prstGeom>
             <a:solidFill>
               <a:schemeClr val="accent3"/>
@@ -4698,7 +4283,9 @@
             <a:bodyPr rtlCol="0" anchor="ctr"/>
             <a:lstStyle/>
             <a:p>
-              <a:pPr algn="ctr"/>
+              <a:pPr algn="ctr">
+                <a:defRPr/>
+              </a:pPr>
               <a:endParaRPr/>
             </a:p>
           </p:txBody>
@@ -4709,13 +4296,15 @@
             <p:cNvSpPr/>
             <p:nvPr/>
           </p:nvSpPr>
-          <p:spPr>
+          <p:spPr bwMode="auto">
             <a:xfrm>
               <a:off x="215154" y="452558"/>
-              <a:ext cx="322729" cy="524180"/>
+              <a:ext cx="322728" cy="524180"/>
             </a:xfrm>
             <a:prstGeom prst="roundRect">
-              <a:avLst/>
+              <a:avLst>
+                <a:gd name="adj" fmla="val 16667"/>
+              </a:avLst>
             </a:prstGeom>
             <a:solidFill>
               <a:schemeClr val="accent2"/>
@@ -4744,7 +4333,9 @@
             <a:bodyPr rtlCol="0" anchor="ctr"/>
             <a:lstStyle/>
             <a:p>
-              <a:pPr algn="ctr"/>
+              <a:pPr algn="ctr">
+                <a:defRPr/>
+              </a:pPr>
               <a:endParaRPr/>
             </a:p>
           </p:txBody>
@@ -4755,7 +4346,7 @@
             <p:cNvSpPr/>
             <p:nvPr/>
           </p:nvSpPr>
-          <p:spPr>
+          <p:spPr bwMode="auto">
             <a:xfrm rot="5400000">
               <a:off x="-181408" y="633966"/>
               <a:ext cx="524182" cy="161366"/>
@@ -4793,7 +4384,9 @@
             <a:bodyPr rtlCol="0" anchor="ctr"/>
             <a:lstStyle/>
             <a:p>
-              <a:pPr algn="ctr"/>
+              <a:pPr algn="ctr">
+                <a:defRPr/>
+              </a:pPr>
               <a:endParaRPr/>
             </a:p>
           </p:txBody>
@@ -4809,21 +4402,24 @@
             <p:ph type="title"/>
           </p:nvPr>
         </p:nvSpPr>
-        <p:spPr>
+        <p:spPr bwMode="auto">
           <a:xfrm>
             <a:off x="1218883" y="152400"/>
-            <a:ext cx="9751060" cy="1295400"/>
+            <a:ext cx="9751059" cy="1295400"/>
           </a:xfrm>
           <a:prstGeom prst="rect">
             <a:avLst/>
           </a:prstGeom>
         </p:spPr>
         <p:txBody>
-          <a:bodyPr vert="horz" lIns="121899" tIns="60949" rIns="121899" bIns="60949" rtlCol="0" anchor="b">
+          <a:bodyPr vert="horz" lIns="121898" tIns="60949" rIns="121898" bIns="60949" rtlCol="0" anchor="b">
             <a:normAutofit/>
           </a:bodyPr>
           <a:lstStyle/>
           <a:p>
+            <a:pPr>
+              <a:defRPr/>
+            </a:pPr>
             <a:r>
               <a:rPr lang="en-US"/>
               <a:t>Click to edit Master title style</a:t>
@@ -4842,55 +4438,69 @@
             <p:ph type="body" idx="1"/>
           </p:nvPr>
         </p:nvSpPr>
-        <p:spPr>
+        <p:spPr bwMode="auto">
           <a:xfrm>
             <a:off x="1218883" y="1600200"/>
-            <a:ext cx="9751060" cy="4572000"/>
+            <a:ext cx="9751059" cy="4572000"/>
           </a:xfrm>
           <a:prstGeom prst="rect">
             <a:avLst/>
           </a:prstGeom>
         </p:spPr>
         <p:txBody>
-          <a:bodyPr vert="horz" lIns="121899" tIns="60949" rIns="121899" bIns="60949" rtlCol="0">
+          <a:bodyPr vert="horz" lIns="121898" tIns="60949" rIns="121898" bIns="60949" rtlCol="0">
             <a:normAutofit/>
           </a:bodyPr>
           <a:lstStyle/>
           <a:p>
-            <a:pPr lvl="0"/>
+            <a:pPr lvl="0">
+              <a:defRPr/>
+            </a:pPr>
             <a:r>
               <a:rPr lang="en-US"/>
               <a:t>Edit Master text styles</a:t>
             </a:r>
-          </a:p>
-          <a:p>
-            <a:pPr lvl="1"/>
+            <a:endParaRPr/>
+          </a:p>
+          <a:p>
+            <a:pPr lvl="1">
+              <a:defRPr/>
+            </a:pPr>
             <a:r>
               <a:rPr lang="en-US"/>
               <a:t>Second level</a:t>
             </a:r>
-          </a:p>
-          <a:p>
-            <a:pPr lvl="2"/>
+            <a:endParaRPr/>
+          </a:p>
+          <a:p>
+            <a:pPr lvl="2">
+              <a:defRPr/>
+            </a:pPr>
             <a:r>
               <a:rPr lang="en-US"/>
               <a:t>Third level</a:t>
             </a:r>
-          </a:p>
-          <a:p>
-            <a:pPr lvl="3"/>
+            <a:endParaRPr/>
+          </a:p>
+          <a:p>
+            <a:pPr lvl="3">
+              <a:defRPr/>
+            </a:pPr>
             <a:r>
               <a:rPr lang="en-US"/>
               <a:t>Fourth level</a:t>
             </a:r>
-          </a:p>
-          <a:p>
-            <a:pPr lvl="4"/>
+            <a:endParaRPr/>
+          </a:p>
+          <a:p>
+            <a:pPr lvl="4">
+              <a:defRPr/>
+            </a:pPr>
             <a:r>
               <a:rPr lang="en-US"/>
               <a:t>Fifth level</a:t>
             </a:r>
-            <a:endParaRPr dirty="0"/>
+            <a:endParaRPr/>
           </a:p>
         </p:txBody>
       </p:sp>
@@ -4904,7 +4514,7 @@
             <p:ph type="ftr" sz="quarter" idx="3"/>
           </p:nvPr>
         </p:nvSpPr>
-        <p:spPr>
+        <p:spPr bwMode="auto">
           <a:xfrm>
             <a:off x="1218883" y="6448425"/>
             <a:ext cx="8288401" cy="180976"/>
@@ -4914,7 +4524,7 @@
           </a:prstGeom>
         </p:spPr>
         <p:txBody>
-          <a:bodyPr vert="horz" lIns="121899" tIns="60949" rIns="121899" bIns="60949" rtlCol="0" anchor="ctr"/>
+          <a:bodyPr vert="horz" lIns="121898" tIns="60949" rIns="121898" bIns="60949" rtlCol="0" anchor="ctr"/>
           <a:lstStyle>
             <a:lvl1pPr algn="l">
               <a:defRPr sz="1200">
@@ -4925,10 +4535,14 @@
             </a:lvl1pPr>
           </a:lstStyle>
           <a:p>
-            <a:r>
-              <a:rPr lang="en-US" dirty="0"/>
+            <a:pPr>
+              <a:defRPr/>
+            </a:pPr>
+            <a:r>
+              <a:rPr lang="en-US"/>
               <a:t>Add a footer</a:t>
             </a:r>
+            <a:endParaRPr/>
           </a:p>
         </p:txBody>
       </p:sp>
@@ -4942,7 +4556,7 @@
             <p:ph type="dt" sz="half" idx="2"/>
           </p:nvPr>
         </p:nvSpPr>
-        <p:spPr>
+        <p:spPr bwMode="auto">
           <a:xfrm>
             <a:off x="9547913" y="6448425"/>
             <a:ext cx="1422030" cy="180976"/>
@@ -4952,7 +4566,7 @@
           </a:prstGeom>
         </p:spPr>
         <p:txBody>
-          <a:bodyPr vert="horz" lIns="121899" tIns="60949" rIns="121899" bIns="60949" rtlCol="0" anchor="ctr"/>
+          <a:bodyPr vert="horz" lIns="121898" tIns="60949" rIns="121898" bIns="60949" rtlCol="0" anchor="ctr"/>
           <a:lstStyle>
             <a:lvl1pPr algn="r">
               <a:defRPr sz="1200">
@@ -4963,12 +4577,14 @@
             </a:lvl1pPr>
           </a:lstStyle>
           <a:p>
+            <a:pPr>
+              <a:defRPr/>
+            </a:pPr>
             <a:fld id="{D29E8617-6EA8-4B97-A5E8-E18E98765EE2}" type="datetime1">
               <a:rPr lang="en-US"/>
-              <a:pPr/>
-              <a:t>2/12/2023</a:t>
+              <a:t/>
             </a:fld>
-            <a:endParaRPr dirty="0"/>
+            <a:endParaRPr/>
           </a:p>
         </p:txBody>
       </p:sp>
@@ -4982,7 +4598,7 @@
             <p:ph type="sldNum" sz="quarter" idx="4"/>
           </p:nvPr>
         </p:nvSpPr>
-        <p:spPr>
+        <p:spPr bwMode="auto">
           <a:xfrm>
             <a:off x="11071516" y="6448425"/>
             <a:ext cx="812588" cy="180976"/>
@@ -4992,7 +4608,7 @@
           </a:prstGeom>
         </p:spPr>
         <p:txBody>
-          <a:bodyPr vert="horz" lIns="121899" tIns="60949" rIns="121899" bIns="60949" rtlCol="0" anchor="ctr"/>
+          <a:bodyPr vert="horz" lIns="121898" tIns="60949" rIns="121898" bIns="60949" rtlCol="0" anchor="ctr"/>
           <a:lstStyle>
             <a:lvl1pPr algn="r">
               <a:defRPr sz="1200">
@@ -5003,21 +4619,18 @@
             </a:lvl1pPr>
           </a:lstStyle>
           <a:p>
+            <a:pPr>
+              <a:defRPr/>
+            </a:pPr>
             <a:fld id="{34C99D79-8A4B-4031-B1E0-AF26F8EDF2BC}" type="slidenum">
               <a:rPr/>
-              <a:pPr/>
-              <a:t>‹#›</a:t>
+              <a:t/>
             </a:fld>
             <a:endParaRPr/>
           </a:p>
         </p:txBody>
       </p:sp>
     </p:spTree>
-    <p:extLst>
-      <p:ext uri="{BB962C8B-B14F-4D97-AF65-F5344CB8AC3E}">
-        <p14:creationId xmlns:p14="http://schemas.microsoft.com/office/powerpoint/2010/main" val="1782682660"/>
-      </p:ext>
-    </p:extLst>
   </p:cSld>
   <p:clrMap bg1="lt1" tx1="dk1" bg2="lt2" tx2="dk2" accent1="accent1" accent2="accent2" accent3="accent3" accent4="accent4" accent5="accent5" accent6="accent6" hlink="hlink" folHlink="folHlink"/>
   <p:sldLayoutIdLst>
@@ -5033,27 +4646,15 @@
     <p:sldLayoutId id="2147483658" r:id="rId10"/>
     <p:sldLayoutId id="2147483659" r:id="rId11"/>
   </p:sldLayoutIdLst>
-  <mc:AlternateContent xmlns:mc="http://schemas.openxmlformats.org/markup-compatibility/2006" xmlns:p14="http://schemas.microsoft.com/office/powerpoint/2010/main">
-    <mc:Choice Requires="p14">
-      <p:transition spd="med" p14:dur="700">
-        <p:fade/>
-      </p:transition>
-    </mc:Choice>
-    <mc:Fallback xmlns="">
-      <p:transition spd="med">
-        <p:fade/>
-      </p:transition>
-    </mc:Fallback>
-  </mc:AlternateContent>
-  <p:hf sldNum="0" hdr="0" ftr="0" dt="0"/>
+  <p:hf dt="0" ftr="0" hdr="0" sldNum="0"/>
   <p:txStyles>
     <p:titleStyle>
-      <a:lvl1pPr algn="l" defTabSz="1218987" rtl="0" eaLnBrk="1" latinLnBrk="0" hangingPunct="1">
+      <a:lvl1pPr algn="l" defTabSz="1218987">
         <a:spcBef>
-          <a:spcPct val="0"/>
+          <a:spcPts val="0"/>
         </a:spcBef>
         <a:buNone/>
-        <a:defRPr sz="3600" kern="1200">
+        <a:defRPr sz="3600">
           <a:solidFill>
             <a:schemeClr val="tx1"/>
           </a:solidFill>
@@ -5064,7 +4665,7 @@
       </a:lvl1pPr>
     </p:titleStyle>
     <p:bodyStyle>
-      <a:lvl1pPr marL="304747" indent="-304747" algn="l" defTabSz="1218987" rtl="0" eaLnBrk="1" latinLnBrk="0" hangingPunct="1">
+      <a:lvl1pPr marL="304747" indent="-304747" algn="l" defTabSz="1218987">
         <a:lnSpc>
           <a:spcPct val="90000"/>
         </a:lnSpc>
@@ -5076,9 +4677,9 @@
             <a:lumMod val="75000"/>
           </a:schemeClr>
         </a:buClr>
-        <a:buFont typeface="Arial" pitchFamily="34" charset="0"/>
+        <a:buFont typeface="Arial"/>
         <a:buChar char="•"/>
-        <a:defRPr sz="2800" kern="1200">
+        <a:defRPr sz="2800">
           <a:solidFill>
             <a:schemeClr val="tx1"/>
           </a:solidFill>
@@ -5087,7 +4688,7 @@
           <a:cs typeface="+mn-cs"/>
         </a:defRPr>
       </a:lvl1pPr>
-      <a:lvl2pPr marL="755772" indent="-304747" algn="l" defTabSz="1218987" rtl="0" eaLnBrk="1" latinLnBrk="0" hangingPunct="1">
+      <a:lvl2pPr marL="755772" indent="-304747" algn="l" defTabSz="1218987">
         <a:lnSpc>
           <a:spcPct val="90000"/>
         </a:lnSpc>
@@ -5099,9 +4700,9 @@
             <a:lumMod val="75000"/>
           </a:schemeClr>
         </a:buClr>
-        <a:buFont typeface="Arial" pitchFamily="34" charset="0"/>
+        <a:buFont typeface="Arial"/>
         <a:buChar char="–"/>
-        <a:defRPr sz="2400" kern="1200">
+        <a:defRPr sz="2400">
           <a:solidFill>
             <a:schemeClr val="tx1"/>
           </a:solidFill>
@@ -5110,7 +4711,7 @@
           <a:cs typeface="+mn-cs"/>
         </a:defRPr>
       </a:lvl2pPr>
-      <a:lvl3pPr marL="1206797" indent="-304747" algn="l" defTabSz="1218987" rtl="0" eaLnBrk="1" latinLnBrk="0" hangingPunct="1">
+      <a:lvl3pPr marL="1206797" indent="-304747" algn="l" defTabSz="1218987">
         <a:lnSpc>
           <a:spcPct val="90000"/>
         </a:lnSpc>
@@ -5122,9 +4723,9 @@
             <a:lumMod val="75000"/>
           </a:schemeClr>
         </a:buClr>
-        <a:buFont typeface="Arial" pitchFamily="34" charset="0"/>
+        <a:buFont typeface="Arial"/>
         <a:buChar char="•"/>
-        <a:defRPr sz="2000" kern="1200">
+        <a:defRPr sz="2000">
           <a:solidFill>
             <a:schemeClr val="tx1"/>
           </a:solidFill>
@@ -5133,7 +4734,7 @@
           <a:cs typeface="+mn-cs"/>
         </a:defRPr>
       </a:lvl3pPr>
-      <a:lvl4pPr marL="1657822" indent="-304747" algn="l" defTabSz="1218987" rtl="0" eaLnBrk="1" latinLnBrk="0" hangingPunct="1">
+      <a:lvl4pPr marL="1657822" indent="-304747" algn="l" defTabSz="1218987">
         <a:lnSpc>
           <a:spcPct val="90000"/>
         </a:lnSpc>
@@ -5145,9 +4746,9 @@
             <a:lumMod val="75000"/>
           </a:schemeClr>
         </a:buClr>
-        <a:buFont typeface="Arial" pitchFamily="34" charset="0"/>
+        <a:buFont typeface="Arial"/>
         <a:buChar char="•"/>
-        <a:defRPr sz="2000" kern="1200">
+        <a:defRPr sz="2000">
           <a:solidFill>
             <a:schemeClr val="tx1"/>
           </a:solidFill>
@@ -5156,7 +4757,7 @@
           <a:cs typeface="+mn-cs"/>
         </a:defRPr>
       </a:lvl4pPr>
-      <a:lvl5pPr marL="2108847" indent="-304747" algn="l" defTabSz="1218987" rtl="0" eaLnBrk="1" latinLnBrk="0" hangingPunct="1">
+      <a:lvl5pPr marL="2108847" indent="-304747" algn="l" defTabSz="1218987">
         <a:lnSpc>
           <a:spcPct val="90000"/>
         </a:lnSpc>
@@ -5168,9 +4769,9 @@
             <a:lumMod val="75000"/>
           </a:schemeClr>
         </a:buClr>
-        <a:buFont typeface="Arial" pitchFamily="34" charset="0"/>
+        <a:buFont typeface="Arial"/>
         <a:buChar char="•"/>
-        <a:defRPr sz="2000" kern="1200">
+        <a:defRPr sz="2000">
           <a:solidFill>
             <a:schemeClr val="tx1"/>
           </a:solidFill>
@@ -5179,7 +4780,7 @@
           <a:cs typeface="+mn-cs"/>
         </a:defRPr>
       </a:lvl5pPr>
-      <a:lvl6pPr marL="2559872" indent="-304747" algn="l" defTabSz="1218987" rtl="0" eaLnBrk="1" latinLnBrk="0" hangingPunct="1">
+      <a:lvl6pPr marL="2559872" indent="-304747" algn="l" defTabSz="1218987">
         <a:lnSpc>
           <a:spcPct val="90000"/>
         </a:lnSpc>
@@ -5189,9 +4790,9 @@
         <a:buClr>
           <a:schemeClr val="accent1"/>
         </a:buClr>
-        <a:buFont typeface="Arial" pitchFamily="34" charset="0"/>
+        <a:buFont typeface="Arial"/>
         <a:buChar char="•"/>
-        <a:defRPr sz="2000" kern="1200" baseline="0">
+        <a:defRPr sz="2000">
           <a:solidFill>
             <a:schemeClr val="tx1"/>
           </a:solidFill>
@@ -5200,7 +4801,7 @@
           <a:cs typeface="+mn-cs"/>
         </a:defRPr>
       </a:lvl6pPr>
-      <a:lvl7pPr marL="3010897" indent="-304747" algn="l" defTabSz="1218987" rtl="0" eaLnBrk="1" latinLnBrk="0" hangingPunct="1">
+      <a:lvl7pPr marL="3010897" indent="-304747" algn="l" defTabSz="1218987">
         <a:lnSpc>
           <a:spcPct val="90000"/>
         </a:lnSpc>
@@ -5210,9 +4811,9 @@
         <a:buClr>
           <a:schemeClr val="accent1"/>
         </a:buClr>
-        <a:buFont typeface="Arial" pitchFamily="34" charset="0"/>
+        <a:buFont typeface="Arial"/>
         <a:buChar char="•"/>
-        <a:defRPr sz="2000" kern="1200" baseline="0">
+        <a:defRPr sz="2000">
           <a:solidFill>
             <a:schemeClr val="tx1"/>
           </a:solidFill>
@@ -5221,7 +4822,7 @@
           <a:cs typeface="+mn-cs"/>
         </a:defRPr>
       </a:lvl7pPr>
-      <a:lvl8pPr marL="3461922" indent="-304747" algn="l" defTabSz="1218987" rtl="0" eaLnBrk="1" latinLnBrk="0" hangingPunct="1">
+      <a:lvl8pPr marL="3461922" indent="-304747" algn="l" defTabSz="1218987">
         <a:lnSpc>
           <a:spcPct val="90000"/>
         </a:lnSpc>
@@ -5231,9 +4832,9 @@
         <a:buClr>
           <a:schemeClr val="accent1"/>
         </a:buClr>
-        <a:buFont typeface="Arial" pitchFamily="34" charset="0"/>
+        <a:buFont typeface="Arial"/>
         <a:buChar char="•"/>
-        <a:defRPr sz="2000" kern="1200" baseline="0">
+        <a:defRPr sz="2000">
           <a:solidFill>
             <a:schemeClr val="tx1"/>
           </a:solidFill>
@@ -5242,7 +4843,7 @@
           <a:cs typeface="+mn-cs"/>
         </a:defRPr>
       </a:lvl8pPr>
-      <a:lvl9pPr marL="3912947" indent="-304747" algn="l" defTabSz="1218987" rtl="0" eaLnBrk="1" latinLnBrk="0" hangingPunct="1">
+      <a:lvl9pPr marL="3912947" indent="-304747" algn="l" defTabSz="1218987">
         <a:lnSpc>
           <a:spcPct val="90000"/>
         </a:lnSpc>
@@ -5252,9 +4853,9 @@
         <a:buClr>
           <a:schemeClr val="accent1"/>
         </a:buClr>
-        <a:buFont typeface="Arial" pitchFamily="34" charset="0"/>
+        <a:buFont typeface="Arial"/>
         <a:buChar char="•"/>
-        <a:defRPr sz="2000" kern="1200" baseline="0">
+        <a:defRPr sz="2000">
           <a:solidFill>
             <a:schemeClr val="tx1"/>
           </a:solidFill>
@@ -5268,8 +4869,8 @@
       <a:defPPr>
         <a:defRPr/>
       </a:defPPr>
-      <a:lvl1pPr marL="0" algn="l" defTabSz="1218987" rtl="0" eaLnBrk="1" latinLnBrk="0" hangingPunct="1">
-        <a:defRPr sz="2400" kern="1200">
+      <a:lvl1pPr marL="0" algn="l" defTabSz="1218987">
+        <a:defRPr sz="2400">
           <a:solidFill>
             <a:schemeClr val="tx1"/>
           </a:solidFill>
@@ -5278,8 +4879,8 @@
           <a:cs typeface="+mn-cs"/>
         </a:defRPr>
       </a:lvl1pPr>
-      <a:lvl2pPr marL="609493" algn="l" defTabSz="1218987" rtl="0" eaLnBrk="1" latinLnBrk="0" hangingPunct="1">
-        <a:defRPr sz="2400" kern="1200">
+      <a:lvl2pPr marL="609493" algn="l" defTabSz="1218987">
+        <a:defRPr sz="2400">
           <a:solidFill>
             <a:schemeClr val="tx1"/>
           </a:solidFill>
@@ -5288,8 +4889,8 @@
           <a:cs typeface="+mn-cs"/>
         </a:defRPr>
       </a:lvl2pPr>
-      <a:lvl3pPr marL="1218987" algn="l" defTabSz="1218987" rtl="0" eaLnBrk="1" latinLnBrk="0" hangingPunct="1">
-        <a:defRPr sz="2400" kern="1200">
+      <a:lvl3pPr marL="1218987" algn="l" defTabSz="1218987">
+        <a:defRPr sz="2400">
           <a:solidFill>
             <a:schemeClr val="tx1"/>
           </a:solidFill>
@@ -5298,8 +4899,8 @@
           <a:cs typeface="+mn-cs"/>
         </a:defRPr>
       </a:lvl3pPr>
-      <a:lvl4pPr marL="1828480" algn="l" defTabSz="1218987" rtl="0" eaLnBrk="1" latinLnBrk="0" hangingPunct="1">
-        <a:defRPr sz="2400" kern="1200">
+      <a:lvl4pPr marL="1828480" algn="l" defTabSz="1218987">
+        <a:defRPr sz="2400">
           <a:solidFill>
             <a:schemeClr val="tx1"/>
           </a:solidFill>
@@ -5308,8 +4909,8 @@
           <a:cs typeface="+mn-cs"/>
         </a:defRPr>
       </a:lvl4pPr>
-      <a:lvl5pPr marL="2437973" algn="l" defTabSz="1218987" rtl="0" eaLnBrk="1" latinLnBrk="0" hangingPunct="1">
-        <a:defRPr sz="2400" kern="1200">
+      <a:lvl5pPr marL="2437973" algn="l" defTabSz="1218987">
+        <a:defRPr sz="2400">
           <a:solidFill>
             <a:schemeClr val="tx1"/>
           </a:solidFill>
@@ -5318,8 +4919,8 @@
           <a:cs typeface="+mn-cs"/>
         </a:defRPr>
       </a:lvl5pPr>
-      <a:lvl6pPr marL="3047467" algn="l" defTabSz="1218987" rtl="0" eaLnBrk="1" latinLnBrk="0" hangingPunct="1">
-        <a:defRPr sz="2400" kern="1200">
+      <a:lvl6pPr marL="3047467" algn="l" defTabSz="1218987">
+        <a:defRPr sz="2400">
           <a:solidFill>
             <a:schemeClr val="tx1"/>
           </a:solidFill>
@@ -5328,8 +4929,8 @@
           <a:cs typeface="+mn-cs"/>
         </a:defRPr>
       </a:lvl6pPr>
-      <a:lvl7pPr marL="3656960" algn="l" defTabSz="1218987" rtl="0" eaLnBrk="1" latinLnBrk="0" hangingPunct="1">
-        <a:defRPr sz="2400" kern="1200">
+      <a:lvl7pPr marL="3656960" algn="l" defTabSz="1218987">
+        <a:defRPr sz="2400">
           <a:solidFill>
             <a:schemeClr val="tx1"/>
           </a:solidFill>
@@ -5338,8 +4939,8 @@
           <a:cs typeface="+mn-cs"/>
         </a:defRPr>
       </a:lvl7pPr>
-      <a:lvl8pPr marL="4266453" algn="l" defTabSz="1218987" rtl="0" eaLnBrk="1" latinLnBrk="0" hangingPunct="1">
-        <a:defRPr sz="2400" kern="1200">
+      <a:lvl8pPr marL="4266453" algn="l" defTabSz="1218987">
+        <a:defRPr sz="2400">
           <a:solidFill>
             <a:schemeClr val="tx1"/>
           </a:solidFill>
@@ -5348,8 +4949,8 @@
           <a:cs typeface="+mn-cs"/>
         </a:defRPr>
       </a:lvl8pPr>
-      <a:lvl9pPr marL="4875947" algn="l" defTabSz="1218987" rtl="0" eaLnBrk="1" latinLnBrk="0" hangingPunct="1">
-        <a:defRPr sz="2400" kern="1200">
+      <a:lvl9pPr marL="4875947" algn="l" defTabSz="1218987">
+        <a:defRPr sz="2400">
           <a:solidFill>
             <a:schemeClr val="tx1"/>
           </a:solidFill>
@@ -5360,30 +4961,14 @@
       </a:lvl9pPr>
     </p:otherStyle>
   </p:txStyles>
-  <p:extLst>
-    <p:ext uri="{27BBF7A9-308A-43DC-89C8-2F10F3537804}">
-      <p15:sldGuideLst xmlns:p15="http://schemas.microsoft.com/office/powerpoint/2012/main">
-        <p15:guide id="1" orient="horz" pos="2160" userDrawn="1">
-          <p15:clr>
-            <a:srgbClr val="F26B43"/>
-          </p15:clr>
-        </p15:guide>
-        <p15:guide id="2" pos="3839" userDrawn="1">
-          <p15:clr>
-            <a:srgbClr val="F26B43"/>
-          </p15:clr>
-        </p15:guide>
-      </p15:sldGuideLst>
-    </p:ext>
-  </p:extLst>
 </p:sldMaster>
 </file>
 
 <file path=ppt/slides/slide1.xml><?xml version="1.0" encoding="utf-8"?>
-<p:sld xmlns:a="http://schemas.openxmlformats.org/drawingml/2006/main" xmlns:r="http://schemas.openxmlformats.org/officeDocument/2006/relationships" xmlns:p="http://schemas.openxmlformats.org/presentationml/2006/main">
-  <p:cSld>
+<p:sld xmlns:a="http://schemas.openxmlformats.org/drawingml/2006/main" xmlns:r="http://schemas.openxmlformats.org/officeDocument/2006/relationships" xmlns:p="http://schemas.openxmlformats.org/presentationml/2006/main" xmlns:m="http://schemas.openxmlformats.org/officeDocument/2006/math" xmlns:w="http://schemas.openxmlformats.org/wordprocessingml/2006/main" showMasterPhAnim="0" show="1">
+  <p:cSld name="">
     <p:bg>
-      <p:bgPr>
+      <p:bgPr shadeToTitle="0">
         <a:gradFill>
           <a:gsLst>
             <a:gs pos="0">
@@ -5401,11 +4986,8 @@
               </a:schemeClr>
             </a:gs>
           </a:gsLst>
-          <a:path path="circle">
-            <a:fillToRect l="50000" t="50000" r="100000" b="100000"/>
-          </a:path>
+          <a:path path="circle"/>
         </a:gradFill>
-        <a:effectLst/>
       </p:bgPr>
     </p:bg>
     <p:spTree>
@@ -5414,7 +4996,7 @@
         <p:cNvGrpSpPr/>
         <p:nvPr/>
       </p:nvGrpSpPr>
-      <p:grpSpPr>
+      <p:grpSpPr bwMode="auto">
         <a:xfrm>
           <a:off x="0" y="0"/>
           <a:ext cx="0" cy="0"/>
@@ -5432,20 +5014,24 @@
             <p:ph type="ctrTitle"/>
           </p:nvPr>
         </p:nvSpPr>
-        <p:spPr>
+        <p:spPr bwMode="auto">
           <a:xfrm>
-            <a:off x="10134" y="152400"/>
-            <a:ext cx="10427677" cy="838200"/>
+            <a:off x="10133" y="152400"/>
+            <a:ext cx="10427676" cy="838200"/>
           </a:xfrm>
         </p:spPr>
         <p:txBody>
           <a:bodyPr/>
           <a:lstStyle/>
           <a:p>
-            <a:r>
-              <a:rPr lang="en-IN" b="1" dirty="0"/>
+            <a:pPr>
+              <a:defRPr/>
+            </a:pPr>
+            <a:r>
+              <a:rPr lang="en-IN" b="1"/>
               <a:t>JAVA</a:t>
             </a:r>
+            <a:endParaRPr/>
           </a:p>
         </p:txBody>
       </p:sp>
@@ -5453,59 +5039,43 @@
         <p:nvGraphicFramePr>
           <p:cNvPr id="4" name="Table 3"/>
           <p:cNvGraphicFramePr>
-            <a:graphicFrameLocks noGrp="1"/>
+            <a:graphicFrameLocks xmlns:a="http://schemas.openxmlformats.org/drawingml/2006/main" noGrp="1"/>
           </p:cNvGraphicFramePr>
-          <p:nvPr>
-            <p:extLst>
-              <p:ext uri="{D42A27DB-BD31-4B8C-83A1-F6EECF244321}">
-                <p14:modId xmlns:p14="http://schemas.microsoft.com/office/powerpoint/2010/main" val="386706236"/>
-              </p:ext>
-            </p:extLst>
-          </p:nvPr>
+          <p:nvPr/>
         </p:nvGraphicFramePr>
         <p:xfrm>
           <a:off x="455612" y="2514600"/>
-          <a:ext cx="11041040" cy="2174127"/>
+          <a:ext cx="11041039" cy="2174127"/>
         </p:xfrm>
         <a:graphic>
           <a:graphicData uri="http://schemas.openxmlformats.org/drawingml/2006/table">
             <a:tbl>
-              <a:tblPr firstRow="1" bandRow="1">
+              <a:tblPr firstRow="1" firstCol="0" lastRow="0" lastCol="0" bandRow="1" bandCol="0">
                 <a:tableStyleId>{EB9631B5-78F2-41C9-869B-9F39066F8104}</a:tableStyleId>
               </a:tblPr>
               <a:tblGrid>
-                <a:gridCol w="5520520">
-                  <a:extLst>
-                    <a:ext uri="{9D8B030D-6E8A-4147-A177-3AD203B41FA5}">
-                      <a16:colId xmlns:a16="http://schemas.microsoft.com/office/drawing/2014/main" val="20000"/>
-                    </a:ext>
-                  </a:extLst>
-                </a:gridCol>
-                <a:gridCol w="5520520">
-                  <a:extLst>
-                    <a:ext uri="{9D8B030D-6E8A-4147-A177-3AD203B41FA5}">
-                      <a16:colId xmlns:a16="http://schemas.microsoft.com/office/drawing/2014/main" val="3486249953"/>
-                    </a:ext>
-                  </a:extLst>
-                </a:gridCol>
+                <a:gridCol w="5520519"/>
+                <a:gridCol w="5520519"/>
               </a:tblGrid>
               <a:tr h="419909">
                 <a:tc gridSpan="2">
                   <a:txBody>
                     <a:bodyPr/>
-                    <a:lstStyle/>
                     <a:p>
-                      <a:pPr algn="ctr"/>
+                      <a:pPr algn="ctr">
+                        <a:defRPr/>
+                      </a:pPr>
                       <a:r>
-                        <a:rPr lang="en-US" sz="2400" dirty="0">
+                        <a:rPr lang="en-US" sz="2400">
                           <a:solidFill>
                             <a:schemeClr val="tx1"/>
                           </a:solidFill>
-                          <a:latin typeface="Verdana" panose="020B0604030504040204" pitchFamily="34" charset="0"/>
-                          <a:ea typeface="Verdana" panose="020B0604030504040204" pitchFamily="34" charset="0"/>
+                          <a:latin typeface="Verdana"/>
+                          <a:ea typeface="Verdana"/>
                         </a:rPr>
                         <a:t>Java</a:t>
                       </a:r>
+                      <a:endParaRPr/>
                     </a:p>
                   </a:txBody>
                   <a:tcPr anchor="ctr"/>
@@ -5513,9 +5083,18 @@
                 <a:tc hMerge="1">
                   <a:txBody>
                     <a:bodyPr/>
-                    <a:lstStyle/>
                     <a:p>
-                      <a:pPr marL="285750" marR="0" lvl="0" indent="-285750" algn="l" defTabSz="914400" rtl="0" eaLnBrk="1" fontAlgn="auto" latinLnBrk="0" hangingPunct="1">
+                      <a:endParaRPr/>
+                    </a:p>
+                  </a:txBody>
+                </a:tc>
+              </a:tr>
+              <a:tr h="572309">
+                <a:tc>
+                  <a:txBody>
+                    <a:bodyPr/>
+                    <a:p>
+                      <a:pPr marL="285750" marR="0" lvl="0" indent="-285750" algn="l" defTabSz="914400">
                         <a:lnSpc>
                           <a:spcPct val="100000"/>
                         </a:lnSpc>
@@ -5527,13 +5106,12 @@
                         </a:spcAft>
                         <a:buClrTx/>
                         <a:buSzTx/>
-                        <a:buFont typeface="Wingdings" panose="05000000000000000000" pitchFamily="2" charset="2"/>
+                        <a:buFont typeface="Wingdings"/>
                         <a:buChar char="Ø"/>
-                        <a:tabLst/>
                         <a:defRPr/>
                       </a:pPr>
                       <a:r>
-                        <a:rPr lang="en-US" sz="2400" b="1" kern="1200" dirty="0">
+                        <a:rPr lang="en-US" sz="2400" b="1">
                           <a:solidFill>
                             <a:schemeClr val="dk1"/>
                           </a:solidFill>
@@ -5541,25 +5119,18 @@
                           <a:ea typeface="+mn-ea"/>
                           <a:cs typeface="+mn-cs"/>
                         </a:rPr>
-                        <a:t>Expressions</a:t>
+                        <a:t>What is JDBC? </a:t>
                       </a:r>
+                      <a:endParaRPr/>
                     </a:p>
                   </a:txBody>
                   <a:tcPr anchor="ctr"/>
                 </a:tc>
-                <a:extLst>
-                  <a:ext uri="{0D108BD9-81ED-4DB2-BD59-A6C34878D82A}">
-                    <a16:rowId xmlns:a16="http://schemas.microsoft.com/office/drawing/2014/main" val="10000"/>
-                  </a:ext>
-                </a:extLst>
-              </a:tr>
-              <a:tr h="572309">
                 <a:tc>
                   <a:txBody>
                     <a:bodyPr/>
-                    <a:lstStyle/>
                     <a:p>
-                      <a:pPr marL="285750" marR="0" lvl="0" indent="-285750" algn="l" defTabSz="914400" rtl="0" eaLnBrk="1" fontAlgn="auto" latinLnBrk="0" hangingPunct="1">
+                      <a:pPr marL="285750" marR="0" lvl="0" indent="-285750" algn="l" defTabSz="914400">
                         <a:lnSpc>
                           <a:spcPct val="100000"/>
                         </a:lnSpc>
@@ -5571,13 +5142,12 @@
                         </a:spcAft>
                         <a:buClrTx/>
                         <a:buSzTx/>
-                        <a:buFont typeface="Wingdings" panose="05000000000000000000" pitchFamily="2" charset="2"/>
+                        <a:buFont typeface="Wingdings"/>
                         <a:buChar char="Ø"/>
-                        <a:tabLst/>
                         <a:defRPr/>
                       </a:pPr>
                       <a:r>
-                        <a:rPr lang="en-US" sz="2400" b="1" kern="1200" dirty="0">
+                        <a:rPr lang="en-US" sz="2400" b="1">
                           <a:solidFill>
                             <a:schemeClr val="dk1"/>
                           </a:solidFill>
@@ -5585,18 +5155,20 @@
                           <a:ea typeface="+mn-ea"/>
                           <a:cs typeface="+mn-cs"/>
                         </a:rPr>
-                        <a:t>What is JDBC? </a:t>
+                        <a:t>JDBC Drivers</a:t>
                       </a:r>
+                      <a:endParaRPr/>
                     </a:p>
                   </a:txBody>
                   <a:tcPr anchor="ctr"/>
                 </a:tc>
+              </a:tr>
+              <a:tr h="572309">
                 <a:tc>
                   <a:txBody>
                     <a:bodyPr/>
-                    <a:lstStyle/>
                     <a:p>
-                      <a:pPr marL="285750" marR="0" lvl="0" indent="-285750" algn="l" defTabSz="914400" rtl="0" eaLnBrk="1" fontAlgn="auto" latinLnBrk="0" hangingPunct="1">
+                      <a:pPr marL="285750" marR="0" lvl="0" indent="-285750" algn="l" defTabSz="914400">
                         <a:lnSpc>
                           <a:spcPct val="100000"/>
                         </a:lnSpc>
@@ -5608,13 +5180,12 @@
                         </a:spcAft>
                         <a:buClrTx/>
                         <a:buSzTx/>
-                        <a:buFont typeface="Wingdings" panose="05000000000000000000" pitchFamily="2" charset="2"/>
+                        <a:buFont typeface="Wingdings"/>
                         <a:buChar char="Ø"/>
-                        <a:tabLst/>
                         <a:defRPr/>
                       </a:pPr>
                       <a:r>
-                        <a:rPr lang="en-US" sz="2400" b="1" kern="1200" dirty="0">
+                        <a:rPr lang="en-US" sz="2400" b="1">
                           <a:solidFill>
                             <a:schemeClr val="dk1"/>
                           </a:solidFill>
@@ -5622,25 +5193,18 @@
                           <a:ea typeface="+mn-ea"/>
                           <a:cs typeface="+mn-cs"/>
                         </a:rPr>
-                        <a:t>JDBC Drivers</a:t>
+                        <a:t>JAVA Database Connectivity </a:t>
                       </a:r>
+                      <a:endParaRPr/>
                     </a:p>
                   </a:txBody>
                   <a:tcPr anchor="ctr"/>
                 </a:tc>
-                <a:extLst>
-                  <a:ext uri="{0D108BD9-81ED-4DB2-BD59-A6C34878D82A}">
-                    <a16:rowId xmlns:a16="http://schemas.microsoft.com/office/drawing/2014/main" val="2256441258"/>
-                  </a:ext>
-                </a:extLst>
-              </a:tr>
-              <a:tr h="572309">
                 <a:tc>
                   <a:txBody>
                     <a:bodyPr/>
-                    <a:lstStyle/>
                     <a:p>
-                      <a:pPr marL="285750" marR="0" lvl="0" indent="-285750" algn="l" defTabSz="914400" rtl="0" eaLnBrk="1" fontAlgn="auto" latinLnBrk="0" hangingPunct="1">
+                      <a:pPr marL="285750" marR="0" lvl="0" indent="-285750" algn="l" defTabSz="914400">
                         <a:lnSpc>
                           <a:spcPct val="100000"/>
                         </a:lnSpc>
@@ -5652,13 +5216,12 @@
                         </a:spcAft>
                         <a:buClrTx/>
                         <a:buSzTx/>
-                        <a:buFont typeface="Wingdings" panose="05000000000000000000" pitchFamily="2" charset="2"/>
+                        <a:buFont typeface="Wingdings"/>
                         <a:buChar char="Ø"/>
-                        <a:tabLst/>
                         <a:defRPr/>
                       </a:pPr>
                       <a:r>
-                        <a:rPr lang="en-US" sz="2400" b="1" kern="1200" dirty="0">
+                        <a:rPr lang="en-US" sz="2400" b="1">
                           <a:solidFill>
                             <a:schemeClr val="dk1"/>
                           </a:solidFill>
@@ -5666,18 +5229,27 @@
                           <a:ea typeface="+mn-ea"/>
                           <a:cs typeface="+mn-cs"/>
                         </a:rPr>
-                        <a:t>JAVA Database Connectivity </a:t>
+                        <a:t>JDBC Architecture</a:t>
                       </a:r>
+                      <a:endParaRPr lang="en-US" sz="2400" b="1">
+                        <a:solidFill>
+                          <a:schemeClr val="dk1"/>
+                        </a:solidFill>
+                        <a:latin typeface="+mn-lt"/>
+                        <a:ea typeface="+mn-ea"/>
+                        <a:cs typeface="+mn-cs"/>
+                      </a:endParaRPr>
                     </a:p>
                   </a:txBody>
                   <a:tcPr anchor="ctr"/>
                 </a:tc>
+              </a:tr>
+              <a:tr h="572309">
                 <a:tc>
                   <a:txBody>
                     <a:bodyPr/>
-                    <a:lstStyle/>
                     <a:p>
-                      <a:pPr marL="285750" marR="0" lvl="0" indent="-285750" algn="l" defTabSz="914400" rtl="0" eaLnBrk="1" fontAlgn="auto" latinLnBrk="0" hangingPunct="1">
+                      <a:pPr marL="285750" marR="0" lvl="0" indent="-285750" algn="l" defTabSz="914400">
                         <a:lnSpc>
                           <a:spcPct val="100000"/>
                         </a:lnSpc>
@@ -5689,13 +5261,12 @@
                         </a:spcAft>
                         <a:buClrTx/>
                         <a:buSzTx/>
-                        <a:buFont typeface="Wingdings" panose="05000000000000000000" pitchFamily="2" charset="2"/>
+                        <a:buFont typeface="Wingdings"/>
                         <a:buChar char="Ø"/>
-                        <a:tabLst/>
                         <a:defRPr/>
                       </a:pPr>
                       <a:r>
-                        <a:rPr lang="en-US" sz="2400" b="1" kern="1200">
+                        <a:rPr lang="en-US" sz="2400" b="1">
                           <a:solidFill>
                             <a:schemeClr val="dk1"/>
                           </a:solidFill>
@@ -5703,9 +5274,34 @@
                           <a:ea typeface="+mn-ea"/>
                           <a:cs typeface="+mn-cs"/>
                         </a:rPr>
-                        <a:t>JDBC Architecture</a:t>
+                        <a:t>JDBC Components </a:t>
                       </a:r>
-                      <a:endParaRPr lang="en-US" sz="2400" b="1" kern="1200" dirty="0">
+                      <a:endParaRPr/>
+                    </a:p>
+                  </a:txBody>
+                  <a:tcPr anchor="ctr"/>
+                </a:tc>
+                <a:tc>
+                  <a:txBody>
+                    <a:bodyPr/>
+                    <a:p>
+                      <a:pPr marL="0" marR="0" lvl="0" indent="0" algn="l" defTabSz="914400">
+                        <a:lnSpc>
+                          <a:spcPct val="100000"/>
+                        </a:lnSpc>
+                        <a:spcBef>
+                          <a:spcPts val="0"/>
+                        </a:spcBef>
+                        <a:spcAft>
+                          <a:spcPts val="0"/>
+                        </a:spcAft>
+                        <a:buClrTx/>
+                        <a:buSzTx/>
+                        <a:buFont typeface="Wingdings"/>
+                        <a:buNone/>
+                        <a:defRPr/>
+                      </a:pPr>
+                      <a:endParaRPr lang="en-US" sz="2400" b="1">
                         <a:solidFill>
                           <a:schemeClr val="dk1"/>
                         </a:solidFill>
@@ -5717,89 +5313,6 @@
                   </a:txBody>
                   <a:tcPr anchor="ctr"/>
                 </a:tc>
-                <a:extLst>
-                  <a:ext uri="{0D108BD9-81ED-4DB2-BD59-A6C34878D82A}">
-                    <a16:rowId xmlns:a16="http://schemas.microsoft.com/office/drawing/2014/main" val="2103298616"/>
-                  </a:ext>
-                </a:extLst>
-              </a:tr>
-              <a:tr h="572309">
-                <a:tc>
-                  <a:txBody>
-                    <a:bodyPr/>
-                    <a:lstStyle/>
-                    <a:p>
-                      <a:pPr marL="285750" marR="0" lvl="0" indent="-285750" algn="l" defTabSz="914400" rtl="0" eaLnBrk="1" fontAlgn="auto" latinLnBrk="0" hangingPunct="1">
-                        <a:lnSpc>
-                          <a:spcPct val="100000"/>
-                        </a:lnSpc>
-                        <a:spcBef>
-                          <a:spcPts val="0"/>
-                        </a:spcBef>
-                        <a:spcAft>
-                          <a:spcPts val="0"/>
-                        </a:spcAft>
-                        <a:buClrTx/>
-                        <a:buSzTx/>
-                        <a:buFont typeface="Wingdings" panose="05000000000000000000" pitchFamily="2" charset="2"/>
-                        <a:buChar char="Ø"/>
-                        <a:tabLst/>
-                        <a:defRPr/>
-                      </a:pPr>
-                      <a:r>
-                        <a:rPr lang="en-US" sz="2400" b="1" kern="1200" dirty="0">
-                          <a:solidFill>
-                            <a:schemeClr val="dk1"/>
-                          </a:solidFill>
-                          <a:latin typeface="+mn-lt"/>
-                          <a:ea typeface="+mn-ea"/>
-                          <a:cs typeface="+mn-cs"/>
-                        </a:rPr>
-                        <a:t>JDBC Components </a:t>
-                      </a:r>
-                    </a:p>
-                  </a:txBody>
-                  <a:tcPr anchor="ctr"/>
-                </a:tc>
-                <a:tc>
-                  <a:txBody>
-                    <a:bodyPr/>
-                    <a:lstStyle/>
-                    <a:p>
-                      <a:pPr marL="0" marR="0" lvl="0" indent="0" algn="l" defTabSz="914400" rtl="0" eaLnBrk="1" fontAlgn="auto" latinLnBrk="0" hangingPunct="1">
-                        <a:lnSpc>
-                          <a:spcPct val="100000"/>
-                        </a:lnSpc>
-                        <a:spcBef>
-                          <a:spcPts val="0"/>
-                        </a:spcBef>
-                        <a:spcAft>
-                          <a:spcPts val="0"/>
-                        </a:spcAft>
-                        <a:buClrTx/>
-                        <a:buSzTx/>
-                        <a:buFont typeface="Wingdings" panose="05000000000000000000" pitchFamily="2" charset="2"/>
-                        <a:buNone/>
-                        <a:tabLst/>
-                        <a:defRPr/>
-                      </a:pPr>
-                      <a:endParaRPr lang="en-US" sz="2400" b="1" kern="1200" dirty="0">
-                        <a:solidFill>
-                          <a:schemeClr val="dk1"/>
-                        </a:solidFill>
-                        <a:latin typeface="+mn-lt"/>
-                        <a:ea typeface="+mn-ea"/>
-                        <a:cs typeface="+mn-cs"/>
-                      </a:endParaRPr>
-                    </a:p>
-                  </a:txBody>
-                  <a:tcPr anchor="ctr"/>
-                </a:tc>
-                <a:extLst>
-                  <a:ext uri="{0D108BD9-81ED-4DB2-BD59-A6C34878D82A}">
-                    <a16:rowId xmlns:a16="http://schemas.microsoft.com/office/drawing/2014/main" val="2025423387"/>
-                  </a:ext>
-                </a:extLst>
               </a:tr>
             </a:tbl>
           </a:graphicData>
@@ -5811,7 +5324,7 @@
           <p:cNvSpPr txBox="1"/>
           <p:nvPr/>
         </p:nvSpPr>
-        <p:spPr>
+        <p:spPr bwMode="auto">
           <a:xfrm>
             <a:off x="1827212" y="1272879"/>
             <a:ext cx="3179075" cy="523220"/>
@@ -5830,40 +5343,37 @@
           </a:bodyPr>
           <a:lstStyle/>
           <a:p>
-            <a:pPr defTabSz="914400"/>
-            <a:r>
-              <a:rPr lang="en-US" altLang="zh-CN" sz="2800" b="1" dirty="0">
+            <a:pPr defTabSz="914400">
+              <a:defRPr/>
+            </a:pPr>
+            <a:r>
+              <a:rPr lang="en-US" sz="2800" b="1">
                 <a:solidFill>
                   <a:srgbClr val="262626"/>
                 </a:solidFill>
-                <a:latin typeface="Arial" panose="020B0604020202020204" pitchFamily="34" charset="0"/>
-                <a:ea typeface="Microsoft YaHei" panose="020B0503020204020204" pitchFamily="34" charset="-122"/>
-                <a:sym typeface="Arial" panose="020B0604020202020204" pitchFamily="34" charset="0"/>
+                <a:latin typeface="Arial"/>
+                <a:ea typeface="Microsoft YaHei"/>
               </a:rPr>
               <a:t>What you learn ? </a:t>
             </a:r>
+            <a:endParaRPr/>
           </a:p>
         </p:txBody>
       </p:sp>
     </p:spTree>
-    <p:extLst>
-      <p:ext uri="{BB962C8B-B14F-4D97-AF65-F5344CB8AC3E}">
-        <p14:creationId xmlns:p14="http://schemas.microsoft.com/office/powerpoint/2010/main" val="2801835050"/>
-      </p:ext>
-    </p:extLst>
   </p:cSld>
   <p:clrMapOvr>
     <a:masterClrMapping/>
   </p:clrMapOvr>
-  <mc:AlternateContent xmlns:mc="http://schemas.openxmlformats.org/markup-compatibility/2006" xmlns:p14="http://schemas.microsoft.com/office/powerpoint/2010/main">
-    <mc:Choice Requires="p14">
-      <p:transition spd="med" p14:dur="700">
-        <p:fade/>
+  <mc:AlternateContent xmlns:mc="http://schemas.openxmlformats.org/markup-compatibility/2006">
+    <mc:Choice xmlns:p14="http://schemas.microsoft.com/office/powerpoint/2010/main" Requires="p14">
+      <p:transition spd="med" p14:dur="700" advClick="1">
+        <p:fade thruBlk="0"/>
       </p:transition>
     </mc:Choice>
-    <mc:Fallback xmlns="">
-      <p:transition spd="med">
-        <p:fade/>
+    <mc:Fallback>
+      <p:transition spd="med" advClick="1">
+        <p:fade thruBlk="0"/>
       </p:transition>
     </mc:Fallback>
   </mc:AlternateContent>
@@ -5871,15 +5381,15 @@
 </file>
 
 <file path=ppt/slides/slide10.xml><?xml version="1.0" encoding="utf-8"?>
-<p:sld xmlns:a="http://schemas.openxmlformats.org/drawingml/2006/main" xmlns:r="http://schemas.openxmlformats.org/officeDocument/2006/relationships" xmlns:p="http://schemas.openxmlformats.org/presentationml/2006/main">
-  <p:cSld>
+<p:sld xmlns:a="http://schemas.openxmlformats.org/drawingml/2006/main" xmlns:r="http://schemas.openxmlformats.org/officeDocument/2006/relationships" xmlns:p="http://schemas.openxmlformats.org/presentationml/2006/main" xmlns:m="http://schemas.openxmlformats.org/officeDocument/2006/math" xmlns:w="http://schemas.openxmlformats.org/wordprocessingml/2006/main" showMasterPhAnim="0" show="1">
+  <p:cSld name="">
     <p:spTree>
       <p:nvGrpSpPr>
         <p:cNvPr id="1" name=""/>
         <p:cNvGrpSpPr/>
         <p:nvPr/>
       </p:nvGrpSpPr>
-      <p:grpSpPr>
+      <p:grpSpPr bwMode="auto">
         <a:xfrm>
           <a:off x="0" y="0"/>
           <a:ext cx="0" cy="0"/>
@@ -5897,7 +5407,7 @@
             <p:ph type="title"/>
           </p:nvPr>
         </p:nvSpPr>
-        <p:spPr>
+        <p:spPr bwMode="auto">
           <a:xfrm>
             <a:off x="2430559" y="838200"/>
             <a:ext cx="9141619" cy="2105367"/>
@@ -5907,10 +5417,14 @@
           <a:bodyPr/>
           <a:lstStyle/>
           <a:p>
-            <a:r>
-              <a:rPr lang="en-US" dirty="0"/>
+            <a:pPr>
+              <a:defRPr/>
+            </a:pPr>
+            <a:r>
+              <a:rPr lang="en-US"/>
               <a:t>Thanks</a:t>
             </a:r>
+            <a:endParaRPr/>
           </a:p>
         </p:txBody>
       </p:sp>
@@ -5924,7 +5438,7 @@
             <p:ph type="body" idx="1"/>
           </p:nvPr>
         </p:nvSpPr>
-        <p:spPr>
+        <p:spPr bwMode="auto">
           <a:xfrm>
             <a:off x="2459303" y="3124200"/>
             <a:ext cx="8763000" cy="2424918"/>
@@ -5934,42 +5448,42 @@
           </a:prstGeom>
         </p:spPr>
         <p:txBody>
-          <a:bodyPr vert="horz" lIns="121899" tIns="60949" rIns="121899" bIns="60949" rtlCol="0" anchor="b">
+          <a:bodyPr vert="horz" lIns="121898" tIns="60949" rIns="121898" bIns="60949" rtlCol="0" anchor="b">
             <a:normAutofit/>
           </a:bodyPr>
           <a:lstStyle/>
           <a:p>
-            <a:pPr algn="r"/>
-            <a:r>
-              <a:rPr lang="en-US" sz="3200" b="1" dirty="0"/>
+            <a:pPr algn="r">
+              <a:defRPr/>
+            </a:pPr>
+            <a:r>
+              <a:rPr lang="en-US" sz="3200" b="1"/>
               <a:t>Anirudha Gaikwad</a:t>
             </a:r>
-          </a:p>
-          <a:p>
-            <a:pPr algn="r"/>
-            <a:endParaRPr lang="en-US" sz="3200" b="1" dirty="0"/>
+            <a:endParaRPr/>
+          </a:p>
+          <a:p>
+            <a:pPr algn="r">
+              <a:defRPr/>
+            </a:pPr>
+            <a:endParaRPr lang="en-US" sz="3200" b="1"/>
           </a:p>
         </p:txBody>
       </p:sp>
     </p:spTree>
-    <p:extLst>
-      <p:ext uri="{BB962C8B-B14F-4D97-AF65-F5344CB8AC3E}">
-        <p14:creationId xmlns:p14="http://schemas.microsoft.com/office/powerpoint/2010/main" val="289063348"/>
-      </p:ext>
-    </p:extLst>
   </p:cSld>
   <p:clrMapOvr>
     <a:masterClrMapping/>
   </p:clrMapOvr>
-  <mc:AlternateContent xmlns:mc="http://schemas.openxmlformats.org/markup-compatibility/2006" xmlns:p14="http://schemas.microsoft.com/office/powerpoint/2010/main">
-    <mc:Choice Requires="p14">
-      <p:transition spd="med" p14:dur="700">
-        <p:fade/>
+  <mc:AlternateContent xmlns:mc="http://schemas.openxmlformats.org/markup-compatibility/2006">
+    <mc:Choice xmlns:p14="http://schemas.microsoft.com/office/powerpoint/2010/main" Requires="p14">
+      <p:transition spd="med" p14:dur="700" advClick="1">
+        <p:fade thruBlk="0"/>
       </p:transition>
     </mc:Choice>
-    <mc:Fallback xmlns="">
-      <p:transition spd="med">
-        <p:fade/>
+    <mc:Fallback>
+      <p:transition spd="med" advClick="1">
+        <p:fade thruBlk="0"/>
       </p:transition>
     </mc:Fallback>
   </mc:AlternateContent>
@@ -5977,15 +5491,15 @@
 </file>
 
 <file path=ppt/slides/slide2.xml><?xml version="1.0" encoding="utf-8"?>
-<p:sld xmlns:a="http://schemas.openxmlformats.org/drawingml/2006/main" xmlns:r="http://schemas.openxmlformats.org/officeDocument/2006/relationships" xmlns:p="http://schemas.openxmlformats.org/presentationml/2006/main">
-  <p:cSld>
+<p:sld xmlns:a="http://schemas.openxmlformats.org/drawingml/2006/main" xmlns:r="http://schemas.openxmlformats.org/officeDocument/2006/relationships" xmlns:p="http://schemas.openxmlformats.org/presentationml/2006/main" xmlns:m="http://schemas.openxmlformats.org/officeDocument/2006/math" xmlns:w="http://schemas.openxmlformats.org/wordprocessingml/2006/main" showMasterPhAnim="0" show="1">
+  <p:cSld name="">
     <p:spTree>
       <p:nvGrpSpPr>
         <p:cNvPr id="1" name=""/>
         <p:cNvGrpSpPr/>
         <p:nvPr/>
       </p:nvGrpSpPr>
-      <p:grpSpPr>
+      <p:grpSpPr bwMode="auto">
         <a:xfrm>
           <a:off x="0" y="0"/>
           <a:ext cx="0" cy="0"/>
@@ -5999,7 +5513,7 @@
           <p:cNvSpPr/>
           <p:nvPr/>
         </p:nvSpPr>
-        <p:spPr>
+        <p:spPr bwMode="auto">
           <a:xfrm>
             <a:off x="-32068" y="1"/>
             <a:ext cx="9483750" cy="762000"/>
@@ -6009,39 +5523,36 @@
           </a:prstGeom>
         </p:spPr>
         <p:txBody>
-          <a:bodyPr vert="horz" lIns="121899" tIns="60949" rIns="121899" bIns="60949" rtlCol="0" anchor="b">
+          <a:bodyPr vert="horz" lIns="121898" tIns="60949" rIns="121898" bIns="60949" rtlCol="0" anchor="b">
             <a:noAutofit/>
           </a:bodyPr>
           <a:lstStyle/>
           <a:p>
-            <a:pPr defTabSz="914400"/>
-            <a:r>
-              <a:rPr lang="en-US" sz="4000" b="1" dirty="0">
+            <a:pPr defTabSz="914400">
+              <a:defRPr/>
+            </a:pPr>
+            <a:r>
+              <a:rPr lang="en-US" sz="4000" b="1">
                 <a:solidFill>
                   <a:schemeClr val="dk1"/>
                 </a:solidFill>
               </a:rPr>
               <a:t>What is JDBC? </a:t>
             </a:r>
+            <a:endParaRPr/>
           </a:p>
         </p:txBody>
       </p:sp>
       <p:sp>
         <p:nvSpPr>
-          <p:cNvPr id="4" name="TextBox 3">
-            <a:extLst>
-              <a:ext uri="{FF2B5EF4-FFF2-40B4-BE49-F238E27FC236}">
-                <a16:creationId xmlns:a16="http://schemas.microsoft.com/office/drawing/2014/main" id="{74209D25-58F8-0A99-6A96-2EB494662A5D}"/>
-              </a:ext>
-            </a:extLst>
-          </p:cNvPr>
+          <p:cNvPr id="4" name="TextBox 3"/>
           <p:cNvSpPr txBox="1"/>
           <p:nvPr/>
         </p:nvSpPr>
-        <p:spPr>
+        <p:spPr bwMode="auto">
           <a:xfrm>
-            <a:off x="588962" y="1219200"/>
-            <a:ext cx="11010900" cy="2308324"/>
+            <a:off x="588961" y="1219199"/>
+            <a:ext cx="11035019" cy="1920600"/>
           </a:xfrm>
           <a:prstGeom prst="rect">
             <a:avLst/>
@@ -6060,92 +5571,69 @@
               <a:buClr>
                 <a:schemeClr val="accent1"/>
               </a:buClr>
-            </a:pPr>
-            <a:r>
-              <a:rPr lang="en-GB" i="0" dirty="0">
-                <a:effectLst/>
-              </a:rPr>
+              <a:defRPr/>
+            </a:pPr>
+            <a:r>
+              <a:rPr lang="en-GB" i="0"/>
               <a:t>JDBC stands for </a:t>
             </a:r>
             <a:r>
-              <a:rPr lang="en-GB" b="1" i="0" dirty="0">
+              <a:rPr lang="en-GB" b="1" i="0">
                 <a:solidFill>
                   <a:schemeClr val="accent1"/>
                 </a:solidFill>
-                <a:effectLst/>
               </a:rPr>
               <a:t>Java Database Connectivity</a:t>
             </a:r>
             <a:r>
-              <a:rPr lang="en-GB" i="0" dirty="0">
-                <a:effectLst/>
-              </a:rPr>
+              <a:rPr lang="en-GB" i="0"/>
               <a:t>. JDBC is a Java API to connect and execute the query with the database. It is a part of </a:t>
             </a:r>
             <a:r>
-              <a:rPr lang="en-GB" i="0" dirty="0" err="1">
-                <a:effectLst/>
-              </a:rPr>
+              <a:rPr lang="en-GB" i="0"/>
               <a:t>JavaSE</a:t>
             </a:r>
             <a:r>
-              <a:rPr lang="en-GB" i="0" dirty="0">
-                <a:effectLst/>
-              </a:rPr>
+              <a:rPr lang="en-GB" i="0"/>
               <a:t> (Java Standard Edition). </a:t>
             </a:r>
+            <a:endParaRPr/>
           </a:p>
           <a:p>
             <a:pPr algn="just">
               <a:buClr>
                 <a:schemeClr val="accent1"/>
               </a:buClr>
-            </a:pPr>
-            <a:endParaRPr lang="en-GB" i="0" dirty="0">
-              <a:effectLst/>
-            </a:endParaRPr>
+              <a:defRPr/>
+            </a:pPr>
+            <a:endParaRPr lang="en-GB" i="0"/>
           </a:p>
           <a:p>
             <a:pPr algn="just">
               <a:buClr>
                 <a:schemeClr val="accent1"/>
               </a:buClr>
-            </a:pPr>
-            <a:r>
-              <a:rPr lang="en-GB" i="0" dirty="0">
-                <a:effectLst/>
-              </a:rPr>
-              <a:t>We can use JDBC API to access tabular data stored in any relational database. By the help of JDBC API, we can save, update, delete and fetch data from the database. It is like Open Database Connectivity (ODBC) provided by Microsoft.</a:t>
-            </a:r>
+              <a:defRPr/>
+            </a:pPr>
+            <a:r>
+              <a:rPr lang="en-GB" i="0"/>
+              <a:t>We can use JDBC API to access tabular data stored in any relational database. By the help of JDBC API, we can save, update, delete and fetch data from the database. </a:t>
+            </a:r>
+            <a:endParaRPr/>
           </a:p>
         </p:txBody>
       </p:sp>
       <p:pic>
         <p:nvPicPr>
-          <p:cNvPr id="1026" name="Picture 2" descr="JDBC (Java Database Connectivity) ">
-            <a:extLst>
-              <a:ext uri="{FF2B5EF4-FFF2-40B4-BE49-F238E27FC236}">
-                <a16:creationId xmlns:a16="http://schemas.microsoft.com/office/drawing/2014/main" id="{ECFAF72A-19E0-3D94-D1EB-4D007ED708B4}"/>
-              </a:ext>
-            </a:extLst>
-          </p:cNvPr>
+          <p:cNvPr id="1026" name="Picture 2" descr="JDBC (Java Database Connectivity) "/>
           <p:cNvPicPr>
             <a:picLocks noChangeAspect="1" noChangeArrowheads="1"/>
           </p:cNvPicPr>
           <p:nvPr/>
         </p:nvPicPr>
         <p:blipFill>
-          <a:blip r:embed="rId2">
-            <a:extLst>
-              <a:ext uri="{28A0092B-C50C-407E-A947-70E740481C1C}">
-                <a14:useLocalDpi xmlns:a14="http://schemas.microsoft.com/office/drawing/2010/main" val="0"/>
-              </a:ext>
-            </a:extLst>
-          </a:blip>
-          <a:srcRect/>
-          <a:stretch>
-            <a:fillRect/>
-          </a:stretch>
+          <a:blip r:embed="rId2"/>
+          <a:stretch/>
         </p:blipFill>
         <p:spPr bwMode="auto">
           <a:xfrm>
@@ -6156,36 +5644,22 @@
             <a:avLst/>
           </a:prstGeom>
           <a:noFill/>
-          <a:extLst>
-            <a:ext uri="{909E8E84-426E-40DD-AFC4-6F175D3DCCD1}">
-              <a14:hiddenFill xmlns:a14="http://schemas.microsoft.com/office/drawing/2010/main">
-                <a:solidFill>
-                  <a:srgbClr val="FFFFFF"/>
-                </a:solidFill>
-              </a14:hiddenFill>
-            </a:ext>
-          </a:extLst>
         </p:spPr>
       </p:pic>
     </p:spTree>
-    <p:extLst>
-      <p:ext uri="{BB962C8B-B14F-4D97-AF65-F5344CB8AC3E}">
-        <p14:creationId xmlns:p14="http://schemas.microsoft.com/office/powerpoint/2010/main" val="2354274838"/>
-      </p:ext>
-    </p:extLst>
   </p:cSld>
   <p:clrMapOvr>
     <a:masterClrMapping/>
   </p:clrMapOvr>
-  <mc:AlternateContent xmlns:mc="http://schemas.openxmlformats.org/markup-compatibility/2006" xmlns:p14="http://schemas.microsoft.com/office/powerpoint/2010/main">
-    <mc:Choice Requires="p14">
-      <p:transition spd="med" p14:dur="700">
-        <p:fade/>
+  <mc:AlternateContent xmlns:mc="http://schemas.openxmlformats.org/markup-compatibility/2006">
+    <mc:Choice xmlns:p14="http://schemas.microsoft.com/office/powerpoint/2010/main" Requires="p14">
+      <p:transition spd="med" p14:dur="700" advClick="1">
+        <p:fade thruBlk="0"/>
       </p:transition>
     </mc:Choice>
-    <mc:Fallback xmlns="">
-      <p:transition spd="med">
-        <p:fade/>
+    <mc:Fallback>
+      <p:transition spd="med" advClick="1">
+        <p:fade thruBlk="0"/>
       </p:transition>
     </mc:Fallback>
   </mc:AlternateContent>
@@ -6193,15 +5667,15 @@
 </file>
 
 <file path=ppt/slides/slide3.xml><?xml version="1.0" encoding="utf-8"?>
-<p:sld xmlns:a="http://schemas.openxmlformats.org/drawingml/2006/main" xmlns:r="http://schemas.openxmlformats.org/officeDocument/2006/relationships" xmlns:p="http://schemas.openxmlformats.org/presentationml/2006/main">
-  <p:cSld>
+<p:sld xmlns:a="http://schemas.openxmlformats.org/drawingml/2006/main" xmlns:r="http://schemas.openxmlformats.org/officeDocument/2006/relationships" xmlns:p="http://schemas.openxmlformats.org/presentationml/2006/main" xmlns:m="http://schemas.openxmlformats.org/officeDocument/2006/math" xmlns:w="http://schemas.openxmlformats.org/wordprocessingml/2006/main" showMasterPhAnim="0" show="1">
+  <p:cSld name="">
     <p:spTree>
       <p:nvGrpSpPr>
         <p:cNvPr id="1" name=""/>
         <p:cNvGrpSpPr/>
         <p:nvPr/>
       </p:nvGrpSpPr>
-      <p:grpSpPr>
+      <p:grpSpPr bwMode="auto">
         <a:xfrm>
           <a:off x="0" y="0"/>
           <a:ext cx="0" cy="0"/>
@@ -6215,7 +5689,7 @@
           <p:cNvSpPr/>
           <p:nvPr/>
         </p:nvSpPr>
-        <p:spPr>
+        <p:spPr bwMode="auto">
           <a:xfrm>
             <a:off x="-32068" y="1"/>
             <a:ext cx="9483750" cy="762000"/>
@@ -6225,36 +5699,33 @@
           </a:prstGeom>
         </p:spPr>
         <p:txBody>
-          <a:bodyPr vert="horz" lIns="121899" tIns="60949" rIns="121899" bIns="60949" rtlCol="0" anchor="b">
+          <a:bodyPr vert="horz" lIns="121898" tIns="60949" rIns="121898" bIns="60949" rtlCol="0" anchor="b">
             <a:noAutofit/>
           </a:bodyPr>
           <a:lstStyle/>
           <a:p>
-            <a:pPr defTabSz="914400"/>
-            <a:r>
-              <a:rPr lang="en-US" sz="4000" b="1" dirty="0">
+            <a:pPr defTabSz="914400">
+              <a:defRPr/>
+            </a:pPr>
+            <a:r>
+              <a:rPr lang="en-US" sz="4000" b="1">
                 <a:solidFill>
                   <a:schemeClr val="dk1"/>
                 </a:solidFill>
               </a:rPr>
               <a:t>JDBC Drivers</a:t>
             </a:r>
+            <a:endParaRPr/>
           </a:p>
         </p:txBody>
       </p:sp>
       <p:sp>
         <p:nvSpPr>
-          <p:cNvPr id="4" name="TextBox 3">
-            <a:extLst>
-              <a:ext uri="{FF2B5EF4-FFF2-40B4-BE49-F238E27FC236}">
-                <a16:creationId xmlns:a16="http://schemas.microsoft.com/office/drawing/2014/main" id="{74209D25-58F8-0A99-6A96-2EB494662A5D}"/>
-              </a:ext>
-            </a:extLst>
-          </p:cNvPr>
+          <p:cNvPr id="4" name="TextBox 3"/>
           <p:cNvSpPr txBox="1"/>
           <p:nvPr/>
         </p:nvSpPr>
-        <p:spPr>
+        <p:spPr bwMode="auto">
           <a:xfrm>
             <a:off x="588962" y="1483816"/>
             <a:ext cx="11010900" cy="4154984"/>
@@ -6276,160 +5747,152 @@
               <a:buClr>
                 <a:schemeClr val="accent1"/>
               </a:buClr>
-            </a:pPr>
-            <a:r>
-              <a:rPr lang="en-GB" i="0" dirty="0">
-                <a:effectLst/>
-              </a:rPr>
+              <a:defRPr/>
+            </a:pPr>
+            <a:r>
+              <a:rPr lang="en-GB" i="0"/>
               <a:t>JDBC API uses JDBC drivers to connect with the database. </a:t>
             </a:r>
+            <a:endParaRPr/>
           </a:p>
           <a:p>
             <a:pPr algn="just">
               <a:buClr>
                 <a:schemeClr val="accent1"/>
               </a:buClr>
-            </a:pPr>
-            <a:endParaRPr lang="en-GB" i="0" dirty="0">
-              <a:effectLst/>
-            </a:endParaRPr>
+              <a:defRPr/>
+            </a:pPr>
+            <a:endParaRPr lang="en-GB" i="0"/>
           </a:p>
           <a:p>
             <a:pPr algn="just">
               <a:buClr>
                 <a:schemeClr val="accent1"/>
               </a:buClr>
-            </a:pPr>
-            <a:r>
-              <a:rPr lang="en-GB" b="1" i="0" dirty="0">
-                <a:effectLst/>
-              </a:rPr>
+              <a:defRPr/>
+            </a:pPr>
+            <a:r>
+              <a:rPr lang="en-GB" b="1" i="0"/>
               <a:t>There are four types of JDBC drivers:</a:t>
             </a:r>
+            <a:endParaRPr/>
           </a:p>
           <a:p>
             <a:pPr algn="just">
               <a:buClr>
                 <a:schemeClr val="accent1"/>
               </a:buClr>
-            </a:pPr>
-            <a:endParaRPr lang="en-GB" i="0" dirty="0">
-              <a:effectLst/>
-            </a:endParaRPr>
+              <a:defRPr/>
+            </a:pPr>
+            <a:endParaRPr lang="en-GB" i="0"/>
           </a:p>
           <a:p>
             <a:pPr marL="342900" indent="-342900" algn="just">
               <a:buClr>
                 <a:schemeClr val="accent1"/>
               </a:buClr>
-              <a:buFont typeface="Arial" panose="020B0604020202020204" pitchFamily="34" charset="0"/>
+              <a:buFont typeface="Arial"/>
               <a:buChar char="•"/>
-            </a:pPr>
-            <a:r>
-              <a:rPr lang="en-GB" i="0" dirty="0">
-                <a:effectLst/>
-              </a:rPr>
+              <a:defRPr/>
+            </a:pPr>
+            <a:r>
+              <a:rPr lang="en-GB" i="0"/>
               <a:t>JDBC-ODBC bridge driver</a:t>
             </a:r>
+            <a:endParaRPr/>
           </a:p>
           <a:p>
             <a:pPr marL="342900" indent="-342900" algn="just">
               <a:buClr>
                 <a:schemeClr val="accent1"/>
               </a:buClr>
-              <a:buFont typeface="Arial" panose="020B0604020202020204" pitchFamily="34" charset="0"/>
+              <a:buFont typeface="Arial"/>
               <a:buChar char="•"/>
-            </a:pPr>
-            <a:r>
-              <a:rPr lang="en-GB" i="0" dirty="0">
-                <a:effectLst/>
-              </a:rPr>
+              <a:defRPr/>
+            </a:pPr>
+            <a:r>
+              <a:rPr lang="en-GB" i="0"/>
               <a:t>Native-API driver (partially java driver)</a:t>
             </a:r>
+            <a:endParaRPr/>
           </a:p>
           <a:p>
             <a:pPr marL="342900" indent="-342900" algn="just">
               <a:buClr>
                 <a:schemeClr val="accent1"/>
               </a:buClr>
-              <a:buFont typeface="Arial" panose="020B0604020202020204" pitchFamily="34" charset="0"/>
+              <a:buFont typeface="Arial"/>
               <a:buChar char="•"/>
-            </a:pPr>
-            <a:r>
-              <a:rPr lang="en-GB" i="0" dirty="0">
-                <a:effectLst/>
-              </a:rPr>
+              <a:defRPr/>
+            </a:pPr>
+            <a:r>
+              <a:rPr lang="en-GB" i="0"/>
               <a:t>Network Protocol driver (fully java driver)</a:t>
             </a:r>
+            <a:endParaRPr/>
           </a:p>
           <a:p>
             <a:pPr marL="342900" indent="-342900" algn="just">
               <a:buClr>
                 <a:schemeClr val="accent1"/>
               </a:buClr>
-              <a:buFont typeface="Arial" panose="020B0604020202020204" pitchFamily="34" charset="0"/>
+              <a:buFont typeface="Arial"/>
               <a:buChar char="•"/>
-            </a:pPr>
-            <a:r>
-              <a:rPr lang="en-GB" i="0" dirty="0">
-                <a:effectLst/>
-              </a:rPr>
+              <a:defRPr/>
+            </a:pPr>
+            <a:r>
+              <a:rPr lang="en-GB" i="0"/>
               <a:t>Thin driver (fully java driver)</a:t>
             </a:r>
+            <a:endParaRPr/>
           </a:p>
           <a:p>
             <a:pPr marL="342900" indent="-342900" algn="just">
               <a:buClr>
                 <a:schemeClr val="accent1"/>
               </a:buClr>
-              <a:buFont typeface="Arial" panose="020B0604020202020204" pitchFamily="34" charset="0"/>
+              <a:buFont typeface="Arial"/>
               <a:buChar char="•"/>
-            </a:pPr>
-            <a:endParaRPr lang="en-GB" dirty="0"/>
+              <a:defRPr/>
+            </a:pPr>
+            <a:endParaRPr lang="en-GB"/>
           </a:p>
           <a:p>
             <a:pPr marL="342900" indent="-342900" algn="just">
               <a:buClr>
                 <a:schemeClr val="accent1"/>
               </a:buClr>
-              <a:buFont typeface="Arial" panose="020B0604020202020204" pitchFamily="34" charset="0"/>
+              <a:buFont typeface="Arial"/>
               <a:buChar char="•"/>
-            </a:pPr>
-            <a:endParaRPr lang="en-GB" i="0" dirty="0">
-              <a:effectLst/>
-            </a:endParaRPr>
+              <a:defRPr/>
+            </a:pPr>
+            <a:endParaRPr lang="en-GB" i="0"/>
           </a:p>
           <a:p>
             <a:pPr algn="just">
               <a:buClr>
                 <a:schemeClr val="accent1"/>
               </a:buClr>
-            </a:pPr>
-            <a:endParaRPr lang="en-GB" i="0" dirty="0">
-              <a:effectLst/>
-            </a:endParaRPr>
+              <a:defRPr/>
+            </a:pPr>
+            <a:endParaRPr lang="en-GB" i="0"/>
           </a:p>
         </p:txBody>
       </p:sp>
     </p:spTree>
-    <p:extLst>
-      <p:ext uri="{BB962C8B-B14F-4D97-AF65-F5344CB8AC3E}">
-        <p14:creationId xmlns:p14="http://schemas.microsoft.com/office/powerpoint/2010/main" val="2971401774"/>
-      </p:ext>
-    </p:extLst>
   </p:cSld>
   <p:clrMapOvr>
     <a:masterClrMapping/>
   </p:clrMapOvr>
   <mc:AlternateContent xmlns:mc="http://schemas.openxmlformats.org/markup-compatibility/2006">
     <mc:Choice xmlns:p14="http://schemas.microsoft.com/office/powerpoint/2010/main" Requires="p14">
-      <p:transition spd="med" p14:dur="700">
-        <p:fade/>
+      <p:transition spd="med" p14:dur="700" advClick="1">
+        <p:fade thruBlk="0"/>
       </p:transition>
     </mc:Choice>
     <mc:Fallback>
-      <p:transition spd="med">
-        <p:fade/>
+      <p:transition spd="med" advClick="1">
+        <p:fade thruBlk="0"/>
       </p:transition>
     </mc:Fallback>
   </mc:AlternateContent>
@@ -6437,15 +5900,15 @@
 </file>
 
 <file path=ppt/slides/slide4.xml><?xml version="1.0" encoding="utf-8"?>
-<p:sld xmlns:a="http://schemas.openxmlformats.org/drawingml/2006/main" xmlns:r="http://schemas.openxmlformats.org/officeDocument/2006/relationships" xmlns:p="http://schemas.openxmlformats.org/presentationml/2006/main">
-  <p:cSld>
+<p:sld xmlns:a="http://schemas.openxmlformats.org/drawingml/2006/main" xmlns:r="http://schemas.openxmlformats.org/officeDocument/2006/relationships" xmlns:p="http://schemas.openxmlformats.org/presentationml/2006/main" xmlns:m="http://schemas.openxmlformats.org/officeDocument/2006/math" xmlns:w="http://schemas.openxmlformats.org/wordprocessingml/2006/main" showMasterPhAnim="0" show="1">
+  <p:cSld name="">
     <p:spTree>
       <p:nvGrpSpPr>
         <p:cNvPr id="1" name=""/>
         <p:cNvGrpSpPr/>
         <p:nvPr/>
       </p:nvGrpSpPr>
-      <p:grpSpPr>
+      <p:grpSpPr bwMode="auto">
         <a:xfrm>
           <a:off x="0" y="0"/>
           <a:ext cx="0" cy="0"/>
@@ -6459,7 +5922,7 @@
           <p:cNvSpPr/>
           <p:nvPr/>
         </p:nvSpPr>
-        <p:spPr>
+        <p:spPr bwMode="auto">
           <a:xfrm>
             <a:off x="-32068" y="1"/>
             <a:ext cx="11536680" cy="762000"/>
@@ -6469,49 +5932,37 @@
           </a:prstGeom>
         </p:spPr>
         <p:txBody>
-          <a:bodyPr vert="horz" lIns="121899" tIns="60949" rIns="121899" bIns="60949" rtlCol="0" anchor="b">
+          <a:bodyPr vert="horz" lIns="121898" tIns="60949" rIns="121898" bIns="60949" rtlCol="0" anchor="b">
             <a:noAutofit/>
           </a:bodyPr>
           <a:lstStyle/>
           <a:p>
-            <a:pPr defTabSz="914400"/>
-            <a:r>
-              <a:rPr lang="en-US" sz="4000" b="1" dirty="0">
+            <a:pPr defTabSz="914400">
+              <a:defRPr/>
+            </a:pPr>
+            <a:r>
+              <a:rPr lang="en-US" sz="4000" b="1">
                 <a:solidFill>
                   <a:schemeClr val="dk1"/>
                 </a:solidFill>
               </a:rPr>
               <a:t>Java Database Connectivity </a:t>
             </a:r>
+            <a:endParaRPr/>
           </a:p>
         </p:txBody>
       </p:sp>
       <p:pic>
         <p:nvPicPr>
-          <p:cNvPr id="2050" name="Picture 2" descr="Java Database Connectivity Steps">
-            <a:extLst>
-              <a:ext uri="{FF2B5EF4-FFF2-40B4-BE49-F238E27FC236}">
-                <a16:creationId xmlns:a16="http://schemas.microsoft.com/office/drawing/2014/main" id="{045492EB-2139-C1B3-1DC1-4D5F14CD757E}"/>
-              </a:ext>
-            </a:extLst>
-          </p:cNvPr>
+          <p:cNvPr id="2050" name="Picture 2" descr="Java Database Connectivity Steps"/>
           <p:cNvPicPr>
             <a:picLocks noChangeAspect="1" noChangeArrowheads="1"/>
           </p:cNvPicPr>
           <p:nvPr/>
         </p:nvPicPr>
         <p:blipFill>
-          <a:blip r:embed="rId2">
-            <a:extLst>
-              <a:ext uri="{28A0092B-C50C-407E-A947-70E740481C1C}">
-                <a14:useLocalDpi xmlns:a14="http://schemas.microsoft.com/office/drawing/2010/main" val="0"/>
-              </a:ext>
-            </a:extLst>
-          </a:blip>
-          <a:srcRect/>
-          <a:stretch>
-            <a:fillRect/>
-          </a:stretch>
+          <a:blip r:embed="rId2"/>
+          <a:stretch/>
         </p:blipFill>
         <p:spPr bwMode="auto">
           <a:xfrm>
@@ -6522,36 +5973,22 @@
             <a:avLst/>
           </a:prstGeom>
           <a:noFill/>
-          <a:extLst>
-            <a:ext uri="{909E8E84-426E-40DD-AFC4-6F175D3DCCD1}">
-              <a14:hiddenFill xmlns:a14="http://schemas.microsoft.com/office/drawing/2010/main">
-                <a:solidFill>
-                  <a:srgbClr val="FFFFFF"/>
-                </a:solidFill>
-              </a14:hiddenFill>
-            </a:ext>
-          </a:extLst>
         </p:spPr>
       </p:pic>
     </p:spTree>
-    <p:extLst>
-      <p:ext uri="{BB962C8B-B14F-4D97-AF65-F5344CB8AC3E}">
-        <p14:creationId xmlns:p14="http://schemas.microsoft.com/office/powerpoint/2010/main" val="1704780568"/>
-      </p:ext>
-    </p:extLst>
   </p:cSld>
   <p:clrMapOvr>
     <a:masterClrMapping/>
   </p:clrMapOvr>
-  <mc:AlternateContent xmlns:mc="http://schemas.openxmlformats.org/markup-compatibility/2006" xmlns:p14="http://schemas.microsoft.com/office/powerpoint/2010/main">
-    <mc:Choice Requires="p14">
-      <p:transition spd="med" p14:dur="700">
-        <p:fade/>
+  <mc:AlternateContent xmlns:mc="http://schemas.openxmlformats.org/markup-compatibility/2006">
+    <mc:Choice xmlns:p14="http://schemas.microsoft.com/office/powerpoint/2010/main" Requires="p14">
+      <p:transition spd="med" p14:dur="700" advClick="1">
+        <p:fade thruBlk="0"/>
       </p:transition>
     </mc:Choice>
-    <mc:Fallback xmlns="">
-      <p:transition spd="med">
-        <p:fade/>
+    <mc:Fallback>
+      <p:transition spd="med" advClick="1">
+        <p:fade thruBlk="0"/>
       </p:transition>
     </mc:Fallback>
   </mc:AlternateContent>
@@ -6559,15 +5996,15 @@
 </file>
 
 <file path=ppt/slides/slide5.xml><?xml version="1.0" encoding="utf-8"?>
-<p:sld xmlns:a="http://schemas.openxmlformats.org/drawingml/2006/main" xmlns:r="http://schemas.openxmlformats.org/officeDocument/2006/relationships" xmlns:p="http://schemas.openxmlformats.org/presentationml/2006/main">
-  <p:cSld>
+<p:sld xmlns:a="http://schemas.openxmlformats.org/drawingml/2006/main" xmlns:r="http://schemas.openxmlformats.org/officeDocument/2006/relationships" xmlns:p="http://schemas.openxmlformats.org/presentationml/2006/main" xmlns:m="http://schemas.openxmlformats.org/officeDocument/2006/math" xmlns:w="http://schemas.openxmlformats.org/wordprocessingml/2006/main" showMasterPhAnim="0" show="1">
+  <p:cSld name="">
     <p:spTree>
       <p:nvGrpSpPr>
         <p:cNvPr id="1" name=""/>
         <p:cNvGrpSpPr/>
         <p:nvPr/>
       </p:nvGrpSpPr>
-      <p:grpSpPr>
+      <p:grpSpPr bwMode="auto">
         <a:xfrm>
           <a:off x="0" y="0"/>
           <a:ext cx="0" cy="0"/>
@@ -6581,7 +6018,7 @@
           <p:cNvSpPr/>
           <p:nvPr/>
         </p:nvSpPr>
-        <p:spPr>
+        <p:spPr bwMode="auto">
           <a:xfrm>
             <a:off x="-32068" y="1"/>
             <a:ext cx="11536680" cy="762000"/>
@@ -6591,89 +6028,63 @@
           </a:prstGeom>
         </p:spPr>
         <p:txBody>
-          <a:bodyPr vert="horz" lIns="121899" tIns="60949" rIns="121899" bIns="60949" rtlCol="0" anchor="b">
+          <a:bodyPr vert="horz" lIns="121898" tIns="60949" rIns="121898" bIns="60949" rtlCol="0" anchor="b">
             <a:noAutofit/>
           </a:bodyPr>
           <a:lstStyle/>
           <a:p>
-            <a:pPr defTabSz="914400"/>
-            <a:r>
-              <a:rPr lang="en-US" sz="4000" b="1" dirty="0">
+            <a:pPr defTabSz="914400">
+              <a:defRPr/>
+            </a:pPr>
+            <a:r>
+              <a:rPr lang="en-US" sz="4000" b="1">
                 <a:solidFill>
                   <a:schemeClr val="dk1"/>
                 </a:solidFill>
               </a:rPr>
               <a:t>JDBC Architecture</a:t>
             </a:r>
+            <a:endParaRPr/>
           </a:p>
         </p:txBody>
       </p:sp>
       <p:pic>
         <p:nvPicPr>
-          <p:cNvPr id="3076" name="Picture 4" descr="JDBC Architecture">
-            <a:extLst>
-              <a:ext uri="{FF2B5EF4-FFF2-40B4-BE49-F238E27FC236}">
-                <a16:creationId xmlns:a16="http://schemas.microsoft.com/office/drawing/2014/main" id="{607AA9B7-ECA5-CCA9-244A-AAE711A285D6}"/>
-              </a:ext>
-            </a:extLst>
-          </p:cNvPr>
+          <p:cNvPr id="3076" name="Picture 4" descr="JDBC Architecture"/>
           <p:cNvPicPr>
             <a:picLocks noChangeAspect="1" noChangeArrowheads="1"/>
           </p:cNvPicPr>
           <p:nvPr/>
         </p:nvPicPr>
         <p:blipFill>
-          <a:blip r:embed="rId2">
-            <a:extLst>
-              <a:ext uri="{28A0092B-C50C-407E-A947-70E740481C1C}">
-                <a14:useLocalDpi xmlns:a14="http://schemas.microsoft.com/office/drawing/2010/main" val="0"/>
-              </a:ext>
-            </a:extLst>
-          </a:blip>
-          <a:srcRect/>
-          <a:stretch>
-            <a:fillRect/>
-          </a:stretch>
+          <a:blip r:embed="rId2"/>
+          <a:stretch/>
         </p:blipFill>
         <p:spPr bwMode="auto">
           <a:xfrm>
             <a:off x="2589212" y="762001"/>
-            <a:ext cx="7010400" cy="5748528"/>
+            <a:ext cx="7010399" cy="5748528"/>
           </a:xfrm>
           <a:prstGeom prst="rect">
             <a:avLst/>
           </a:prstGeom>
           <a:noFill/>
-          <a:extLst>
-            <a:ext uri="{909E8E84-426E-40DD-AFC4-6F175D3DCCD1}">
-              <a14:hiddenFill xmlns:a14="http://schemas.microsoft.com/office/drawing/2010/main">
-                <a:solidFill>
-                  <a:srgbClr val="FFFFFF"/>
-                </a:solidFill>
-              </a14:hiddenFill>
-            </a:ext>
-          </a:extLst>
         </p:spPr>
       </p:pic>
     </p:spTree>
-    <p:extLst>
-      <p:ext uri="{BB962C8B-B14F-4D97-AF65-F5344CB8AC3E}">
-        <p14:creationId xmlns:p14="http://schemas.microsoft.com/office/powerpoint/2010/main" val="3966695605"/>
-      </p:ext>
-    </p:extLst>
   </p:cSld>
   <p:clrMapOvr>
     <a:masterClrMapping/>
   </p:clrMapOvr>
   <mc:AlternateContent xmlns:mc="http://schemas.openxmlformats.org/markup-compatibility/2006">
     <mc:Choice xmlns:p14="http://schemas.microsoft.com/office/powerpoint/2010/main" Requires="p14">
-      <p:transition spd="med" p14:dur="700">
-        <p:fade/>
+      <p:transition spd="med" p14:dur="700" advClick="1">
+        <p:fade thruBlk="0"/>
       </p:transition>
     </mc:Choice>
     <mc:Fallback>
-      <p:transition spd="med">
-        <p:fade/>
+      <p:transition spd="med" advClick="1">
+        <p:fade thruBlk="0"/>
       </p:transition>
     </mc:Fallback>
   </mc:AlternateContent>
@@ -6681,15 +6092,15 @@
 </file>
 
 <file path=ppt/slides/slide6.xml><?xml version="1.0" encoding="utf-8"?>
-<p:sld xmlns:a="http://schemas.openxmlformats.org/drawingml/2006/main" xmlns:r="http://schemas.openxmlformats.org/officeDocument/2006/relationships" xmlns:p="http://schemas.openxmlformats.org/presentationml/2006/main">
-  <p:cSld>
+<p:sld xmlns:a="http://schemas.openxmlformats.org/drawingml/2006/main" xmlns:r="http://schemas.openxmlformats.org/officeDocument/2006/relationships" xmlns:p="http://schemas.openxmlformats.org/presentationml/2006/main" xmlns:m="http://schemas.openxmlformats.org/officeDocument/2006/math" xmlns:w="http://schemas.openxmlformats.org/wordprocessingml/2006/main" showMasterPhAnim="0" show="1">
+  <p:cSld name="">
     <p:spTree>
       <p:nvGrpSpPr>
         <p:cNvPr id="1" name=""/>
         <p:cNvGrpSpPr/>
         <p:nvPr/>
       </p:nvGrpSpPr>
-      <p:grpSpPr>
+      <p:grpSpPr bwMode="auto">
         <a:xfrm>
           <a:off x="0" y="0"/>
           <a:ext cx="0" cy="0"/>
@@ -6703,7 +6114,7 @@
           <p:cNvSpPr/>
           <p:nvPr/>
         </p:nvSpPr>
-        <p:spPr>
+        <p:spPr bwMode="auto">
           <a:xfrm>
             <a:off x="-32068" y="-152400"/>
             <a:ext cx="11536680" cy="762000"/>
@@ -6713,36 +6124,33 @@
           </a:prstGeom>
         </p:spPr>
         <p:txBody>
-          <a:bodyPr vert="horz" lIns="121899" tIns="60949" rIns="121899" bIns="60949" rtlCol="0" anchor="b">
+          <a:bodyPr vert="horz" lIns="121898" tIns="60949" rIns="121898" bIns="60949" rtlCol="0" anchor="b">
             <a:noAutofit/>
           </a:bodyPr>
           <a:lstStyle/>
           <a:p>
-            <a:pPr defTabSz="914400"/>
-            <a:r>
-              <a:rPr lang="en-US" sz="4000" b="1" dirty="0">
+            <a:pPr defTabSz="914400">
+              <a:defRPr/>
+            </a:pPr>
+            <a:r>
+              <a:rPr lang="en-US" sz="4000" b="1">
                 <a:solidFill>
                   <a:schemeClr val="dk1"/>
                 </a:solidFill>
               </a:rPr>
               <a:t>Java Database Connectivity with MYSQL</a:t>
             </a:r>
+            <a:endParaRPr/>
           </a:p>
         </p:txBody>
       </p:sp>
       <p:sp>
         <p:nvSpPr>
-          <p:cNvPr id="4" name="TextBox 3">
-            <a:extLst>
-              <a:ext uri="{FF2B5EF4-FFF2-40B4-BE49-F238E27FC236}">
-                <a16:creationId xmlns:a16="http://schemas.microsoft.com/office/drawing/2014/main" id="{A4D9E221-0438-DFB2-DEA6-69DC7C87A7CD}"/>
-              </a:ext>
-            </a:extLst>
-          </p:cNvPr>
+          <p:cNvPr id="4" name="TextBox 3"/>
           <p:cNvSpPr txBox="1"/>
           <p:nvPr/>
         </p:nvSpPr>
-        <p:spPr>
+        <p:spPr bwMode="auto">
           <a:xfrm>
             <a:off x="227012" y="1295400"/>
             <a:ext cx="4953000" cy="5016758"/>
@@ -6758,8 +6166,11 @@
           </a:bodyPr>
           <a:lstStyle/>
           <a:p>
-            <a:r>
-              <a:rPr lang="en-GB" sz="2000" dirty="0">
+            <a:pPr>
+              <a:defRPr/>
+            </a:pPr>
+            <a:r>
+              <a:rPr lang="en-GB" sz="2000">
                 <a:solidFill>
                   <a:schemeClr val="accent2"/>
                 </a:solidFill>
@@ -6767,7 +6178,7 @@
               <a:t>We need to know following </a:t>
             </a:r>
             <a:r>
-              <a:rPr lang="en-GB" sz="2000" dirty="0" err="1">
+              <a:rPr lang="en-GB" sz="2000">
                 <a:solidFill>
                   <a:schemeClr val="accent2"/>
                 </a:solidFill>
@@ -6775,7 +6186,7 @@
               <a:t>informations</a:t>
             </a:r>
             <a:r>
-              <a:rPr lang="en-GB" sz="2000" dirty="0">
+              <a:rPr lang="en-GB" sz="2000">
                 <a:solidFill>
                   <a:schemeClr val="accent2"/>
                 </a:solidFill>
@@ -6783,7 +6194,7 @@
               <a:t> for the </a:t>
             </a:r>
             <a:r>
-              <a:rPr lang="en-GB" sz="2000" dirty="0" err="1">
+              <a:rPr lang="en-GB" sz="2000">
                 <a:solidFill>
                   <a:schemeClr val="accent2"/>
                 </a:solidFill>
@@ -6791,24 +6202,31 @@
               <a:t>mysql</a:t>
             </a:r>
             <a:r>
-              <a:rPr lang="en-GB" sz="2000" dirty="0">
+              <a:rPr lang="en-GB" sz="2000">
                 <a:solidFill>
                   <a:schemeClr val="accent2"/>
                 </a:solidFill>
               </a:rPr>
               <a:t> database:</a:t>
             </a:r>
-          </a:p>
-          <a:p>
-            <a:endParaRPr lang="en-IN" sz="2000" dirty="0">
+            <a:endParaRPr/>
+          </a:p>
+          <a:p>
+            <a:pPr>
+              <a:defRPr/>
+            </a:pPr>
+            <a:endParaRPr lang="en-IN" sz="2000">
               <a:solidFill>
                 <a:schemeClr val="accent2"/>
               </a:solidFill>
             </a:endParaRPr>
           </a:p>
           <a:p>
-            <a:r>
-              <a:rPr lang="en-IN" sz="2000" dirty="0">
+            <a:pPr>
+              <a:defRPr/>
+            </a:pPr>
+            <a:r>
+              <a:rPr lang="en-IN" sz="2000">
                 <a:solidFill>
                   <a:schemeClr val="accent1"/>
                 </a:solidFill>
@@ -6816,32 +6234,39 @@
               <a:t>Driver class: </a:t>
             </a:r>
             <a:r>
-              <a:rPr lang="en-IN" sz="2000" dirty="0"/>
+              <a:rPr lang="en-IN" sz="2000"/>
               <a:t>The driver class for the </a:t>
             </a:r>
             <a:r>
-              <a:rPr lang="en-IN" sz="2000" dirty="0" err="1"/>
+              <a:rPr lang="en-IN" sz="2000"/>
               <a:t>mysql</a:t>
             </a:r>
             <a:r>
-              <a:rPr lang="en-IN" sz="2000" dirty="0"/>
+              <a:rPr lang="en-IN" sz="2000"/>
               <a:t> database is </a:t>
             </a:r>
             <a:r>
-              <a:rPr lang="en-IN" sz="2000" dirty="0" err="1"/>
+              <a:rPr lang="en-IN" sz="2000"/>
               <a:t>com.mysql.jdbc.Driver</a:t>
             </a:r>
             <a:r>
-              <a:rPr lang="en-IN" sz="2000" dirty="0"/>
+              <a:rPr lang="en-IN" sz="2000"/>
               <a:t>.</a:t>
             </a:r>
-          </a:p>
-          <a:p>
-            <a:endParaRPr lang="en-IN" sz="2000" dirty="0"/>
-          </a:p>
-          <a:p>
-            <a:r>
-              <a:rPr lang="en-IN" sz="2000" dirty="0">
+            <a:endParaRPr/>
+          </a:p>
+          <a:p>
+            <a:pPr>
+              <a:defRPr/>
+            </a:pPr>
+            <a:endParaRPr lang="en-IN" sz="2000"/>
+          </a:p>
+          <a:p>
+            <a:pPr>
+              <a:defRPr/>
+            </a:pPr>
+            <a:r>
+              <a:rPr lang="en-IN" sz="2000">
                 <a:solidFill>
                   <a:schemeClr val="accent1"/>
                 </a:solidFill>
@@ -6849,40 +6274,47 @@
               <a:t>Connection URL: </a:t>
             </a:r>
             <a:r>
-              <a:rPr lang="en-IN" sz="2000" dirty="0"/>
+              <a:rPr lang="en-IN" sz="2000"/>
               <a:t>The connection URL for the </a:t>
             </a:r>
             <a:r>
-              <a:rPr lang="en-IN" sz="2000" dirty="0" err="1"/>
+              <a:rPr lang="en-IN" sz="2000"/>
               <a:t>mysql</a:t>
             </a:r>
             <a:r>
-              <a:rPr lang="en-IN" sz="2000" dirty="0"/>
+              <a:rPr lang="en-IN" sz="2000"/>
               <a:t> database is </a:t>
             </a:r>
             <a:r>
-              <a:rPr lang="en-IN" sz="2000" dirty="0" err="1"/>
+              <a:rPr lang="en-IN" sz="2000"/>
               <a:t>jdbc:mysql</a:t>
             </a:r>
             <a:r>
-              <a:rPr lang="en-IN" sz="2000" dirty="0"/>
+              <a:rPr lang="en-IN" sz="2000"/>
               <a:t>://localhost:3306/</a:t>
             </a:r>
             <a:r>
-              <a:rPr lang="en-IN" sz="2000" dirty="0" err="1"/>
+              <a:rPr lang="en-IN" sz="2000"/>
               <a:t>dbname</a:t>
             </a:r>
             <a:r>
-              <a:rPr lang="en-IN" sz="2000" dirty="0"/>
+              <a:rPr lang="en-IN" sz="2000"/>
               <a:t>.</a:t>
             </a:r>
-          </a:p>
-          <a:p>
-            <a:endParaRPr lang="en-IN" sz="2000" dirty="0"/>
-          </a:p>
-          <a:p>
-            <a:r>
-              <a:rPr lang="en-IN" sz="2000" dirty="0">
+            <a:endParaRPr/>
+          </a:p>
+          <a:p>
+            <a:pPr>
+              <a:defRPr/>
+            </a:pPr>
+            <a:endParaRPr lang="en-IN" sz="2000"/>
+          </a:p>
+          <a:p>
+            <a:pPr>
+              <a:defRPr/>
+            </a:pPr>
+            <a:r>
+              <a:rPr lang="en-IN" sz="2000">
                 <a:solidFill>
                   <a:schemeClr val="accent1"/>
                 </a:solidFill>
@@ -6890,24 +6322,31 @@
               <a:t>Username: </a:t>
             </a:r>
             <a:r>
-              <a:rPr lang="en-IN" sz="2000" dirty="0"/>
+              <a:rPr lang="en-IN" sz="2000"/>
               <a:t>The default username for the </a:t>
             </a:r>
             <a:r>
-              <a:rPr lang="en-IN" sz="2000" dirty="0" err="1"/>
+              <a:rPr lang="en-IN" sz="2000"/>
               <a:t>mysql</a:t>
             </a:r>
             <a:r>
-              <a:rPr lang="en-IN" sz="2000" dirty="0"/>
+              <a:rPr lang="en-IN" sz="2000"/>
               <a:t> database is root.</a:t>
             </a:r>
-          </a:p>
-          <a:p>
-            <a:endParaRPr lang="en-IN" sz="2000" dirty="0"/>
-          </a:p>
-          <a:p>
-            <a:r>
-              <a:rPr lang="en-IN" sz="2000" dirty="0">
+            <a:endParaRPr/>
+          </a:p>
+          <a:p>
+            <a:pPr>
+              <a:defRPr/>
+            </a:pPr>
+            <a:endParaRPr lang="en-IN" sz="2000"/>
+          </a:p>
+          <a:p>
+            <a:pPr>
+              <a:defRPr/>
+            </a:pPr>
+            <a:r>
+              <a:rPr lang="en-IN" sz="2000">
                 <a:solidFill>
                   <a:schemeClr val="accent1"/>
                 </a:solidFill>
@@ -6915,33 +6354,28 @@
               <a:t>Password: </a:t>
             </a:r>
             <a:r>
-              <a:rPr lang="en-IN" sz="2000" dirty="0"/>
+              <a:rPr lang="en-IN" sz="2000"/>
               <a:t>It is the password given by the user at the time of installing the </a:t>
             </a:r>
             <a:r>
-              <a:rPr lang="en-IN" sz="2000" dirty="0" err="1"/>
+              <a:rPr lang="en-IN" sz="2000"/>
               <a:t>mysql</a:t>
             </a:r>
             <a:r>
-              <a:rPr lang="en-IN" sz="2000" dirty="0"/>
+              <a:rPr lang="en-IN" sz="2000"/>
               <a:t> database. </a:t>
             </a:r>
+            <a:endParaRPr/>
           </a:p>
         </p:txBody>
       </p:sp>
       <p:sp>
         <p:nvSpPr>
-          <p:cNvPr id="6" name="TextBox 5">
-            <a:extLst>
-              <a:ext uri="{FF2B5EF4-FFF2-40B4-BE49-F238E27FC236}">
-                <a16:creationId xmlns:a16="http://schemas.microsoft.com/office/drawing/2014/main" id="{9AE2DD4E-39DB-B110-E7C6-E26CFEA76D4D}"/>
-              </a:ext>
-            </a:extLst>
-          </p:cNvPr>
+          <p:cNvPr id="6" name="TextBox 5"/>
           <p:cNvSpPr txBox="1"/>
           <p:nvPr/>
         </p:nvSpPr>
-        <p:spPr>
+        <p:spPr bwMode="auto">
           <a:xfrm>
             <a:off x="5180012" y="609600"/>
             <a:ext cx="6506496" cy="6247864"/>
@@ -6970,291 +6404,357 @@
           </a:bodyPr>
           <a:lstStyle/>
           <a:p>
-            <a:r>
-              <a:rPr lang="en-IN" sz="2000" dirty="0"/>
+            <a:pPr>
+              <a:defRPr/>
+            </a:pPr>
+            <a:r>
+              <a:rPr lang="en-IN" sz="2000"/>
               <a:t>import </a:t>
             </a:r>
             <a:r>
-              <a:rPr lang="en-IN" sz="2000" dirty="0" err="1"/>
+              <a:rPr lang="en-IN" sz="2000"/>
               <a:t>java.sql</a:t>
             </a:r>
             <a:r>
-              <a:rPr lang="en-IN" sz="2000" dirty="0"/>
+              <a:rPr lang="en-IN" sz="2000"/>
               <a:t>.*;  </a:t>
             </a:r>
-          </a:p>
-          <a:p>
-            <a:r>
-              <a:rPr lang="en-IN" sz="2000" dirty="0"/>
+            <a:endParaRPr/>
+          </a:p>
+          <a:p>
+            <a:pPr>
+              <a:defRPr/>
+            </a:pPr>
+            <a:r>
+              <a:rPr lang="en-IN" sz="2000"/>
               <a:t>class </a:t>
             </a:r>
             <a:r>
-              <a:rPr lang="en-IN" sz="2000" dirty="0" err="1"/>
+              <a:rPr lang="en-IN" sz="2000"/>
               <a:t>MysqlCon</a:t>
             </a:r>
             <a:r>
-              <a:rPr lang="en-IN" sz="2000" dirty="0"/>
+              <a:rPr lang="en-IN" sz="2000"/>
               <a:t>{  </a:t>
             </a:r>
-          </a:p>
-          <a:p>
-            <a:r>
-              <a:rPr lang="en-IN" sz="2000" dirty="0"/>
+            <a:endParaRPr/>
+          </a:p>
+          <a:p>
+            <a:pPr>
+              <a:defRPr/>
+            </a:pPr>
+            <a:r>
+              <a:rPr lang="en-IN" sz="2000"/>
               <a:t>public static void main(String </a:t>
             </a:r>
             <a:r>
-              <a:rPr lang="en-IN" sz="2000" dirty="0" err="1"/>
+              <a:rPr lang="en-IN" sz="2000"/>
               <a:t>args</a:t>
             </a:r>
             <a:r>
-              <a:rPr lang="en-IN" sz="2000" dirty="0"/>
+              <a:rPr lang="en-IN" sz="2000"/>
               <a:t>[]){  </a:t>
             </a:r>
-          </a:p>
-          <a:p>
-            <a:r>
-              <a:rPr lang="en-IN" sz="2000" dirty="0"/>
+            <a:endParaRPr/>
+          </a:p>
+          <a:p>
+            <a:pPr>
+              <a:defRPr/>
+            </a:pPr>
+            <a:r>
+              <a:rPr lang="en-IN" sz="2000"/>
               <a:t>try{  </a:t>
             </a:r>
-          </a:p>
-          <a:p>
-            <a:r>
-              <a:rPr lang="en-IN" sz="2000" dirty="0" err="1"/>
+            <a:endParaRPr/>
+          </a:p>
+          <a:p>
+            <a:pPr>
+              <a:defRPr/>
+            </a:pPr>
+            <a:r>
+              <a:rPr lang="en-IN" sz="2000"/>
               <a:t>Class.forName</a:t>
             </a:r>
             <a:r>
-              <a:rPr lang="en-IN" sz="2000" dirty="0"/>
+              <a:rPr lang="en-IN" sz="2000"/>
               <a:t>("</a:t>
             </a:r>
             <a:r>
-              <a:rPr lang="en-IN" sz="2000" dirty="0" err="1"/>
+              <a:rPr lang="en-IN" sz="2000"/>
               <a:t>com.mysql.jdbc.Driver</a:t>
             </a:r>
             <a:r>
-              <a:rPr lang="en-IN" sz="2000" dirty="0"/>
+              <a:rPr lang="en-IN" sz="2000"/>
               <a:t>");  </a:t>
             </a:r>
-          </a:p>
-          <a:p>
-            <a:r>
-              <a:rPr lang="en-IN" sz="2000" dirty="0"/>
+            <a:endParaRPr/>
+          </a:p>
+          <a:p>
+            <a:pPr>
+              <a:defRPr/>
+            </a:pPr>
+            <a:r>
+              <a:rPr lang="en-IN" sz="2000"/>
               <a:t>Connection con=</a:t>
             </a:r>
             <a:r>
-              <a:rPr lang="en-IN" sz="2000" dirty="0" err="1"/>
+              <a:rPr lang="en-IN" sz="2000"/>
               <a:t>DriverManager.getConnection</a:t>
             </a:r>
             <a:r>
-              <a:rPr lang="en-IN" sz="2000" dirty="0"/>
+              <a:rPr lang="en-IN" sz="2000"/>
               <a:t>(  </a:t>
             </a:r>
-          </a:p>
-          <a:p>
-            <a:r>
-              <a:rPr lang="en-IN" sz="2000" dirty="0"/>
+            <a:endParaRPr/>
+          </a:p>
+          <a:p>
+            <a:pPr>
+              <a:defRPr/>
+            </a:pPr>
+            <a:r>
+              <a:rPr lang="en-IN" sz="2000"/>
               <a:t>"</a:t>
             </a:r>
             <a:r>
-              <a:rPr lang="en-IN" sz="2000" dirty="0" err="1"/>
+              <a:rPr lang="en-IN" sz="2000"/>
               <a:t>jdbc:mysql</a:t>
             </a:r>
             <a:r>
-              <a:rPr lang="en-IN" sz="2000" dirty="0"/>
+              <a:rPr lang="en-IN" sz="2000"/>
               <a:t>://localhost:3306/</a:t>
             </a:r>
             <a:r>
-              <a:rPr lang="en-IN" sz="2000" dirty="0" err="1"/>
+              <a:rPr lang="en-IN" sz="2000"/>
               <a:t>sonoo</a:t>
             </a:r>
             <a:r>
-              <a:rPr lang="en-IN" sz="2000" dirty="0"/>
+              <a:rPr lang="en-IN" sz="2000"/>
               <a:t>","</a:t>
             </a:r>
             <a:r>
-              <a:rPr lang="en-IN" sz="2000" dirty="0" err="1"/>
+              <a:rPr lang="en-IN" sz="2000"/>
               <a:t>root","root</a:t>
             </a:r>
             <a:r>
-              <a:rPr lang="en-IN" sz="2000" dirty="0"/>
+              <a:rPr lang="en-IN" sz="2000"/>
               <a:t>");  </a:t>
             </a:r>
-          </a:p>
-          <a:p>
-            <a:r>
-              <a:rPr lang="en-IN" sz="2000" dirty="0"/>
+            <a:endParaRPr/>
+          </a:p>
+          <a:p>
+            <a:pPr>
+              <a:defRPr/>
+            </a:pPr>
+            <a:r>
+              <a:rPr lang="en-IN" sz="2000"/>
               <a:t>//here </a:t>
             </a:r>
             <a:r>
-              <a:rPr lang="en-IN" sz="2000" dirty="0" err="1"/>
+              <a:rPr lang="en-IN" sz="2000"/>
               <a:t>sonoo</a:t>
             </a:r>
             <a:r>
-              <a:rPr lang="en-IN" sz="2000" dirty="0"/>
+              <a:rPr lang="en-IN" sz="2000"/>
               <a:t> is database name, root is username and password  </a:t>
             </a:r>
-          </a:p>
-          <a:p>
-            <a:endParaRPr lang="en-IN" sz="2000" dirty="0"/>
-          </a:p>
-          <a:p>
-            <a:r>
-              <a:rPr lang="en-IN" sz="2000" dirty="0"/>
+            <a:endParaRPr/>
+          </a:p>
+          <a:p>
+            <a:pPr>
+              <a:defRPr/>
+            </a:pPr>
+            <a:endParaRPr lang="en-IN" sz="2000"/>
+          </a:p>
+          <a:p>
+            <a:pPr>
+              <a:defRPr/>
+            </a:pPr>
+            <a:r>
+              <a:rPr lang="en-IN" sz="2000"/>
               <a:t>Statement </a:t>
             </a:r>
             <a:r>
-              <a:rPr lang="en-IN" sz="2000" dirty="0" err="1"/>
+              <a:rPr lang="en-IN" sz="2000"/>
               <a:t>stmt</a:t>
             </a:r>
             <a:r>
-              <a:rPr lang="en-IN" sz="2000" dirty="0"/>
+              <a:rPr lang="en-IN" sz="2000"/>
               <a:t>=</a:t>
             </a:r>
             <a:r>
-              <a:rPr lang="en-IN" sz="2000" dirty="0" err="1"/>
+              <a:rPr lang="en-IN" sz="2000"/>
               <a:t>con.createStatement</a:t>
             </a:r>
             <a:r>
-              <a:rPr lang="en-IN" sz="2000" dirty="0"/>
+              <a:rPr lang="en-IN" sz="2000"/>
               <a:t>();  </a:t>
             </a:r>
-          </a:p>
-          <a:p>
-            <a:r>
-              <a:rPr lang="en-IN" sz="2000" dirty="0" err="1"/>
+            <a:endParaRPr/>
+          </a:p>
+          <a:p>
+            <a:pPr>
+              <a:defRPr/>
+            </a:pPr>
+            <a:r>
+              <a:rPr lang="en-IN" sz="2000"/>
               <a:t>ResultSet</a:t>
             </a:r>
             <a:r>
-              <a:rPr lang="en-IN" sz="2000" dirty="0"/>
+              <a:rPr lang="en-IN" sz="2000"/>
               <a:t> </a:t>
             </a:r>
             <a:r>
-              <a:rPr lang="en-IN" sz="2000" dirty="0" err="1"/>
+              <a:rPr lang="en-IN" sz="2000"/>
               <a:t>rs</a:t>
             </a:r>
             <a:r>
-              <a:rPr lang="en-IN" sz="2000" dirty="0"/>
+              <a:rPr lang="en-IN" sz="2000"/>
               <a:t>=</a:t>
             </a:r>
             <a:r>
-              <a:rPr lang="en-IN" sz="2000" dirty="0" err="1"/>
+              <a:rPr lang="en-IN" sz="2000"/>
               <a:t>stmt.executeQuery</a:t>
             </a:r>
             <a:r>
-              <a:rPr lang="en-IN" sz="2000" dirty="0"/>
+              <a:rPr lang="en-IN" sz="2000"/>
               <a:t>("select * from emp");  </a:t>
             </a:r>
-          </a:p>
-          <a:p>
-            <a:r>
-              <a:rPr lang="en-IN" sz="2000" dirty="0"/>
+            <a:endParaRPr/>
+          </a:p>
+          <a:p>
+            <a:pPr>
+              <a:defRPr/>
+            </a:pPr>
+            <a:r>
+              <a:rPr lang="en-IN" sz="2000"/>
               <a:t>while(</a:t>
             </a:r>
             <a:r>
-              <a:rPr lang="en-IN" sz="2000" dirty="0" err="1"/>
+              <a:rPr lang="en-IN" sz="2000"/>
               <a:t>rs.next</a:t>
             </a:r>
             <a:r>
-              <a:rPr lang="en-IN" sz="2000" dirty="0"/>
+              <a:rPr lang="en-IN" sz="2000"/>
               <a:t>())  {</a:t>
             </a:r>
-          </a:p>
-          <a:p>
-            <a:r>
-              <a:rPr lang="en-IN" sz="2000" dirty="0" err="1"/>
+            <a:endParaRPr/>
+          </a:p>
+          <a:p>
+            <a:pPr>
+              <a:defRPr/>
+            </a:pPr>
+            <a:r>
+              <a:rPr lang="en-IN" sz="2000"/>
               <a:t>System.out.println</a:t>
             </a:r>
             <a:r>
-              <a:rPr lang="en-IN" sz="2000" dirty="0"/>
+              <a:rPr lang="en-IN" sz="2000"/>
               <a:t>(</a:t>
             </a:r>
             <a:r>
-              <a:rPr lang="en-IN" sz="2000" dirty="0" err="1"/>
+              <a:rPr lang="en-IN" sz="2000"/>
               <a:t>rs.getInt</a:t>
             </a:r>
             <a:r>
-              <a:rPr lang="en-IN" sz="2000" dirty="0"/>
+              <a:rPr lang="en-IN" sz="2000"/>
               <a:t>(1)+"  "+</a:t>
             </a:r>
             <a:r>
-              <a:rPr lang="en-IN" sz="2000" dirty="0" err="1"/>
+              <a:rPr lang="en-IN" sz="2000"/>
               <a:t>rs.getString</a:t>
             </a:r>
             <a:r>
-              <a:rPr lang="en-IN" sz="2000" dirty="0"/>
+              <a:rPr lang="en-IN" sz="2000"/>
               <a:t>(2)+"  "+</a:t>
             </a:r>
             <a:r>
-              <a:rPr lang="en-IN" sz="2000" dirty="0" err="1"/>
+              <a:rPr lang="en-IN" sz="2000"/>
               <a:t>rs.getString</a:t>
             </a:r>
             <a:r>
-              <a:rPr lang="en-IN" sz="2000" dirty="0"/>
+              <a:rPr lang="en-IN" sz="2000"/>
               <a:t>(3));  </a:t>
             </a:r>
-          </a:p>
-          <a:p>
-            <a:r>
-              <a:rPr lang="en-IN" sz="2000" dirty="0"/>
+            <a:endParaRPr/>
+          </a:p>
+          <a:p>
+            <a:pPr>
+              <a:defRPr/>
+            </a:pPr>
+            <a:r>
+              <a:rPr lang="en-IN" sz="2000"/>
               <a:t>}</a:t>
             </a:r>
-          </a:p>
-          <a:p>
-            <a:r>
-              <a:rPr lang="en-IN" sz="2000" dirty="0" err="1"/>
+            <a:endParaRPr/>
+          </a:p>
+          <a:p>
+            <a:pPr>
+              <a:defRPr/>
+            </a:pPr>
+            <a:r>
+              <a:rPr lang="en-IN" sz="2000"/>
               <a:t>con.close</a:t>
             </a:r>
             <a:r>
-              <a:rPr lang="en-IN" sz="2000" dirty="0"/>
+              <a:rPr lang="en-IN" sz="2000"/>
               <a:t>();  </a:t>
             </a:r>
-          </a:p>
-          <a:p>
-            <a:r>
-              <a:rPr lang="en-IN" sz="2000" dirty="0"/>
+            <a:endParaRPr/>
+          </a:p>
+          <a:p>
+            <a:pPr>
+              <a:defRPr/>
+            </a:pPr>
+            <a:r>
+              <a:rPr lang="en-IN" sz="2000"/>
               <a:t>}catch(Exception e){ </a:t>
             </a:r>
             <a:r>
-              <a:rPr lang="en-IN" sz="2000" dirty="0" err="1"/>
+              <a:rPr lang="en-IN" sz="2000"/>
               <a:t>System.out.println</a:t>
             </a:r>
             <a:r>
-              <a:rPr lang="en-IN" sz="2000" dirty="0"/>
+              <a:rPr lang="en-IN" sz="2000"/>
               <a:t>(e);}  </a:t>
             </a:r>
-          </a:p>
-          <a:p>
-            <a:r>
-              <a:rPr lang="en-IN" sz="2000" dirty="0"/>
+            <a:endParaRPr/>
+          </a:p>
+          <a:p>
+            <a:pPr>
+              <a:defRPr/>
+            </a:pPr>
+            <a:r>
+              <a:rPr lang="en-IN" sz="2000"/>
               <a:t>}  </a:t>
             </a:r>
-          </a:p>
-          <a:p>
-            <a:r>
-              <a:rPr lang="en-IN" sz="2000" dirty="0"/>
+            <a:endParaRPr/>
+          </a:p>
+          <a:p>
+            <a:pPr>
+              <a:defRPr/>
+            </a:pPr>
+            <a:r>
+              <a:rPr lang="en-IN" sz="2000"/>
               <a:t>} </a:t>
             </a:r>
+            <a:endParaRPr/>
           </a:p>
         </p:txBody>
       </p:sp>
     </p:spTree>
-    <p:extLst>
-      <p:ext uri="{BB962C8B-B14F-4D97-AF65-F5344CB8AC3E}">
-        <p14:creationId xmlns:p14="http://schemas.microsoft.com/office/powerpoint/2010/main" val="305714592"/>
-      </p:ext>
-    </p:extLst>
   </p:cSld>
   <p:clrMapOvr>
     <a:masterClrMapping/>
   </p:clrMapOvr>
   <mc:AlternateContent xmlns:mc="http://schemas.openxmlformats.org/markup-compatibility/2006">
     <mc:Choice xmlns:p14="http://schemas.microsoft.com/office/powerpoint/2010/main" Requires="p14">
-      <p:transition spd="med" p14:dur="700">
-        <p:fade/>
+      <p:transition spd="med" p14:dur="700" advClick="1">
+        <p:fade thruBlk="0"/>
       </p:transition>
     </mc:Choice>
     <mc:Fallback>
-      <p:transition spd="med">
-        <p:fade/>
+      <p:transition spd="med" advClick="1">
+        <p:fade thruBlk="0"/>
       </p:transition>
     </mc:Fallback>
   </mc:AlternateContent>
@@ -7262,15 +6762,15 @@
 </file>
 
 <file path=ppt/slides/slide7.xml><?xml version="1.0" encoding="utf-8"?>
-<p:sld xmlns:a="http://schemas.openxmlformats.org/drawingml/2006/main" xmlns:r="http://schemas.openxmlformats.org/officeDocument/2006/relationships" xmlns:p="http://schemas.openxmlformats.org/presentationml/2006/main">
-  <p:cSld>
+<p:sld xmlns:a="http://schemas.openxmlformats.org/drawingml/2006/main" xmlns:r="http://schemas.openxmlformats.org/officeDocument/2006/relationships" xmlns:p="http://schemas.openxmlformats.org/presentationml/2006/main" xmlns:m="http://schemas.openxmlformats.org/officeDocument/2006/math" xmlns:w="http://schemas.openxmlformats.org/wordprocessingml/2006/main" showMasterPhAnim="0" show="1">
+  <p:cSld name="">
     <p:spTree>
       <p:nvGrpSpPr>
         <p:cNvPr id="1" name=""/>
         <p:cNvGrpSpPr/>
         <p:nvPr/>
       </p:nvGrpSpPr>
-      <p:grpSpPr>
+      <p:grpSpPr bwMode="auto">
         <a:xfrm>
           <a:off x="0" y="0"/>
           <a:ext cx="0" cy="0"/>
@@ -7284,7 +6784,7 @@
           <p:cNvSpPr/>
           <p:nvPr/>
         </p:nvSpPr>
-        <p:spPr>
+        <p:spPr bwMode="auto">
           <a:xfrm>
             <a:off x="-32068" y="-76200"/>
             <a:ext cx="9483750" cy="762000"/>
@@ -7294,39 +6794,36 @@
           </a:prstGeom>
         </p:spPr>
         <p:txBody>
-          <a:bodyPr vert="horz" lIns="121899" tIns="60949" rIns="121899" bIns="60949" rtlCol="0" anchor="b">
+          <a:bodyPr vert="horz" lIns="121898" tIns="60949" rIns="121898" bIns="60949" rtlCol="0" anchor="b">
             <a:noAutofit/>
           </a:bodyPr>
           <a:lstStyle/>
           <a:p>
-            <a:pPr defTabSz="914400"/>
-            <a:r>
-              <a:rPr lang="en-US" sz="4000" b="1" dirty="0">
+            <a:pPr defTabSz="914400">
+              <a:defRPr/>
+            </a:pPr>
+            <a:r>
+              <a:rPr lang="en-US" sz="4000" b="1">
                 <a:solidFill>
                   <a:schemeClr val="dk1"/>
                 </a:solidFill>
               </a:rPr>
               <a:t>JDBC Components     </a:t>
             </a:r>
+            <a:endParaRPr/>
           </a:p>
         </p:txBody>
       </p:sp>
       <p:sp>
         <p:nvSpPr>
-          <p:cNvPr id="5" name="TextBox 4">
-            <a:extLst>
-              <a:ext uri="{FF2B5EF4-FFF2-40B4-BE49-F238E27FC236}">
-                <a16:creationId xmlns:a16="http://schemas.microsoft.com/office/drawing/2014/main" id="{0DC3317F-ABEF-2E87-BB1F-78244F3B9CDD}"/>
-              </a:ext>
-            </a:extLst>
-          </p:cNvPr>
+          <p:cNvPr id="5" name="TextBox 4"/>
           <p:cNvSpPr txBox="1"/>
           <p:nvPr/>
         </p:nvSpPr>
-        <p:spPr>
+        <p:spPr bwMode="auto">
           <a:xfrm>
             <a:off x="1208831" y="609600"/>
-            <a:ext cx="10524382" cy="3170099"/>
+            <a:ext cx="10524382" cy="3170098"/>
           </a:xfrm>
           <a:prstGeom prst="rect">
             <a:avLst/>
@@ -7339,17 +6836,27 @@
           </a:bodyPr>
           <a:lstStyle/>
           <a:p>
-            <a:r>
-              <a:rPr lang="en-IN" sz="2000" dirty="0"/>
+            <a:pPr>
+              <a:defRPr/>
+            </a:pPr>
+            <a:r>
+              <a:rPr lang="en-IN" sz="2000"/>
               <a:t>The JDBC API provides the following interfaces and classes −</a:t>
             </a:r>
-          </a:p>
-          <a:p>
-            <a:endParaRPr lang="en-IN" sz="2000" dirty="0"/>
-          </a:p>
-          <a:p>
-            <a:r>
-              <a:rPr lang="en-IN" sz="2000" b="1" dirty="0" err="1">
+            <a:endParaRPr/>
+          </a:p>
+          <a:p>
+            <a:pPr>
+              <a:defRPr/>
+            </a:pPr>
+            <a:endParaRPr lang="en-IN" sz="2000"/>
+          </a:p>
+          <a:p>
+            <a:pPr>
+              <a:defRPr/>
+            </a:pPr>
+            <a:r>
+              <a:rPr lang="en-IN" sz="2000" b="1">
                 <a:solidFill>
                   <a:schemeClr val="accent1"/>
                 </a:solidFill>
@@ -7357,16 +6864,23 @@
               <a:t>DriverManager</a:t>
             </a:r>
             <a:r>
-              <a:rPr lang="en-IN" sz="2000" dirty="0"/>
+              <a:rPr lang="en-IN" sz="2000"/>
               <a:t> − This class manages a list of database drivers. Matches connection requests from the java application with the proper database driver using communication sub protocol. The first driver that recognizes a certain subprotocol under JDBC will be used to establish a database Connection.</a:t>
             </a:r>
-          </a:p>
-          <a:p>
-            <a:endParaRPr lang="en-IN" sz="2000" dirty="0"/>
-          </a:p>
-          <a:p>
-            <a:r>
-              <a:rPr lang="en-IN" sz="2000" b="1" dirty="0">
+            <a:endParaRPr/>
+          </a:p>
+          <a:p>
+            <a:pPr>
+              <a:defRPr/>
+            </a:pPr>
+            <a:endParaRPr lang="en-IN" sz="2000"/>
+          </a:p>
+          <a:p>
+            <a:pPr>
+              <a:defRPr/>
+            </a:pPr>
+            <a:r>
+              <a:rPr lang="en-IN" sz="2000" b="1">
                 <a:solidFill>
                   <a:schemeClr val="accent1"/>
                 </a:solidFill>
@@ -7374,39 +6888,28 @@
               <a:t>Driver</a:t>
             </a:r>
             <a:r>
-              <a:rPr lang="en-IN" sz="2000" dirty="0"/>
+              <a:rPr lang="en-IN" sz="2000"/>
               <a:t> − This interface handles the communications with the database server. You will interact directly with Driver objects very rarely. Instead, you use </a:t>
             </a:r>
             <a:r>
-              <a:rPr lang="en-IN" sz="2000" dirty="0" err="1"/>
+              <a:rPr lang="en-IN" sz="2000"/>
               <a:t>DriverManager</a:t>
             </a:r>
             <a:r>
-              <a:rPr lang="en-IN" sz="2000" dirty="0"/>
+              <a:rPr lang="en-IN" sz="2000"/>
               <a:t> objects, which manages objects of this type. It also abstracts the details associated with working with Driver objects.</a:t>
             </a:r>
+            <a:endParaRPr/>
           </a:p>
         </p:txBody>
       </p:sp>
       <p:graphicFrame>
         <p:nvGraphicFramePr>
-          <p:cNvPr id="6" name="Table 5">
-            <a:extLst>
-              <a:ext uri="{FF2B5EF4-FFF2-40B4-BE49-F238E27FC236}">
-                <a16:creationId xmlns:a16="http://schemas.microsoft.com/office/drawing/2014/main" id="{6CAACBE0-7300-F57A-287F-076A78FB77C6}"/>
-              </a:ext>
-            </a:extLst>
-          </p:cNvPr>
+          <p:cNvPr id="6" name="Table 5"/>
           <p:cNvGraphicFramePr>
-            <a:graphicFrameLocks noGrp="1"/>
+            <a:graphicFrameLocks xmlns:a="http://schemas.openxmlformats.org/drawingml/2006/main" noGrp="1"/>
           </p:cNvGraphicFramePr>
-          <p:nvPr>
-            <p:extLst>
-              <p:ext uri="{D42A27DB-BD31-4B8C-83A1-F6EECF244321}">
-                <p14:modId xmlns:p14="http://schemas.microsoft.com/office/powerpoint/2010/main" val="2547244784"/>
-              </p:ext>
-            </p:extLst>
-          </p:nvPr>
+          <p:nvPr/>
         </p:nvGraphicFramePr>
         <p:xfrm>
           <a:off x="549889" y="3962400"/>
@@ -7415,84 +6918,51 @@
         <a:graphic>
           <a:graphicData uri="http://schemas.openxmlformats.org/drawingml/2006/table">
             <a:tbl>
-              <a:tblPr/>
+              <a:tblPr firstRow="0" firstCol="0" lastRow="0" lastCol="0" bandRow="0" bandCol="0"/>
               <a:tblGrid>
-                <a:gridCol w="1310481">
-                  <a:extLst>
-                    <a:ext uri="{9D8B030D-6E8A-4147-A177-3AD203B41FA5}">
-                      <a16:colId xmlns:a16="http://schemas.microsoft.com/office/drawing/2014/main" val="421671091"/>
-                    </a:ext>
-                  </a:extLst>
-                </a:gridCol>
-                <a:gridCol w="4285350">
-                  <a:extLst>
-                    <a:ext uri="{9D8B030D-6E8A-4147-A177-3AD203B41FA5}">
-                      <a16:colId xmlns:a16="http://schemas.microsoft.com/office/drawing/2014/main" val="2944103597"/>
-                    </a:ext>
-                  </a:extLst>
-                </a:gridCol>
-                <a:gridCol w="5605570">
-                  <a:extLst>
-                    <a:ext uri="{9D8B030D-6E8A-4147-A177-3AD203B41FA5}">
-                      <a16:colId xmlns:a16="http://schemas.microsoft.com/office/drawing/2014/main" val="1698302880"/>
-                    </a:ext>
-                  </a:extLst>
-                </a:gridCol>
+                <a:gridCol w="1310481"/>
+                <a:gridCol w="4285350"/>
+                <a:gridCol w="5605570"/>
               </a:tblGrid>
               <a:tr h="0">
                 <a:tc>
                   <a:txBody>
                     <a:bodyPr/>
-                    <a:lstStyle/>
                     <a:p>
-                      <a:pPr algn="l" fontAlgn="t"/>
+                      <a:pPr algn="l">
+                        <a:defRPr/>
+                      </a:pPr>
                       <a:r>
                         <a:rPr lang="en-IN" sz="2000">
                           <a:solidFill>
                             <a:schemeClr val="bg1"/>
                           </a:solidFill>
-                          <a:effectLst/>
                         </a:rPr>
                         <a:t>RDBMS</a:t>
                       </a:r>
+                      <a:endParaRPr/>
                     </a:p>
                   </a:txBody>
                   <a:tcPr marL="76200" marR="76200" marT="76200" marB="76200">
-                    <a:lnL w="9525" cap="flat" cmpd="sng" algn="ctr">
-                      <a:solidFill>
-                        <a:srgbClr val="DDDDDD"/>
-                      </a:solidFill>
-                      <a:prstDash val="solid"/>
-                      <a:round/>
-                      <a:headEnd type="none" w="med" len="med"/>
-                      <a:tailEnd type="none" w="med" len="med"/>
+                    <a:lnL w="9525" algn="ctr">
+                      <a:solidFill>
+                        <a:srgbClr val="DDDDDD"/>
+                      </a:solidFill>
                     </a:lnL>
-                    <a:lnR w="9525" cap="flat" cmpd="sng" algn="ctr">
-                      <a:solidFill>
-                        <a:srgbClr val="DDDDDD"/>
-                      </a:solidFill>
-                      <a:prstDash val="solid"/>
-                      <a:round/>
-                      <a:headEnd type="none" w="med" len="med"/>
-                      <a:tailEnd type="none" w="med" len="med"/>
+                    <a:lnR w="9525" algn="ctr">
+                      <a:solidFill>
+                        <a:srgbClr val="DDDDDD"/>
+                      </a:solidFill>
                     </a:lnR>
-                    <a:lnT w="9525" cap="flat" cmpd="sng" algn="ctr">
-                      <a:solidFill>
-                        <a:srgbClr val="DDDDDD"/>
-                      </a:solidFill>
-                      <a:prstDash val="solid"/>
-                      <a:round/>
-                      <a:headEnd type="none" w="med" len="med"/>
-                      <a:tailEnd type="none" w="med" len="med"/>
+                    <a:lnT w="9525" algn="ctr">
+                      <a:solidFill>
+                        <a:srgbClr val="DDDDDD"/>
+                      </a:solidFill>
                     </a:lnT>
-                    <a:lnB w="9525" cap="flat" cmpd="sng" algn="ctr">
-                      <a:solidFill>
-                        <a:srgbClr val="DDDDDD"/>
-                      </a:solidFill>
-                      <a:prstDash val="solid"/>
-                      <a:round/>
-                      <a:headEnd type="none" w="med" len="med"/>
-                      <a:tailEnd type="none" w="med" len="med"/>
+                    <a:lnB w="9525" algn="ctr">
+                      <a:solidFill>
+                        <a:srgbClr val="DDDDDD"/>
+                      </a:solidFill>
                     </a:lnB>
                     <a:solidFill>
                       <a:schemeClr val="accent1"/>
@@ -7502,56 +6972,41 @@
                 <a:tc>
                   <a:txBody>
                     <a:bodyPr/>
-                    <a:lstStyle/>
                     <a:p>
-                      <a:pPr algn="l" fontAlgn="t"/>
+                      <a:pPr algn="l">
+                        <a:defRPr/>
+                      </a:pPr>
                       <a:r>
                         <a:rPr lang="en-IN" sz="2000">
                           <a:solidFill>
                             <a:schemeClr val="bg1"/>
                           </a:solidFill>
-                          <a:effectLst/>
                         </a:rPr>
                         <a:t>JDBC driver name</a:t>
                       </a:r>
+                      <a:endParaRPr/>
                     </a:p>
                   </a:txBody>
                   <a:tcPr marL="76200" marR="76200" marT="76200" marB="76200">
-                    <a:lnL w="9525" cap="flat" cmpd="sng" algn="ctr">
-                      <a:solidFill>
-                        <a:srgbClr val="DDDDDD"/>
-                      </a:solidFill>
-                      <a:prstDash val="solid"/>
-                      <a:round/>
-                      <a:headEnd type="none" w="med" len="med"/>
-                      <a:tailEnd type="none" w="med" len="med"/>
+                    <a:lnL w="9525" algn="ctr">
+                      <a:solidFill>
+                        <a:srgbClr val="DDDDDD"/>
+                      </a:solidFill>
                     </a:lnL>
-                    <a:lnR w="9525" cap="flat" cmpd="sng" algn="ctr">
-                      <a:solidFill>
-                        <a:srgbClr val="DDDDDD"/>
-                      </a:solidFill>
-                      <a:prstDash val="solid"/>
-                      <a:round/>
-                      <a:headEnd type="none" w="med" len="med"/>
-                      <a:tailEnd type="none" w="med" len="med"/>
+                    <a:lnR w="9525" algn="ctr">
+                      <a:solidFill>
+                        <a:srgbClr val="DDDDDD"/>
+                      </a:solidFill>
                     </a:lnR>
-                    <a:lnT w="9525" cap="flat" cmpd="sng" algn="ctr">
-                      <a:solidFill>
-                        <a:srgbClr val="DDDDDD"/>
-                      </a:solidFill>
-                      <a:prstDash val="solid"/>
-                      <a:round/>
-                      <a:headEnd type="none" w="med" len="med"/>
-                      <a:tailEnd type="none" w="med" len="med"/>
+                    <a:lnT w="9525" algn="ctr">
+                      <a:solidFill>
+                        <a:srgbClr val="DDDDDD"/>
+                      </a:solidFill>
                     </a:lnT>
-                    <a:lnB w="9525" cap="flat" cmpd="sng" algn="ctr">
-                      <a:solidFill>
-                        <a:srgbClr val="DDDDDD"/>
-                      </a:solidFill>
-                      <a:prstDash val="solid"/>
-                      <a:round/>
-                      <a:headEnd type="none" w="med" len="med"/>
-                      <a:tailEnd type="none" w="med" len="med"/>
+                    <a:lnB w="9525" algn="ctr">
+                      <a:solidFill>
+                        <a:srgbClr val="DDDDDD"/>
+                      </a:solidFill>
                     </a:lnB>
                     <a:solidFill>
                       <a:schemeClr val="accent1"/>
@@ -7561,821 +7016,554 @@
                 <a:tc>
                   <a:txBody>
                     <a:bodyPr/>
-                    <a:lstStyle/>
                     <a:p>
-                      <a:pPr algn="l" fontAlgn="t"/>
+                      <a:pPr algn="l">
+                        <a:defRPr/>
+                      </a:pPr>
                       <a:r>
-                        <a:rPr lang="en-IN" sz="2000" dirty="0">
+                        <a:rPr lang="en-IN" sz="2000">
                           <a:solidFill>
                             <a:schemeClr val="bg1"/>
                           </a:solidFill>
-                          <a:effectLst/>
                         </a:rPr>
                         <a:t>URL format</a:t>
                       </a:r>
+                      <a:endParaRPr/>
                     </a:p>
                   </a:txBody>
                   <a:tcPr marL="76200" marR="76200" marT="76200" marB="76200">
-                    <a:lnL w="9525" cap="flat" cmpd="sng" algn="ctr">
-                      <a:solidFill>
-                        <a:srgbClr val="DDDDDD"/>
-                      </a:solidFill>
-                      <a:prstDash val="solid"/>
-                      <a:round/>
-                      <a:headEnd type="none" w="med" len="med"/>
-                      <a:tailEnd type="none" w="med" len="med"/>
+                    <a:lnL w="9525" algn="ctr">
+                      <a:solidFill>
+                        <a:srgbClr val="DDDDDD"/>
+                      </a:solidFill>
                     </a:lnL>
-                    <a:lnR w="9525" cap="flat" cmpd="sng" algn="ctr">
-                      <a:solidFill>
-                        <a:srgbClr val="DDDDDD"/>
-                      </a:solidFill>
-                      <a:prstDash val="solid"/>
-                      <a:round/>
-                      <a:headEnd type="none" w="med" len="med"/>
-                      <a:tailEnd type="none" w="med" len="med"/>
+                    <a:lnR w="9525" algn="ctr">
+                      <a:solidFill>
+                        <a:srgbClr val="DDDDDD"/>
+                      </a:solidFill>
                     </a:lnR>
-                    <a:lnT w="9525" cap="flat" cmpd="sng" algn="ctr">
-                      <a:solidFill>
-                        <a:srgbClr val="DDDDDD"/>
-                      </a:solidFill>
-                      <a:prstDash val="solid"/>
-                      <a:round/>
-                      <a:headEnd type="none" w="med" len="med"/>
-                      <a:tailEnd type="none" w="med" len="med"/>
+                    <a:lnT w="9525" algn="ctr">
+                      <a:solidFill>
+                        <a:srgbClr val="DDDDDD"/>
+                      </a:solidFill>
                     </a:lnT>
-                    <a:lnB w="9525" cap="flat" cmpd="sng" algn="ctr">
-                      <a:solidFill>
-                        <a:srgbClr val="DDDDDD"/>
-                      </a:solidFill>
-                      <a:prstDash val="solid"/>
-                      <a:round/>
-                      <a:headEnd type="none" w="med" len="med"/>
-                      <a:tailEnd type="none" w="med" len="med"/>
+                    <a:lnB w="9525" algn="ctr">
+                      <a:solidFill>
+                        <a:srgbClr val="DDDDDD"/>
+                      </a:solidFill>
                     </a:lnB>
                     <a:solidFill>
                       <a:schemeClr val="accent1"/>
                     </a:solidFill>
                   </a:tcPr>
                 </a:tc>
-                <a:extLst>
-                  <a:ext uri="{0D108BD9-81ED-4DB2-BD59-A6C34878D82A}">
-                    <a16:rowId xmlns:a16="http://schemas.microsoft.com/office/drawing/2014/main" val="810800226"/>
-                  </a:ext>
-                </a:extLst>
               </a:tr>
               <a:tr h="0">
                 <a:tc>
                   <a:txBody>
                     <a:bodyPr/>
-                    <a:lstStyle/>
                     <a:p>
-                      <a:pPr fontAlgn="t"/>
+                      <a:pPr>
+                        <a:defRPr/>
+                      </a:pPr>
                       <a:r>
-                        <a:rPr lang="en-IN" sz="2000">
-                          <a:effectLst/>
-                        </a:rPr>
+                        <a:rPr lang="en-IN" sz="2000"/>
                         <a:t>MySQL</a:t>
                       </a:r>
+                      <a:endParaRPr/>
                     </a:p>
                   </a:txBody>
                   <a:tcPr marL="76200" marR="76200" marT="76200" marB="76200">
-                    <a:lnL w="9525" cap="flat" cmpd="sng" algn="ctr">
-                      <a:solidFill>
-                        <a:srgbClr val="DDDDDD"/>
-                      </a:solidFill>
-                      <a:prstDash val="solid"/>
-                      <a:round/>
-                      <a:headEnd type="none" w="med" len="med"/>
-                      <a:tailEnd type="none" w="med" len="med"/>
+                    <a:lnL w="9525" algn="ctr">
+                      <a:solidFill>
+                        <a:srgbClr val="DDDDDD"/>
+                      </a:solidFill>
                     </a:lnL>
-                    <a:lnR w="9525" cap="flat" cmpd="sng" algn="ctr">
-                      <a:solidFill>
-                        <a:srgbClr val="DDDDDD"/>
-                      </a:solidFill>
-                      <a:prstDash val="solid"/>
-                      <a:round/>
-                      <a:headEnd type="none" w="med" len="med"/>
-                      <a:tailEnd type="none" w="med" len="med"/>
+                    <a:lnR w="9525" algn="ctr">
+                      <a:solidFill>
+                        <a:srgbClr val="DDDDDD"/>
+                      </a:solidFill>
                     </a:lnR>
-                    <a:lnT w="9525" cap="flat" cmpd="sng" algn="ctr">
-                      <a:solidFill>
-                        <a:srgbClr val="DDDDDD"/>
-                      </a:solidFill>
-                      <a:prstDash val="solid"/>
-                      <a:round/>
-                      <a:headEnd type="none" w="med" len="med"/>
-                      <a:tailEnd type="none" w="med" len="med"/>
+                    <a:lnT w="9525" algn="ctr">
+                      <a:solidFill>
+                        <a:srgbClr val="DDDDDD"/>
+                      </a:solidFill>
                     </a:lnT>
-                    <a:lnB w="9525" cap="flat" cmpd="sng" algn="ctr">
-                      <a:solidFill>
-                        <a:srgbClr val="DDDDDD"/>
-                      </a:solidFill>
-                      <a:prstDash val="solid"/>
-                      <a:round/>
-                      <a:headEnd type="none" w="med" len="med"/>
-                      <a:tailEnd type="none" w="med" len="med"/>
+                    <a:lnB w="9525" algn="ctr">
+                      <a:solidFill>
+                        <a:srgbClr val="DDDDDD"/>
+                      </a:solidFill>
                     </a:lnB>
                   </a:tcPr>
                 </a:tc>
                 <a:tc>
                   <a:txBody>
                     <a:bodyPr/>
-                    <a:lstStyle/>
                     <a:p>
-                      <a:pPr fontAlgn="t"/>
+                      <a:pPr>
+                        <a:defRPr/>
+                      </a:pPr>
                       <a:r>
-                        <a:rPr lang="en-IN" sz="2000" dirty="0" err="1">
-                          <a:effectLst/>
-                        </a:rPr>
+                        <a:rPr lang="en-IN" sz="2000"/>
                         <a:t>com.mysql.jdbc.Driver</a:t>
                       </a:r>
-                      <a:endParaRPr lang="en-IN" sz="2000" dirty="0">
-                        <a:effectLst/>
-                      </a:endParaRPr>
+                      <a:endParaRPr lang="en-IN" sz="2000"/>
                     </a:p>
                   </a:txBody>
                   <a:tcPr marL="76200" marR="76200" marT="76200" marB="76200">
-                    <a:lnL w="9525" cap="flat" cmpd="sng" algn="ctr">
-                      <a:solidFill>
-                        <a:srgbClr val="DDDDDD"/>
-                      </a:solidFill>
-                      <a:prstDash val="solid"/>
-                      <a:round/>
-                      <a:headEnd type="none" w="med" len="med"/>
-                      <a:tailEnd type="none" w="med" len="med"/>
+                    <a:lnL w="9525" algn="ctr">
+                      <a:solidFill>
+                        <a:srgbClr val="DDDDDD"/>
+                      </a:solidFill>
                     </a:lnL>
-                    <a:lnR w="9525" cap="flat" cmpd="sng" algn="ctr">
-                      <a:solidFill>
-                        <a:srgbClr val="DDDDDD"/>
-                      </a:solidFill>
-                      <a:prstDash val="solid"/>
-                      <a:round/>
-                      <a:headEnd type="none" w="med" len="med"/>
-                      <a:tailEnd type="none" w="med" len="med"/>
+                    <a:lnR w="9525" algn="ctr">
+                      <a:solidFill>
+                        <a:srgbClr val="DDDDDD"/>
+                      </a:solidFill>
                     </a:lnR>
-                    <a:lnT w="9525" cap="flat" cmpd="sng" algn="ctr">
-                      <a:solidFill>
-                        <a:srgbClr val="DDDDDD"/>
-                      </a:solidFill>
-                      <a:prstDash val="solid"/>
-                      <a:round/>
-                      <a:headEnd type="none" w="med" len="med"/>
-                      <a:tailEnd type="none" w="med" len="med"/>
+                    <a:lnT w="9525" algn="ctr">
+                      <a:solidFill>
+                        <a:srgbClr val="DDDDDD"/>
+                      </a:solidFill>
                     </a:lnT>
-                    <a:lnB w="9525" cap="flat" cmpd="sng" algn="ctr">
-                      <a:solidFill>
-                        <a:srgbClr val="DDDDDD"/>
-                      </a:solidFill>
-                      <a:prstDash val="solid"/>
-                      <a:round/>
-                      <a:headEnd type="none" w="med" len="med"/>
-                      <a:tailEnd type="none" w="med" len="med"/>
+                    <a:lnB w="9525" algn="ctr">
+                      <a:solidFill>
+                        <a:srgbClr val="DDDDDD"/>
+                      </a:solidFill>
                     </a:lnB>
                   </a:tcPr>
                 </a:tc>
                 <a:tc>
                   <a:txBody>
                     <a:bodyPr/>
-                    <a:lstStyle/>
                     <a:p>
-                      <a:pPr fontAlgn="t"/>
+                      <a:pPr>
+                        <a:defRPr/>
+                      </a:pPr>
                       <a:r>
-                        <a:rPr lang="en-IN" sz="2000" b="1">
-                          <a:effectLst/>
-                        </a:rPr>
+                        <a:rPr lang="en-IN" sz="2000" b="1"/>
                         <a:t>jdbc:mysql://</a:t>
                       </a:r>
                       <a:r>
-                        <a:rPr lang="en-IN" sz="2000">
-                          <a:effectLst/>
-                        </a:rPr>
+                        <a:rPr lang="en-IN" sz="2000"/>
                         <a:t>hostname/ databaseName</a:t>
                       </a:r>
+                      <a:endParaRPr/>
                     </a:p>
                   </a:txBody>
                   <a:tcPr marL="76200" marR="76200" marT="76200" marB="76200">
-                    <a:lnL w="9525" cap="flat" cmpd="sng" algn="ctr">
-                      <a:solidFill>
-                        <a:srgbClr val="DDDDDD"/>
-                      </a:solidFill>
-                      <a:prstDash val="solid"/>
-                      <a:round/>
-                      <a:headEnd type="none" w="med" len="med"/>
-                      <a:tailEnd type="none" w="med" len="med"/>
+                    <a:lnL w="9525" algn="ctr">
+                      <a:solidFill>
+                        <a:srgbClr val="DDDDDD"/>
+                      </a:solidFill>
                     </a:lnL>
-                    <a:lnR w="9525" cap="flat" cmpd="sng" algn="ctr">
-                      <a:solidFill>
-                        <a:srgbClr val="DDDDDD"/>
-                      </a:solidFill>
-                      <a:prstDash val="solid"/>
-                      <a:round/>
-                      <a:headEnd type="none" w="med" len="med"/>
-                      <a:tailEnd type="none" w="med" len="med"/>
+                    <a:lnR w="9525" algn="ctr">
+                      <a:solidFill>
+                        <a:srgbClr val="DDDDDD"/>
+                      </a:solidFill>
                     </a:lnR>
-                    <a:lnT w="9525" cap="flat" cmpd="sng" algn="ctr">
-                      <a:solidFill>
-                        <a:srgbClr val="DDDDDD"/>
-                      </a:solidFill>
-                      <a:prstDash val="solid"/>
-                      <a:round/>
-                      <a:headEnd type="none" w="med" len="med"/>
-                      <a:tailEnd type="none" w="med" len="med"/>
+                    <a:lnT w="9525" algn="ctr">
+                      <a:solidFill>
+                        <a:srgbClr val="DDDDDD"/>
+                      </a:solidFill>
                     </a:lnT>
-                    <a:lnB w="9525" cap="flat" cmpd="sng" algn="ctr">
-                      <a:solidFill>
-                        <a:srgbClr val="DDDDDD"/>
-                      </a:solidFill>
-                      <a:prstDash val="solid"/>
-                      <a:round/>
-                      <a:headEnd type="none" w="med" len="med"/>
-                      <a:tailEnd type="none" w="med" len="med"/>
+                    <a:lnB w="9525" algn="ctr">
+                      <a:solidFill>
+                        <a:srgbClr val="DDDDDD"/>
+                      </a:solidFill>
                     </a:lnB>
                   </a:tcPr>
                 </a:tc>
-                <a:extLst>
-                  <a:ext uri="{0D108BD9-81ED-4DB2-BD59-A6C34878D82A}">
-                    <a16:rowId xmlns:a16="http://schemas.microsoft.com/office/drawing/2014/main" val="3463137357"/>
-                  </a:ext>
-                </a:extLst>
               </a:tr>
               <a:tr h="0">
                 <a:tc>
                   <a:txBody>
                     <a:bodyPr/>
-                    <a:lstStyle/>
                     <a:p>
-                      <a:pPr fontAlgn="t"/>
+                      <a:pPr>
+                        <a:defRPr/>
+                      </a:pPr>
                       <a:r>
-                        <a:rPr lang="en-IN" sz="2000">
-                          <a:effectLst/>
-                        </a:rPr>
+                        <a:rPr lang="en-IN" sz="2000"/>
                         <a:t>ORACLE</a:t>
                       </a:r>
+                      <a:endParaRPr/>
                     </a:p>
                   </a:txBody>
                   <a:tcPr marL="76200" marR="76200" marT="76200" marB="76200">
-                    <a:lnL w="9525" cap="flat" cmpd="sng" algn="ctr">
-                      <a:solidFill>
-                        <a:srgbClr val="DDDDDD"/>
-                      </a:solidFill>
-                      <a:prstDash val="solid"/>
-                      <a:round/>
-                      <a:headEnd type="none" w="med" len="med"/>
-                      <a:tailEnd type="none" w="med" len="med"/>
+                    <a:lnL w="9525" algn="ctr">
+                      <a:solidFill>
+                        <a:srgbClr val="DDDDDD"/>
+                      </a:solidFill>
                     </a:lnL>
-                    <a:lnR w="9525" cap="flat" cmpd="sng" algn="ctr">
-                      <a:solidFill>
-                        <a:srgbClr val="DDDDDD"/>
-                      </a:solidFill>
-                      <a:prstDash val="solid"/>
-                      <a:round/>
-                      <a:headEnd type="none" w="med" len="med"/>
-                      <a:tailEnd type="none" w="med" len="med"/>
+                    <a:lnR w="9525" algn="ctr">
+                      <a:solidFill>
+                        <a:srgbClr val="DDDDDD"/>
+                      </a:solidFill>
                     </a:lnR>
-                    <a:lnT w="9525" cap="flat" cmpd="sng" algn="ctr">
-                      <a:solidFill>
-                        <a:srgbClr val="DDDDDD"/>
-                      </a:solidFill>
-                      <a:prstDash val="solid"/>
-                      <a:round/>
-                      <a:headEnd type="none" w="med" len="med"/>
-                      <a:tailEnd type="none" w="med" len="med"/>
+                    <a:lnT w="9525" algn="ctr">
+                      <a:solidFill>
+                        <a:srgbClr val="DDDDDD"/>
+                      </a:solidFill>
                     </a:lnT>
-                    <a:lnB w="9525" cap="flat" cmpd="sng" algn="ctr">
-                      <a:solidFill>
-                        <a:srgbClr val="DDDDDD"/>
-                      </a:solidFill>
-                      <a:prstDash val="solid"/>
-                      <a:round/>
-                      <a:headEnd type="none" w="med" len="med"/>
-                      <a:tailEnd type="none" w="med" len="med"/>
+                    <a:lnB w="9525" algn="ctr">
+                      <a:solidFill>
+                        <a:srgbClr val="DDDDDD"/>
+                      </a:solidFill>
                     </a:lnB>
                   </a:tcPr>
                 </a:tc>
                 <a:tc>
                   <a:txBody>
                     <a:bodyPr/>
-                    <a:lstStyle/>
                     <a:p>
-                      <a:pPr fontAlgn="t"/>
+                      <a:pPr>
+                        <a:defRPr/>
+                      </a:pPr>
                       <a:r>
-                        <a:rPr lang="en-IN" sz="2000" dirty="0" err="1">
-                          <a:effectLst/>
-                        </a:rPr>
+                        <a:rPr lang="en-IN" sz="2000"/>
                         <a:t>oracle.jdbc.driver.OracleDriver</a:t>
                       </a:r>
-                      <a:endParaRPr lang="en-IN" sz="2000" dirty="0">
-                        <a:effectLst/>
-                      </a:endParaRPr>
+                      <a:endParaRPr lang="en-IN" sz="2000"/>
                     </a:p>
                   </a:txBody>
                   <a:tcPr marL="76200" marR="76200" marT="76200" marB="76200">
-                    <a:lnL w="9525" cap="flat" cmpd="sng" algn="ctr">
-                      <a:solidFill>
-                        <a:srgbClr val="DDDDDD"/>
-                      </a:solidFill>
-                      <a:prstDash val="solid"/>
-                      <a:round/>
-                      <a:headEnd type="none" w="med" len="med"/>
-                      <a:tailEnd type="none" w="med" len="med"/>
+                    <a:lnL w="9525" algn="ctr">
+                      <a:solidFill>
+                        <a:srgbClr val="DDDDDD"/>
+                      </a:solidFill>
                     </a:lnL>
-                    <a:lnR w="9525" cap="flat" cmpd="sng" algn="ctr">
-                      <a:solidFill>
-                        <a:srgbClr val="DDDDDD"/>
-                      </a:solidFill>
-                      <a:prstDash val="solid"/>
-                      <a:round/>
-                      <a:headEnd type="none" w="med" len="med"/>
-                      <a:tailEnd type="none" w="med" len="med"/>
+                    <a:lnR w="9525" algn="ctr">
+                      <a:solidFill>
+                        <a:srgbClr val="DDDDDD"/>
+                      </a:solidFill>
                     </a:lnR>
-                    <a:lnT w="9525" cap="flat" cmpd="sng" algn="ctr">
-                      <a:solidFill>
-                        <a:srgbClr val="DDDDDD"/>
-                      </a:solidFill>
-                      <a:prstDash val="solid"/>
-                      <a:round/>
-                      <a:headEnd type="none" w="med" len="med"/>
-                      <a:tailEnd type="none" w="med" len="med"/>
+                    <a:lnT w="9525" algn="ctr">
+                      <a:solidFill>
+                        <a:srgbClr val="DDDDDD"/>
+                      </a:solidFill>
                     </a:lnT>
-                    <a:lnB w="9525" cap="flat" cmpd="sng" algn="ctr">
-                      <a:solidFill>
-                        <a:srgbClr val="DDDDDD"/>
-                      </a:solidFill>
-                      <a:prstDash val="solid"/>
-                      <a:round/>
-                      <a:headEnd type="none" w="med" len="med"/>
-                      <a:tailEnd type="none" w="med" len="med"/>
+                    <a:lnB w="9525" algn="ctr">
+                      <a:solidFill>
+                        <a:srgbClr val="DDDDDD"/>
+                      </a:solidFill>
                     </a:lnB>
                   </a:tcPr>
                 </a:tc>
                 <a:tc>
                   <a:txBody>
                     <a:bodyPr/>
-                    <a:lstStyle/>
                     <a:p>
-                      <a:pPr fontAlgn="t"/>
+                      <a:pPr>
+                        <a:defRPr/>
+                      </a:pPr>
                       <a:r>
-                        <a:rPr lang="en-IN" sz="2000" b="1" dirty="0" err="1">
-                          <a:effectLst/>
-                        </a:rPr>
+                        <a:rPr lang="en-IN" sz="2000" b="1"/>
                         <a:t>jdbc:oracle:thin</a:t>
                       </a:r>
                       <a:r>
-                        <a:rPr lang="en-IN" sz="2000" b="1" dirty="0">
-                          <a:effectLst/>
-                        </a:rPr>
+                        <a:rPr lang="en-IN" sz="2000" b="1"/>
                         <a:t>:@</a:t>
                       </a:r>
                       <a:r>
-                        <a:rPr lang="en-IN" sz="2000" dirty="0" err="1">
-                          <a:effectLst/>
-                        </a:rPr>
+                        <a:rPr lang="en-IN" sz="2000"/>
                         <a:t>hostname:port</a:t>
                       </a:r>
                       <a:r>
-                        <a:rPr lang="en-IN" sz="2000" dirty="0">
-                          <a:effectLst/>
-                        </a:rPr>
+                        <a:rPr lang="en-IN" sz="2000"/>
                         <a:t> </a:t>
                       </a:r>
                       <a:r>
-                        <a:rPr lang="en-IN" sz="2000" dirty="0" err="1">
-                          <a:effectLst/>
-                        </a:rPr>
+                        <a:rPr lang="en-IN" sz="2000"/>
                         <a:t>Number:databaseName</a:t>
                       </a:r>
-                      <a:endParaRPr lang="en-IN" sz="2000" dirty="0">
-                        <a:effectLst/>
-                      </a:endParaRPr>
+                      <a:endParaRPr lang="en-IN" sz="2000"/>
                     </a:p>
                   </a:txBody>
                   <a:tcPr marL="76200" marR="76200" marT="76200" marB="76200">
-                    <a:lnL w="9525" cap="flat" cmpd="sng" algn="ctr">
-                      <a:solidFill>
-                        <a:srgbClr val="DDDDDD"/>
-                      </a:solidFill>
-                      <a:prstDash val="solid"/>
-                      <a:round/>
-                      <a:headEnd type="none" w="med" len="med"/>
-                      <a:tailEnd type="none" w="med" len="med"/>
+                    <a:lnL w="9525" algn="ctr">
+                      <a:solidFill>
+                        <a:srgbClr val="DDDDDD"/>
+                      </a:solidFill>
                     </a:lnL>
-                    <a:lnR w="9525" cap="flat" cmpd="sng" algn="ctr">
-                      <a:solidFill>
-                        <a:srgbClr val="DDDDDD"/>
-                      </a:solidFill>
-                      <a:prstDash val="solid"/>
-                      <a:round/>
-                      <a:headEnd type="none" w="med" len="med"/>
-                      <a:tailEnd type="none" w="med" len="med"/>
+                    <a:lnR w="9525" algn="ctr">
+                      <a:solidFill>
+                        <a:srgbClr val="DDDDDD"/>
+                      </a:solidFill>
                     </a:lnR>
-                    <a:lnT w="9525" cap="flat" cmpd="sng" algn="ctr">
-                      <a:solidFill>
-                        <a:srgbClr val="DDDDDD"/>
-                      </a:solidFill>
-                      <a:prstDash val="solid"/>
-                      <a:round/>
-                      <a:headEnd type="none" w="med" len="med"/>
-                      <a:tailEnd type="none" w="med" len="med"/>
+                    <a:lnT w="9525" algn="ctr">
+                      <a:solidFill>
+                        <a:srgbClr val="DDDDDD"/>
+                      </a:solidFill>
                     </a:lnT>
-                    <a:lnB w="9525" cap="flat" cmpd="sng" algn="ctr">
-                      <a:solidFill>
-                        <a:srgbClr val="DDDDDD"/>
-                      </a:solidFill>
-                      <a:prstDash val="solid"/>
-                      <a:round/>
-                      <a:headEnd type="none" w="med" len="med"/>
-                      <a:tailEnd type="none" w="med" len="med"/>
+                    <a:lnB w="9525" algn="ctr">
+                      <a:solidFill>
+                        <a:srgbClr val="DDDDDD"/>
+                      </a:solidFill>
                     </a:lnB>
                   </a:tcPr>
                 </a:tc>
-                <a:extLst>
-                  <a:ext uri="{0D108BD9-81ED-4DB2-BD59-A6C34878D82A}">
-                    <a16:rowId xmlns:a16="http://schemas.microsoft.com/office/drawing/2014/main" val="1381793786"/>
-                  </a:ext>
-                </a:extLst>
               </a:tr>
               <a:tr h="0">
                 <a:tc>
                   <a:txBody>
                     <a:bodyPr/>
-                    <a:lstStyle/>
                     <a:p>
-                      <a:pPr fontAlgn="t"/>
+                      <a:pPr>
+                        <a:defRPr/>
+                      </a:pPr>
                       <a:r>
-                        <a:rPr lang="en-IN" sz="2000">
-                          <a:effectLst/>
-                        </a:rPr>
+                        <a:rPr lang="en-IN" sz="2000"/>
                         <a:t>DB2</a:t>
                       </a:r>
+                      <a:endParaRPr/>
                     </a:p>
                   </a:txBody>
                   <a:tcPr marL="76200" marR="76200" marT="76200" marB="76200">
-                    <a:lnL w="9525" cap="flat" cmpd="sng" algn="ctr">
-                      <a:solidFill>
-                        <a:srgbClr val="DDDDDD"/>
-                      </a:solidFill>
-                      <a:prstDash val="solid"/>
-                      <a:round/>
-                      <a:headEnd type="none" w="med" len="med"/>
-                      <a:tailEnd type="none" w="med" len="med"/>
+                    <a:lnL w="9525" algn="ctr">
+                      <a:solidFill>
+                        <a:srgbClr val="DDDDDD"/>
+                      </a:solidFill>
                     </a:lnL>
-                    <a:lnR w="9525" cap="flat" cmpd="sng" algn="ctr">
-                      <a:solidFill>
-                        <a:srgbClr val="DDDDDD"/>
-                      </a:solidFill>
-                      <a:prstDash val="solid"/>
-                      <a:round/>
-                      <a:headEnd type="none" w="med" len="med"/>
-                      <a:tailEnd type="none" w="med" len="med"/>
+                    <a:lnR w="9525" algn="ctr">
+                      <a:solidFill>
+                        <a:srgbClr val="DDDDDD"/>
+                      </a:solidFill>
                     </a:lnR>
-                    <a:lnT w="9525" cap="flat" cmpd="sng" algn="ctr">
-                      <a:solidFill>
-                        <a:srgbClr val="DDDDDD"/>
-                      </a:solidFill>
-                      <a:prstDash val="solid"/>
-                      <a:round/>
-                      <a:headEnd type="none" w="med" len="med"/>
-                      <a:tailEnd type="none" w="med" len="med"/>
+                    <a:lnT w="9525" algn="ctr">
+                      <a:solidFill>
+                        <a:srgbClr val="DDDDDD"/>
+                      </a:solidFill>
                     </a:lnT>
-                    <a:lnB w="9525" cap="flat" cmpd="sng" algn="ctr">
-                      <a:solidFill>
-                        <a:srgbClr val="DDDDDD"/>
-                      </a:solidFill>
-                      <a:prstDash val="solid"/>
-                      <a:round/>
-                      <a:headEnd type="none" w="med" len="med"/>
-                      <a:tailEnd type="none" w="med" len="med"/>
+                    <a:lnB w="9525" algn="ctr">
+                      <a:solidFill>
+                        <a:srgbClr val="DDDDDD"/>
+                      </a:solidFill>
                     </a:lnB>
                   </a:tcPr>
                 </a:tc>
                 <a:tc>
                   <a:txBody>
                     <a:bodyPr/>
-                    <a:lstStyle/>
                     <a:p>
-                      <a:pPr fontAlgn="t"/>
+                      <a:pPr>
+                        <a:defRPr/>
+                      </a:pPr>
                       <a:r>
-                        <a:rPr lang="en-IN" sz="2000">
-                          <a:effectLst/>
-                        </a:rPr>
+                        <a:rPr lang="en-IN" sz="2000"/>
                         <a:t>COM.ibm.db2.jdbc.net.DB2Driver</a:t>
                       </a:r>
+                      <a:endParaRPr/>
                     </a:p>
                   </a:txBody>
                   <a:tcPr marL="76200" marR="76200" marT="76200" marB="76200">
-                    <a:lnL w="9525" cap="flat" cmpd="sng" algn="ctr">
-                      <a:solidFill>
-                        <a:srgbClr val="DDDDDD"/>
-                      </a:solidFill>
-                      <a:prstDash val="solid"/>
-                      <a:round/>
-                      <a:headEnd type="none" w="med" len="med"/>
-                      <a:tailEnd type="none" w="med" len="med"/>
+                    <a:lnL w="9525" algn="ctr">
+                      <a:solidFill>
+                        <a:srgbClr val="DDDDDD"/>
+                      </a:solidFill>
                     </a:lnL>
-                    <a:lnR w="9525" cap="flat" cmpd="sng" algn="ctr">
-                      <a:solidFill>
-                        <a:srgbClr val="DDDDDD"/>
-                      </a:solidFill>
-                      <a:prstDash val="solid"/>
-                      <a:round/>
-                      <a:headEnd type="none" w="med" len="med"/>
-                      <a:tailEnd type="none" w="med" len="med"/>
+                    <a:lnR w="9525" algn="ctr">
+                      <a:solidFill>
+                        <a:srgbClr val="DDDDDD"/>
+                      </a:solidFill>
                     </a:lnR>
-                    <a:lnT w="9525" cap="flat" cmpd="sng" algn="ctr">
-                      <a:solidFill>
-                        <a:srgbClr val="DDDDDD"/>
-                      </a:solidFill>
-                      <a:prstDash val="solid"/>
-                      <a:round/>
-                      <a:headEnd type="none" w="med" len="med"/>
-                      <a:tailEnd type="none" w="med" len="med"/>
+                    <a:lnT w="9525" algn="ctr">
+                      <a:solidFill>
+                        <a:srgbClr val="DDDDDD"/>
+                      </a:solidFill>
                     </a:lnT>
-                    <a:lnB w="9525" cap="flat" cmpd="sng" algn="ctr">
-                      <a:solidFill>
-                        <a:srgbClr val="DDDDDD"/>
-                      </a:solidFill>
-                      <a:prstDash val="solid"/>
-                      <a:round/>
-                      <a:headEnd type="none" w="med" len="med"/>
-                      <a:tailEnd type="none" w="med" len="med"/>
+                    <a:lnB w="9525" algn="ctr">
+                      <a:solidFill>
+                        <a:srgbClr val="DDDDDD"/>
+                      </a:solidFill>
                     </a:lnB>
                   </a:tcPr>
                 </a:tc>
                 <a:tc>
                   <a:txBody>
                     <a:bodyPr/>
-                    <a:lstStyle/>
                     <a:p>
-                      <a:pPr fontAlgn="t"/>
+                      <a:pPr>
+                        <a:defRPr/>
+                      </a:pPr>
                       <a:r>
-                        <a:rPr lang="en-IN" sz="2000" b="1">
-                          <a:effectLst/>
-                        </a:rPr>
+                        <a:rPr lang="en-IN" sz="2000" b="1"/>
                         <a:t>jdbc:db2:</a:t>
                       </a:r>
                       <a:r>
-                        <a:rPr lang="en-IN" sz="2000">
-                          <a:effectLst/>
-                        </a:rPr>
+                        <a:rPr lang="en-IN" sz="2000"/>
                         <a:t>hostname:port Number/databaseName</a:t>
                       </a:r>
+                      <a:endParaRPr/>
                     </a:p>
                   </a:txBody>
                   <a:tcPr marL="76200" marR="76200" marT="76200" marB="76200">
-                    <a:lnL w="9525" cap="flat" cmpd="sng" algn="ctr">
-                      <a:solidFill>
-                        <a:srgbClr val="DDDDDD"/>
-                      </a:solidFill>
-                      <a:prstDash val="solid"/>
-                      <a:round/>
-                      <a:headEnd type="none" w="med" len="med"/>
-                      <a:tailEnd type="none" w="med" len="med"/>
+                    <a:lnL w="9525" algn="ctr">
+                      <a:solidFill>
+                        <a:srgbClr val="DDDDDD"/>
+                      </a:solidFill>
                     </a:lnL>
-                    <a:lnR w="9525" cap="flat" cmpd="sng" algn="ctr">
-                      <a:solidFill>
-                        <a:srgbClr val="DDDDDD"/>
-                      </a:solidFill>
-                      <a:prstDash val="solid"/>
-                      <a:round/>
-                      <a:headEnd type="none" w="med" len="med"/>
-                      <a:tailEnd type="none" w="med" len="med"/>
+                    <a:lnR w="9525" algn="ctr">
+                      <a:solidFill>
+                        <a:srgbClr val="DDDDDD"/>
+                      </a:solidFill>
                     </a:lnR>
-                    <a:lnT w="9525" cap="flat" cmpd="sng" algn="ctr">
-                      <a:solidFill>
-                        <a:srgbClr val="DDDDDD"/>
-                      </a:solidFill>
-                      <a:prstDash val="solid"/>
-                      <a:round/>
-                      <a:headEnd type="none" w="med" len="med"/>
-                      <a:tailEnd type="none" w="med" len="med"/>
+                    <a:lnT w="9525" algn="ctr">
+                      <a:solidFill>
+                        <a:srgbClr val="DDDDDD"/>
+                      </a:solidFill>
                     </a:lnT>
-                    <a:lnB w="9525" cap="flat" cmpd="sng" algn="ctr">
-                      <a:solidFill>
-                        <a:srgbClr val="DDDDDD"/>
-                      </a:solidFill>
-                      <a:prstDash val="solid"/>
-                      <a:round/>
-                      <a:headEnd type="none" w="med" len="med"/>
-                      <a:tailEnd type="none" w="med" len="med"/>
+                    <a:lnB w="9525" algn="ctr">
+                      <a:solidFill>
+                        <a:srgbClr val="DDDDDD"/>
+                      </a:solidFill>
                     </a:lnB>
                   </a:tcPr>
                 </a:tc>
-                <a:extLst>
-                  <a:ext uri="{0D108BD9-81ED-4DB2-BD59-A6C34878D82A}">
-                    <a16:rowId xmlns:a16="http://schemas.microsoft.com/office/drawing/2014/main" val="1424166631"/>
-                  </a:ext>
-                </a:extLst>
               </a:tr>
               <a:tr h="0">
                 <a:tc>
                   <a:txBody>
                     <a:bodyPr/>
-                    <a:lstStyle/>
                     <a:p>
-                      <a:pPr fontAlgn="t"/>
+                      <a:pPr>
+                        <a:defRPr/>
+                      </a:pPr>
                       <a:r>
-                        <a:rPr lang="en-IN" sz="2000">
-                          <a:effectLst/>
-                        </a:rPr>
+                        <a:rPr lang="en-IN" sz="2000"/>
                         <a:t>Sybase</a:t>
                       </a:r>
+                      <a:endParaRPr/>
                     </a:p>
                   </a:txBody>
                   <a:tcPr marL="76200" marR="76200" marT="76200" marB="76200">
-                    <a:lnL w="9525" cap="flat" cmpd="sng" algn="ctr">
-                      <a:solidFill>
-                        <a:srgbClr val="DDDDDD"/>
-                      </a:solidFill>
-                      <a:prstDash val="solid"/>
-                      <a:round/>
-                      <a:headEnd type="none" w="med" len="med"/>
-                      <a:tailEnd type="none" w="med" len="med"/>
+                    <a:lnL w="9525" algn="ctr">
+                      <a:solidFill>
+                        <a:srgbClr val="DDDDDD"/>
+                      </a:solidFill>
                     </a:lnL>
-                    <a:lnR w="9525" cap="flat" cmpd="sng" algn="ctr">
-                      <a:solidFill>
-                        <a:srgbClr val="DDDDDD"/>
-                      </a:solidFill>
-                      <a:prstDash val="solid"/>
-                      <a:round/>
-                      <a:headEnd type="none" w="med" len="med"/>
-                      <a:tailEnd type="none" w="med" len="med"/>
+                    <a:lnR w="9525" algn="ctr">
+                      <a:solidFill>
+                        <a:srgbClr val="DDDDDD"/>
+                      </a:solidFill>
                     </a:lnR>
-                    <a:lnT w="9525" cap="flat" cmpd="sng" algn="ctr">
-                      <a:solidFill>
-                        <a:srgbClr val="DDDDDD"/>
-                      </a:solidFill>
-                      <a:prstDash val="solid"/>
-                      <a:round/>
-                      <a:headEnd type="none" w="med" len="med"/>
-                      <a:tailEnd type="none" w="med" len="med"/>
+                    <a:lnT w="9525" algn="ctr">
+                      <a:solidFill>
+                        <a:srgbClr val="DDDDDD"/>
+                      </a:solidFill>
                     </a:lnT>
-                    <a:lnB w="9525" cap="flat" cmpd="sng" algn="ctr">
-                      <a:solidFill>
-                        <a:srgbClr val="DDDDDD"/>
-                      </a:solidFill>
-                      <a:prstDash val="solid"/>
-                      <a:round/>
-                      <a:headEnd type="none" w="med" len="med"/>
-                      <a:tailEnd type="none" w="med" len="med"/>
+                    <a:lnB w="9525" algn="ctr">
+                      <a:solidFill>
+                        <a:srgbClr val="DDDDDD"/>
+                      </a:solidFill>
                     </a:lnB>
                   </a:tcPr>
                 </a:tc>
                 <a:tc>
                   <a:txBody>
                     <a:bodyPr/>
-                    <a:lstStyle/>
                     <a:p>
-                      <a:pPr fontAlgn="t"/>
+                      <a:pPr>
+                        <a:defRPr/>
+                      </a:pPr>
                       <a:r>
-                        <a:rPr lang="en-IN" sz="2000">
-                          <a:effectLst/>
-                        </a:rPr>
+                        <a:rPr lang="en-IN" sz="2000"/>
                         <a:t>com.sybase.jdbc.SybDriver</a:t>
                       </a:r>
+                      <a:endParaRPr/>
                     </a:p>
                   </a:txBody>
                   <a:tcPr marL="76200" marR="76200" marT="76200" marB="76200">
-                    <a:lnL w="9525" cap="flat" cmpd="sng" algn="ctr">
-                      <a:solidFill>
-                        <a:srgbClr val="DDDDDD"/>
-                      </a:solidFill>
-                      <a:prstDash val="solid"/>
-                      <a:round/>
-                      <a:headEnd type="none" w="med" len="med"/>
-                      <a:tailEnd type="none" w="med" len="med"/>
+                    <a:lnL w="9525" algn="ctr">
+                      <a:solidFill>
+                        <a:srgbClr val="DDDDDD"/>
+                      </a:solidFill>
                     </a:lnL>
-                    <a:lnR w="9525" cap="flat" cmpd="sng" algn="ctr">
-                      <a:solidFill>
-                        <a:srgbClr val="DDDDDD"/>
-                      </a:solidFill>
-                      <a:prstDash val="solid"/>
-                      <a:round/>
-                      <a:headEnd type="none" w="med" len="med"/>
-                      <a:tailEnd type="none" w="med" len="med"/>
+                    <a:lnR w="9525" algn="ctr">
+                      <a:solidFill>
+                        <a:srgbClr val="DDDDDD"/>
+                      </a:solidFill>
                     </a:lnR>
-                    <a:lnT w="9525" cap="flat" cmpd="sng" algn="ctr">
-                      <a:solidFill>
-                        <a:srgbClr val="DDDDDD"/>
-                      </a:solidFill>
-                      <a:prstDash val="solid"/>
-                      <a:round/>
-                      <a:headEnd type="none" w="med" len="med"/>
-                      <a:tailEnd type="none" w="med" len="med"/>
+                    <a:lnT w="9525" algn="ctr">
+                      <a:solidFill>
+                        <a:srgbClr val="DDDDDD"/>
+                      </a:solidFill>
                     </a:lnT>
-                    <a:lnB w="9525" cap="flat" cmpd="sng" algn="ctr">
-                      <a:solidFill>
-                        <a:srgbClr val="DDDDDD"/>
-                      </a:solidFill>
-                      <a:prstDash val="solid"/>
-                      <a:round/>
-                      <a:headEnd type="none" w="med" len="med"/>
-                      <a:tailEnd type="none" w="med" len="med"/>
+                    <a:lnB w="9525" algn="ctr">
+                      <a:solidFill>
+                        <a:srgbClr val="DDDDDD"/>
+                      </a:solidFill>
                     </a:lnB>
                   </a:tcPr>
                 </a:tc>
                 <a:tc>
                   <a:txBody>
                     <a:bodyPr/>
-                    <a:lstStyle/>
                     <a:p>
-                      <a:pPr fontAlgn="t"/>
+                      <a:pPr>
+                        <a:defRPr/>
+                      </a:pPr>
                       <a:r>
-                        <a:rPr lang="en-IN" sz="2000" b="1" dirty="0" err="1">
-                          <a:effectLst/>
-                        </a:rPr>
+                        <a:rPr lang="en-IN" sz="2000" b="1"/>
                         <a:t>jdbc:sybase:Tds:</a:t>
                       </a:r>
                       <a:r>
-                        <a:rPr lang="en-IN" sz="2000" dirty="0" err="1">
-                          <a:effectLst/>
-                        </a:rPr>
+                        <a:rPr lang="en-IN" sz="2000"/>
                         <a:t>hostname</a:t>
                       </a:r>
                       <a:r>
-                        <a:rPr lang="en-IN" sz="2000" dirty="0">
-                          <a:effectLst/>
-                        </a:rPr>
+                        <a:rPr lang="en-IN" sz="2000"/>
                         <a:t>: port Number/</a:t>
                       </a:r>
                       <a:r>
-                        <a:rPr lang="en-IN" sz="2000" dirty="0" err="1">
-                          <a:effectLst/>
-                        </a:rPr>
+                        <a:rPr lang="en-IN" sz="2000"/>
                         <a:t>databaseName</a:t>
                       </a:r>
-                      <a:endParaRPr lang="en-IN" sz="2000" dirty="0">
-                        <a:effectLst/>
-                      </a:endParaRPr>
+                      <a:endParaRPr lang="en-IN" sz="2000"/>
                     </a:p>
                   </a:txBody>
                   <a:tcPr marL="76200" marR="76200" marT="76200" marB="76200">
-                    <a:lnL w="9525" cap="flat" cmpd="sng" algn="ctr">
-                      <a:solidFill>
-                        <a:srgbClr val="DDDDDD"/>
-                      </a:solidFill>
-                      <a:prstDash val="solid"/>
-                      <a:round/>
-                      <a:headEnd type="none" w="med" len="med"/>
-                      <a:tailEnd type="none" w="med" len="med"/>
+                    <a:lnL w="9525" algn="ctr">
+                      <a:solidFill>
+                        <a:srgbClr val="DDDDDD"/>
+                      </a:solidFill>
                     </a:lnL>
-                    <a:lnR w="9525" cap="flat" cmpd="sng" algn="ctr">
-                      <a:solidFill>
-                        <a:srgbClr val="DDDDDD"/>
-                      </a:solidFill>
-                      <a:prstDash val="solid"/>
-                      <a:round/>
-                      <a:headEnd type="none" w="med" len="med"/>
-                      <a:tailEnd type="none" w="med" len="med"/>
+                    <a:lnR w="9525" algn="ctr">
+                      <a:solidFill>
+                        <a:srgbClr val="DDDDDD"/>
+                      </a:solidFill>
                     </a:lnR>
-                    <a:lnT w="9525" cap="flat" cmpd="sng" algn="ctr">
-                      <a:solidFill>
-                        <a:srgbClr val="DDDDDD"/>
-                      </a:solidFill>
-                      <a:prstDash val="solid"/>
-                      <a:round/>
-                      <a:headEnd type="none" w="med" len="med"/>
-                      <a:tailEnd type="none" w="med" len="med"/>
+                    <a:lnT w="9525" algn="ctr">
+                      <a:solidFill>
+                        <a:srgbClr val="DDDDDD"/>
+                      </a:solidFill>
                     </a:lnT>
-                    <a:lnB w="9525" cap="flat" cmpd="sng" algn="ctr">
-                      <a:solidFill>
-                        <a:srgbClr val="DDDDDD"/>
-                      </a:solidFill>
-                      <a:prstDash val="solid"/>
-                      <a:round/>
-                      <a:headEnd type="none" w="med" len="med"/>
-                      <a:tailEnd type="none" w="med" len="med"/>
+                    <a:lnB w="9525" algn="ctr">
+                      <a:solidFill>
+                        <a:srgbClr val="DDDDDD"/>
+                      </a:solidFill>
                     </a:lnB>
                   </a:tcPr>
                 </a:tc>
-                <a:extLst>
-                  <a:ext uri="{0D108BD9-81ED-4DB2-BD59-A6C34878D82A}">
-                    <a16:rowId xmlns:a16="http://schemas.microsoft.com/office/drawing/2014/main" val="3422621216"/>
-                  </a:ext>
-                </a:extLst>
               </a:tr>
             </a:tbl>
           </a:graphicData>
         </a:graphic>
       </p:graphicFrame>
     </p:spTree>
-    <p:extLst>
-      <p:ext uri="{BB962C8B-B14F-4D97-AF65-F5344CB8AC3E}">
-        <p14:creationId xmlns:p14="http://schemas.microsoft.com/office/powerpoint/2010/main" val="1117163291"/>
-      </p:ext>
-    </p:extLst>
   </p:cSld>
   <p:clrMapOvr>
     <a:masterClrMapping/>
   </p:clrMapOvr>
-  <mc:AlternateContent xmlns:mc="http://schemas.openxmlformats.org/markup-compatibility/2006" xmlns:p14="http://schemas.microsoft.com/office/powerpoint/2010/main">
-    <mc:Choice Requires="p14">
-      <p:transition spd="med" p14:dur="700">
-        <p:fade/>
+  <mc:AlternateContent xmlns:mc="http://schemas.openxmlformats.org/markup-compatibility/2006">
+    <mc:Choice xmlns:p14="http://schemas.microsoft.com/office/powerpoint/2010/main" Requires="p14">
+      <p:transition spd="med" p14:dur="700" advClick="1">
+        <p:fade thruBlk="0"/>
       </p:transition>
     </mc:Choice>
-    <mc:Fallback xmlns="">
-      <p:transition spd="med">
-        <p:fade/>
+    <mc:Fallback>
+      <p:transition spd="med" advClick="1">
+        <p:fade thruBlk="0"/>
       </p:transition>
     </mc:Fallback>
   </mc:AlternateContent>
@@ -8383,15 +7571,15 @@
 </file>
 
 <file path=ppt/slides/slide8.xml><?xml version="1.0" encoding="utf-8"?>
-<p:sld xmlns:a="http://schemas.openxmlformats.org/drawingml/2006/main" xmlns:r="http://schemas.openxmlformats.org/officeDocument/2006/relationships" xmlns:p="http://schemas.openxmlformats.org/presentationml/2006/main">
-  <p:cSld>
+<p:sld xmlns:a="http://schemas.openxmlformats.org/drawingml/2006/main" xmlns:r="http://schemas.openxmlformats.org/officeDocument/2006/relationships" xmlns:p="http://schemas.openxmlformats.org/presentationml/2006/main" xmlns:m="http://schemas.openxmlformats.org/officeDocument/2006/math" xmlns:w="http://schemas.openxmlformats.org/wordprocessingml/2006/main" showMasterPhAnim="0" show="1">
+  <p:cSld name="">
     <p:spTree>
       <p:nvGrpSpPr>
         <p:cNvPr id="1" name=""/>
         <p:cNvGrpSpPr/>
         <p:nvPr/>
       </p:nvGrpSpPr>
-      <p:grpSpPr>
+      <p:grpSpPr bwMode="auto">
         <a:xfrm>
           <a:off x="0" y="0"/>
           <a:ext cx="0" cy="0"/>
@@ -8405,7 +7593,7 @@
           <p:cNvSpPr/>
           <p:nvPr/>
         </p:nvSpPr>
-        <p:spPr>
+        <p:spPr bwMode="auto">
           <a:xfrm>
             <a:off x="-32068" y="-76200"/>
             <a:ext cx="9483750" cy="762000"/>
@@ -8415,36 +7603,33 @@
           </a:prstGeom>
         </p:spPr>
         <p:txBody>
-          <a:bodyPr vert="horz" lIns="121899" tIns="60949" rIns="121899" bIns="60949" rtlCol="0" anchor="b">
+          <a:bodyPr vert="horz" lIns="121898" tIns="60949" rIns="121898" bIns="60949" rtlCol="0" anchor="b">
             <a:noAutofit/>
           </a:bodyPr>
           <a:lstStyle/>
           <a:p>
-            <a:pPr defTabSz="914400"/>
-            <a:r>
-              <a:rPr lang="en-US" sz="4000" b="1" dirty="0">
+            <a:pPr defTabSz="914400">
+              <a:defRPr/>
+            </a:pPr>
+            <a:r>
+              <a:rPr lang="en-US" sz="4000" b="1">
                 <a:solidFill>
                   <a:schemeClr val="dk1"/>
                 </a:solidFill>
               </a:rPr>
               <a:t>JDBC Components     </a:t>
             </a:r>
+            <a:endParaRPr/>
           </a:p>
         </p:txBody>
       </p:sp>
       <p:sp>
         <p:nvSpPr>
-          <p:cNvPr id="5" name="TextBox 4">
-            <a:extLst>
-              <a:ext uri="{FF2B5EF4-FFF2-40B4-BE49-F238E27FC236}">
-                <a16:creationId xmlns:a16="http://schemas.microsoft.com/office/drawing/2014/main" id="{0DC3317F-ABEF-2E87-BB1F-78244F3B9CDD}"/>
-              </a:ext>
-            </a:extLst>
-          </p:cNvPr>
+          <p:cNvPr id="5" name="TextBox 4"/>
           <p:cNvSpPr txBox="1"/>
           <p:nvPr/>
         </p:nvSpPr>
-        <p:spPr>
+        <p:spPr bwMode="auto">
           <a:xfrm>
             <a:off x="604414" y="1295400"/>
             <a:ext cx="10979995" cy="2246769"/>
@@ -8460,8 +7645,11 @@
           </a:bodyPr>
           <a:lstStyle/>
           <a:p>
-            <a:r>
-              <a:rPr lang="en-IN" sz="2000" b="1" dirty="0">
+            <a:pPr>
+              <a:defRPr/>
+            </a:pPr>
+            <a:r>
+              <a:rPr lang="en-IN" sz="2000" b="1">
                 <a:solidFill>
                   <a:schemeClr val="accent1"/>
                 </a:solidFill>
@@ -8469,13 +7657,17 @@
               <a:t>Connection</a:t>
             </a:r>
             <a:r>
-              <a:rPr lang="en-IN" sz="2000" dirty="0"/>
+              <a:rPr lang="en-IN" sz="2000"/>
               <a:t> − This interface with all methods for contacting a database. The connection object represents communication context, i.e., all communication with database is through connection object only.</a:t>
             </a:r>
-          </a:p>
-          <a:p>
-            <a:r>
-              <a:rPr lang="en-GB" sz="2000" dirty="0">
+            <a:endParaRPr/>
+          </a:p>
+          <a:p>
+            <a:pPr>
+              <a:defRPr/>
+            </a:pPr>
+            <a:r>
+              <a:rPr lang="en-GB" sz="2000">
                 <a:solidFill>
                   <a:schemeClr val="accent2"/>
                 </a:solidFill>
@@ -8483,7 +7675,7 @@
               <a:t>Connection conn = </a:t>
             </a:r>
             <a:r>
-              <a:rPr lang="en-GB" sz="2000" dirty="0" err="1">
+              <a:rPr lang="en-GB" sz="2000">
                 <a:solidFill>
                   <a:schemeClr val="accent2"/>
                 </a:solidFill>
@@ -8491,29 +7683,35 @@
               <a:t>DriverManager.getConnection</a:t>
             </a:r>
             <a:r>
-              <a:rPr lang="en-GB" sz="2000" dirty="0">
+              <a:rPr lang="en-GB" sz="2000">
                 <a:solidFill>
                   <a:schemeClr val="accent2"/>
                 </a:solidFill>
               </a:rPr>
               <a:t>(URL)</a:t>
             </a:r>
-            <a:endParaRPr lang="en-IN" sz="2000" dirty="0">
+            <a:endParaRPr lang="en-IN" sz="2000">
               <a:solidFill>
                 <a:schemeClr val="accent2"/>
               </a:solidFill>
             </a:endParaRPr>
           </a:p>
           <a:p>
-            <a:endParaRPr lang="en-IN" sz="2000" b="1" dirty="0">
+            <a:pPr>
+              <a:defRPr/>
+            </a:pPr>
+            <a:endParaRPr lang="en-IN" sz="2000" b="1">
               <a:solidFill>
                 <a:schemeClr val="accent1"/>
               </a:solidFill>
             </a:endParaRPr>
           </a:p>
           <a:p>
-            <a:r>
-              <a:rPr lang="en-IN" sz="2000" b="1" dirty="0">
+            <a:pPr>
+              <a:defRPr/>
+            </a:pPr>
+            <a:r>
+              <a:rPr lang="en-IN" sz="2000" b="1">
                 <a:solidFill>
                   <a:schemeClr val="accent1"/>
                 </a:solidFill>
@@ -8521,31 +7719,20 @@
               <a:t>Statement</a:t>
             </a:r>
             <a:r>
-              <a:rPr lang="en-IN" sz="2000" dirty="0"/>
+              <a:rPr lang="en-IN" sz="2000"/>
               <a:t> − You use objects created from this interface to submit the SQL statements to the database. Some derived interfaces accept parameters in addition to executing stored procedures.</a:t>
             </a:r>
+            <a:endParaRPr/>
           </a:p>
         </p:txBody>
       </p:sp>
       <p:graphicFrame>
         <p:nvGraphicFramePr>
-          <p:cNvPr id="2" name="Table 1">
-            <a:extLst>
-              <a:ext uri="{FF2B5EF4-FFF2-40B4-BE49-F238E27FC236}">
-                <a16:creationId xmlns:a16="http://schemas.microsoft.com/office/drawing/2014/main" id="{C96C296A-46B8-2C36-FC9E-12B61A107439}"/>
-              </a:ext>
-            </a:extLst>
-          </p:cNvPr>
+          <p:cNvPr id="2" name="Table 1"/>
           <p:cNvGraphicFramePr>
-            <a:graphicFrameLocks noGrp="1"/>
+            <a:graphicFrameLocks xmlns:a="http://schemas.openxmlformats.org/drawingml/2006/main" noGrp="1"/>
           </p:cNvGraphicFramePr>
-          <p:nvPr>
-            <p:extLst>
-              <p:ext uri="{D42A27DB-BD31-4B8C-83A1-F6EECF244321}">
-                <p14:modId xmlns:p14="http://schemas.microsoft.com/office/powerpoint/2010/main" val="3276086394"/>
-              </p:ext>
-            </p:extLst>
-          </p:nvPr>
+          <p:nvPr/>
         </p:nvGraphicFramePr>
         <p:xfrm>
           <a:off x="570871" y="3733800"/>
@@ -8554,77 +7741,50 @@
         <a:graphic>
           <a:graphicData uri="http://schemas.openxmlformats.org/drawingml/2006/table">
             <a:tbl>
-              <a:tblPr/>
+              <a:tblPr firstRow="0" firstCol="0" lastRow="0" lastCol="0" bandRow="0" bandCol="0"/>
               <a:tblGrid>
-                <a:gridCol w="2403698">
-                  <a:extLst>
-                    <a:ext uri="{9D8B030D-6E8A-4147-A177-3AD203B41FA5}">
-                      <a16:colId xmlns:a16="http://schemas.microsoft.com/office/drawing/2014/main" val="1406607227"/>
-                    </a:ext>
-                  </a:extLst>
-                </a:gridCol>
-                <a:gridCol w="8576297">
-                  <a:extLst>
-                    <a:ext uri="{9D8B030D-6E8A-4147-A177-3AD203B41FA5}">
-                      <a16:colId xmlns:a16="http://schemas.microsoft.com/office/drawing/2014/main" val="2029958586"/>
-                    </a:ext>
-                  </a:extLst>
-                </a:gridCol>
+                <a:gridCol w="2403698"/>
+                <a:gridCol w="8576297"/>
               </a:tblGrid>
               <a:tr h="373414">
                 <a:tc>
                   <a:txBody>
                     <a:bodyPr/>
-                    <a:lstStyle/>
                     <a:p>
-                      <a:pPr algn="l" fontAlgn="t"/>
+                      <a:pPr algn="l">
+                        <a:defRPr/>
+                      </a:pPr>
                       <a:r>
                         <a:rPr lang="en-IN" sz="1800">
                           <a:solidFill>
                             <a:schemeClr val="bg1"/>
                           </a:solidFill>
-                          <a:effectLst/>
                         </a:rPr>
                         <a:t>Interfaces</a:t>
                       </a:r>
+                      <a:endParaRPr/>
                     </a:p>
                   </a:txBody>
                   <a:tcPr marL="64943" marR="64943" marT="64943" marB="64943">
-                    <a:lnL w="9525" cap="flat" cmpd="sng" algn="ctr">
-                      <a:solidFill>
-                        <a:srgbClr val="DDDDDD"/>
-                      </a:solidFill>
-                      <a:prstDash val="solid"/>
-                      <a:round/>
-                      <a:headEnd type="none" w="med" len="med"/>
-                      <a:tailEnd type="none" w="med" len="med"/>
+                    <a:lnL w="9525" algn="ctr">
+                      <a:solidFill>
+                        <a:srgbClr val="DDDDDD"/>
+                      </a:solidFill>
                     </a:lnL>
-                    <a:lnR w="9525" cap="flat" cmpd="sng" algn="ctr">
-                      <a:solidFill>
-                        <a:srgbClr val="DDDDDD"/>
-                      </a:solidFill>
-                      <a:prstDash val="solid"/>
-                      <a:round/>
-                      <a:headEnd type="none" w="med" len="med"/>
-                      <a:tailEnd type="none" w="med" len="med"/>
+                    <a:lnR w="9525" algn="ctr">
+                      <a:solidFill>
+                        <a:srgbClr val="DDDDDD"/>
+                      </a:solidFill>
                     </a:lnR>
-                    <a:lnT w="9525" cap="flat" cmpd="sng" algn="ctr">
-                      <a:solidFill>
-                        <a:srgbClr val="DDDDDD"/>
-                      </a:solidFill>
-                      <a:prstDash val="solid"/>
-                      <a:round/>
-                      <a:headEnd type="none" w="med" len="med"/>
-                      <a:tailEnd type="none" w="med" len="med"/>
+                    <a:lnT w="9525" algn="ctr">
+                      <a:solidFill>
+                        <a:srgbClr val="DDDDDD"/>
+                      </a:solidFill>
                     </a:lnT>
-                    <a:lnB w="9525" cap="flat" cmpd="sng" algn="ctr">
-                      <a:solidFill>
-                        <a:srgbClr val="DDDDDD"/>
-                      </a:solidFill>
-                      <a:prstDash val="solid"/>
-                      <a:round/>
-                      <a:headEnd type="none" w="med" len="med"/>
-                      <a:tailEnd type="none" w="med" len="med"/>
+                    <a:lnB w="9525" algn="ctr">
+                      <a:solidFill>
+                        <a:srgbClr val="DDDDDD"/>
+                      </a:solidFill>
                     </a:lnB>
                     <a:solidFill>
                       <a:schemeClr val="accent1"/>
@@ -8634,442 +7794,302 @@
                 <a:tc>
                   <a:txBody>
                     <a:bodyPr/>
-                    <a:lstStyle/>
                     <a:p>
-                      <a:pPr algn="l" fontAlgn="t"/>
+                      <a:pPr algn="l">
+                        <a:defRPr/>
+                      </a:pPr>
                       <a:r>
-                        <a:rPr lang="en-IN" sz="1800" dirty="0">
+                        <a:rPr lang="en-IN" sz="1800">
                           <a:solidFill>
                             <a:schemeClr val="bg1"/>
                           </a:solidFill>
-                          <a:effectLst/>
                         </a:rPr>
                         <a:t>Recommended Use</a:t>
                       </a:r>
+                      <a:endParaRPr/>
                     </a:p>
                   </a:txBody>
                   <a:tcPr marL="64943" marR="64943" marT="64943" marB="64943">
-                    <a:lnL w="9525" cap="flat" cmpd="sng" algn="ctr">
-                      <a:solidFill>
-                        <a:srgbClr val="DDDDDD"/>
-                      </a:solidFill>
-                      <a:prstDash val="solid"/>
-                      <a:round/>
-                      <a:headEnd type="none" w="med" len="med"/>
-                      <a:tailEnd type="none" w="med" len="med"/>
+                    <a:lnL w="9525" algn="ctr">
+                      <a:solidFill>
+                        <a:srgbClr val="DDDDDD"/>
+                      </a:solidFill>
                     </a:lnL>
-                    <a:lnR w="9525" cap="flat" cmpd="sng" algn="ctr">
-                      <a:solidFill>
-                        <a:srgbClr val="DDDDDD"/>
-                      </a:solidFill>
-                      <a:prstDash val="solid"/>
-                      <a:round/>
-                      <a:headEnd type="none" w="med" len="med"/>
-                      <a:tailEnd type="none" w="med" len="med"/>
+                    <a:lnR w="9525" algn="ctr">
+                      <a:solidFill>
+                        <a:srgbClr val="DDDDDD"/>
+                      </a:solidFill>
                     </a:lnR>
-                    <a:lnT w="9525" cap="flat" cmpd="sng" algn="ctr">
-                      <a:solidFill>
-                        <a:srgbClr val="DDDDDD"/>
-                      </a:solidFill>
-                      <a:prstDash val="solid"/>
-                      <a:round/>
-                      <a:headEnd type="none" w="med" len="med"/>
-                      <a:tailEnd type="none" w="med" len="med"/>
+                    <a:lnT w="9525" algn="ctr">
+                      <a:solidFill>
+                        <a:srgbClr val="DDDDDD"/>
+                      </a:solidFill>
                     </a:lnT>
-                    <a:lnB w="9525" cap="flat" cmpd="sng" algn="ctr">
-                      <a:solidFill>
-                        <a:srgbClr val="DDDDDD"/>
-                      </a:solidFill>
-                      <a:prstDash val="solid"/>
-                      <a:round/>
-                      <a:headEnd type="none" w="med" len="med"/>
-                      <a:tailEnd type="none" w="med" len="med"/>
+                    <a:lnB w="9525" algn="ctr">
+                      <a:solidFill>
+                        <a:srgbClr val="DDDDDD"/>
+                      </a:solidFill>
                     </a:lnB>
                     <a:solidFill>
                       <a:schemeClr val="accent1"/>
                     </a:solidFill>
                   </a:tcPr>
                 </a:tc>
-                <a:extLst>
-                  <a:ext uri="{0D108BD9-81ED-4DB2-BD59-A6C34878D82A}">
-                    <a16:rowId xmlns:a16="http://schemas.microsoft.com/office/drawing/2014/main" val="1097873708"/>
-                  </a:ext>
-                </a:extLst>
               </a:tr>
               <a:tr h="880259">
                 <a:tc>
                   <a:txBody>
                     <a:bodyPr/>
-                    <a:lstStyle/>
                     <a:p>
-                      <a:pPr fontAlgn="t"/>
+                      <a:pPr>
+                        <a:defRPr/>
+                      </a:pPr>
                       <a:r>
-                        <a:rPr lang="en-IN" sz="1800">
-                          <a:effectLst/>
-                        </a:rPr>
+                        <a:rPr lang="en-IN" sz="1800"/>
                         <a:t>Statement</a:t>
                       </a:r>
+                      <a:endParaRPr/>
                     </a:p>
                   </a:txBody>
                   <a:tcPr marL="64943" marR="64943" marT="64943" marB="64943">
-                    <a:lnL w="9525" cap="flat" cmpd="sng" algn="ctr">
-                      <a:solidFill>
-                        <a:srgbClr val="DDDDDD"/>
-                      </a:solidFill>
-                      <a:prstDash val="solid"/>
-                      <a:round/>
-                      <a:headEnd type="none" w="med" len="med"/>
-                      <a:tailEnd type="none" w="med" len="med"/>
+                    <a:lnL w="9525" algn="ctr">
+                      <a:solidFill>
+                        <a:srgbClr val="DDDDDD"/>
+                      </a:solidFill>
                     </a:lnL>
-                    <a:lnR w="9525" cap="flat" cmpd="sng" algn="ctr">
-                      <a:solidFill>
-                        <a:srgbClr val="DDDDDD"/>
-                      </a:solidFill>
-                      <a:prstDash val="solid"/>
-                      <a:round/>
-                      <a:headEnd type="none" w="med" len="med"/>
-                      <a:tailEnd type="none" w="med" len="med"/>
+                    <a:lnR w="9525" algn="ctr">
+                      <a:solidFill>
+                        <a:srgbClr val="DDDDDD"/>
+                      </a:solidFill>
                     </a:lnR>
-                    <a:lnT w="9525" cap="flat" cmpd="sng" algn="ctr">
-                      <a:solidFill>
-                        <a:srgbClr val="DDDDDD"/>
-                      </a:solidFill>
-                      <a:prstDash val="solid"/>
-                      <a:round/>
-                      <a:headEnd type="none" w="med" len="med"/>
-                      <a:tailEnd type="none" w="med" len="med"/>
+                    <a:lnT w="9525" algn="ctr">
+                      <a:solidFill>
+                        <a:srgbClr val="DDDDDD"/>
+                      </a:solidFill>
                     </a:lnT>
-                    <a:lnB w="9525" cap="flat" cmpd="sng" algn="ctr">
-                      <a:solidFill>
-                        <a:srgbClr val="DDDDDD"/>
-                      </a:solidFill>
-                      <a:prstDash val="solid"/>
-                      <a:round/>
-                      <a:headEnd type="none" w="med" len="med"/>
-                      <a:tailEnd type="none" w="med" len="med"/>
+                    <a:lnB w="9525" algn="ctr">
+                      <a:solidFill>
+                        <a:srgbClr val="DDDDDD"/>
+                      </a:solidFill>
                     </a:lnB>
                   </a:tcPr>
                 </a:tc>
                 <a:tc>
                   <a:txBody>
                     <a:bodyPr/>
-                    <a:lstStyle/>
                     <a:p>
-                      <a:pPr fontAlgn="t"/>
+                      <a:pPr>
+                        <a:defRPr/>
+                      </a:pPr>
                       <a:r>
-                        <a:rPr lang="en-GB" sz="1800" dirty="0">
-                          <a:effectLst/>
-                        </a:rPr>
+                        <a:rPr lang="en-GB" sz="1800"/>
                         <a:t>Use this for general-purpose access to your database. Useful when you are using static SQL statements at runtime. The Statement interface cannot accept parameters.</a:t>
                       </a:r>
+                      <a:endParaRPr/>
                     </a:p>
                   </a:txBody>
                   <a:tcPr marL="64943" marR="64943" marT="64943" marB="64943">
-                    <a:lnL w="9525" cap="flat" cmpd="sng" algn="ctr">
-                      <a:solidFill>
-                        <a:srgbClr val="DDDDDD"/>
-                      </a:solidFill>
-                      <a:prstDash val="solid"/>
-                      <a:round/>
-                      <a:headEnd type="none" w="med" len="med"/>
-                      <a:tailEnd type="none" w="med" len="med"/>
+                    <a:lnL w="9525" algn="ctr">
+                      <a:solidFill>
+                        <a:srgbClr val="DDDDDD"/>
+                      </a:solidFill>
                     </a:lnL>
-                    <a:lnR w="9525" cap="flat" cmpd="sng" algn="ctr">
-                      <a:solidFill>
-                        <a:srgbClr val="DDDDDD"/>
-                      </a:solidFill>
-                      <a:prstDash val="solid"/>
-                      <a:round/>
-                      <a:headEnd type="none" w="med" len="med"/>
-                      <a:tailEnd type="none" w="med" len="med"/>
+                    <a:lnR w="9525" algn="ctr">
+                      <a:solidFill>
+                        <a:srgbClr val="DDDDDD"/>
+                      </a:solidFill>
                     </a:lnR>
-                    <a:lnT w="9525" cap="flat" cmpd="sng" algn="ctr">
-                      <a:solidFill>
-                        <a:srgbClr val="DDDDDD"/>
-                      </a:solidFill>
-                      <a:prstDash val="solid"/>
-                      <a:round/>
-                      <a:headEnd type="none" w="med" len="med"/>
-                      <a:tailEnd type="none" w="med" len="med"/>
+                    <a:lnT w="9525" algn="ctr">
+                      <a:solidFill>
+                        <a:srgbClr val="DDDDDD"/>
+                      </a:solidFill>
                     </a:lnT>
-                    <a:lnB w="9525" cap="flat" cmpd="sng" algn="ctr">
-                      <a:solidFill>
-                        <a:srgbClr val="DDDDDD"/>
-                      </a:solidFill>
-                      <a:prstDash val="solid"/>
-                      <a:round/>
-                      <a:headEnd type="none" w="med" len="med"/>
-                      <a:tailEnd type="none" w="med" len="med"/>
+                    <a:lnB w="9525" algn="ctr">
+                      <a:solidFill>
+                        <a:srgbClr val="DDDDDD"/>
+                      </a:solidFill>
                     </a:lnB>
                   </a:tcPr>
                 </a:tc>
-                <a:extLst>
-                  <a:ext uri="{0D108BD9-81ED-4DB2-BD59-A6C34878D82A}">
-                    <a16:rowId xmlns:a16="http://schemas.microsoft.com/office/drawing/2014/main" val="2794845412"/>
-                  </a:ext>
-                </a:extLst>
               </a:tr>
               <a:tr h="626837">
                 <a:tc>
                   <a:txBody>
                     <a:bodyPr/>
-                    <a:lstStyle/>
                     <a:p>
-                      <a:pPr fontAlgn="t"/>
+                      <a:pPr>
+                        <a:defRPr/>
+                      </a:pPr>
                       <a:r>
-                        <a:rPr lang="en-IN" sz="1800">
-                          <a:effectLst/>
-                        </a:rPr>
+                        <a:rPr lang="en-IN" sz="1800"/>
                         <a:t>PreparedStatement</a:t>
                       </a:r>
+                      <a:endParaRPr/>
                     </a:p>
                   </a:txBody>
                   <a:tcPr marL="64943" marR="64943" marT="64943" marB="64943">
-                    <a:lnL w="9525" cap="flat" cmpd="sng" algn="ctr">
-                      <a:solidFill>
-                        <a:srgbClr val="DDDDDD"/>
-                      </a:solidFill>
-                      <a:prstDash val="solid"/>
-                      <a:round/>
-                      <a:headEnd type="none" w="med" len="med"/>
-                      <a:tailEnd type="none" w="med" len="med"/>
+                    <a:lnL w="9525" algn="ctr">
+                      <a:solidFill>
+                        <a:srgbClr val="DDDDDD"/>
+                      </a:solidFill>
                     </a:lnL>
-                    <a:lnR w="9525" cap="flat" cmpd="sng" algn="ctr">
-                      <a:solidFill>
-                        <a:srgbClr val="DDDDDD"/>
-                      </a:solidFill>
-                      <a:prstDash val="solid"/>
-                      <a:round/>
-                      <a:headEnd type="none" w="med" len="med"/>
-                      <a:tailEnd type="none" w="med" len="med"/>
+                    <a:lnR w="9525" algn="ctr">
+                      <a:solidFill>
+                        <a:srgbClr val="DDDDDD"/>
+                      </a:solidFill>
                     </a:lnR>
-                    <a:lnT w="9525" cap="flat" cmpd="sng" algn="ctr">
-                      <a:solidFill>
-                        <a:srgbClr val="DDDDDD"/>
-                      </a:solidFill>
-                      <a:prstDash val="solid"/>
-                      <a:round/>
-                      <a:headEnd type="none" w="med" len="med"/>
-                      <a:tailEnd type="none" w="med" len="med"/>
+                    <a:lnT w="9525" algn="ctr">
+                      <a:solidFill>
+                        <a:srgbClr val="DDDDDD"/>
+                      </a:solidFill>
                     </a:lnT>
-                    <a:lnB w="9525" cap="flat" cmpd="sng" algn="ctr">
-                      <a:solidFill>
-                        <a:srgbClr val="DDDDDD"/>
-                      </a:solidFill>
-                      <a:prstDash val="solid"/>
-                      <a:round/>
-                      <a:headEnd type="none" w="med" len="med"/>
-                      <a:tailEnd type="none" w="med" len="med"/>
+                    <a:lnB w="9525" algn="ctr">
+                      <a:solidFill>
+                        <a:srgbClr val="DDDDDD"/>
+                      </a:solidFill>
                     </a:lnB>
                   </a:tcPr>
                 </a:tc>
                 <a:tc>
                   <a:txBody>
                     <a:bodyPr/>
-                    <a:lstStyle/>
                     <a:p>
-                      <a:pPr fontAlgn="t"/>
+                      <a:pPr>
+                        <a:defRPr/>
+                      </a:pPr>
                       <a:r>
-                        <a:rPr lang="en-GB" sz="1800">
-                          <a:effectLst/>
-                        </a:rPr>
+                        <a:rPr lang="en-GB" sz="1800"/>
                         <a:t>Use this when you plan to use the SQL statements many times. The PreparedStatement interface accepts input parameters at runtime.</a:t>
                       </a:r>
+                      <a:endParaRPr/>
                     </a:p>
                   </a:txBody>
                   <a:tcPr marL="64943" marR="64943" marT="64943" marB="64943">
-                    <a:lnL w="9525" cap="flat" cmpd="sng" algn="ctr">
-                      <a:solidFill>
-                        <a:srgbClr val="DDDDDD"/>
-                      </a:solidFill>
-                      <a:prstDash val="solid"/>
-                      <a:round/>
-                      <a:headEnd type="none" w="med" len="med"/>
-                      <a:tailEnd type="none" w="med" len="med"/>
+                    <a:lnL w="9525" algn="ctr">
+                      <a:solidFill>
+                        <a:srgbClr val="DDDDDD"/>
+                      </a:solidFill>
                     </a:lnL>
-                    <a:lnR w="9525" cap="flat" cmpd="sng" algn="ctr">
-                      <a:solidFill>
-                        <a:srgbClr val="DDDDDD"/>
-                      </a:solidFill>
-                      <a:prstDash val="solid"/>
-                      <a:round/>
-                      <a:headEnd type="none" w="med" len="med"/>
-                      <a:tailEnd type="none" w="med" len="med"/>
+                    <a:lnR w="9525" algn="ctr">
+                      <a:solidFill>
+                        <a:srgbClr val="DDDDDD"/>
+                      </a:solidFill>
                     </a:lnR>
-                    <a:lnT w="9525" cap="flat" cmpd="sng" algn="ctr">
-                      <a:solidFill>
-                        <a:srgbClr val="DDDDDD"/>
-                      </a:solidFill>
-                      <a:prstDash val="solid"/>
-                      <a:round/>
-                      <a:headEnd type="none" w="med" len="med"/>
-                      <a:tailEnd type="none" w="med" len="med"/>
+                    <a:lnT w="9525" algn="ctr">
+                      <a:solidFill>
+                        <a:srgbClr val="DDDDDD"/>
+                      </a:solidFill>
                     </a:lnT>
-                    <a:lnB w="9525" cap="flat" cmpd="sng" algn="ctr">
-                      <a:solidFill>
-                        <a:srgbClr val="DDDDDD"/>
-                      </a:solidFill>
-                      <a:prstDash val="solid"/>
-                      <a:round/>
-                      <a:headEnd type="none" w="med" len="med"/>
-                      <a:tailEnd type="none" w="med" len="med"/>
+                    <a:lnB w="9525" algn="ctr">
+                      <a:solidFill>
+                        <a:srgbClr val="DDDDDD"/>
+                      </a:solidFill>
                     </a:lnB>
                   </a:tcPr>
                 </a:tc>
-                <a:extLst>
-                  <a:ext uri="{0D108BD9-81ED-4DB2-BD59-A6C34878D82A}">
-                    <a16:rowId xmlns:a16="http://schemas.microsoft.com/office/drawing/2014/main" val="1299464041"/>
-                  </a:ext>
-                </a:extLst>
               </a:tr>
               <a:tr h="978121">
                 <a:tc>
                   <a:txBody>
                     <a:bodyPr/>
-                    <a:lstStyle/>
                     <a:p>
-                      <a:pPr fontAlgn="t"/>
+                      <a:pPr>
+                        <a:defRPr/>
+                      </a:pPr>
                       <a:r>
-                        <a:rPr lang="en-IN" sz="1800">
-                          <a:effectLst/>
-                        </a:rPr>
+                        <a:rPr lang="en-IN" sz="1800"/>
                         <a:t>CallableStatement</a:t>
                       </a:r>
+                      <a:endParaRPr/>
                     </a:p>
                   </a:txBody>
                   <a:tcPr marL="64943" marR="64943" marT="64943" marB="64943">
-                    <a:lnL w="9525" cap="flat" cmpd="sng" algn="ctr">
-                      <a:solidFill>
-                        <a:srgbClr val="DDDDDD"/>
-                      </a:solidFill>
-                      <a:prstDash val="solid"/>
-                      <a:round/>
-                      <a:headEnd type="none" w="med" len="med"/>
-                      <a:tailEnd type="none" w="med" len="med"/>
+                    <a:lnL w="9525" algn="ctr">
+                      <a:solidFill>
+                        <a:srgbClr val="DDDDDD"/>
+                      </a:solidFill>
                     </a:lnL>
-                    <a:lnR w="9525" cap="flat" cmpd="sng" algn="ctr">
-                      <a:solidFill>
-                        <a:srgbClr val="DDDDDD"/>
-                      </a:solidFill>
-                      <a:prstDash val="solid"/>
-                      <a:round/>
-                      <a:headEnd type="none" w="med" len="med"/>
-                      <a:tailEnd type="none" w="med" len="med"/>
+                    <a:lnR w="9525" algn="ctr">
+                      <a:solidFill>
+                        <a:srgbClr val="DDDDDD"/>
+                      </a:solidFill>
                     </a:lnR>
-                    <a:lnT w="9525" cap="flat" cmpd="sng" algn="ctr">
-                      <a:solidFill>
-                        <a:srgbClr val="DDDDDD"/>
-                      </a:solidFill>
-                      <a:prstDash val="solid"/>
-                      <a:round/>
-                      <a:headEnd type="none" w="med" len="med"/>
-                      <a:tailEnd type="none" w="med" len="med"/>
+                    <a:lnT w="9525" algn="ctr">
+                      <a:solidFill>
+                        <a:srgbClr val="DDDDDD"/>
+                      </a:solidFill>
                     </a:lnT>
-                    <a:lnB w="9525" cap="flat" cmpd="sng" algn="ctr">
-                      <a:solidFill>
-                        <a:srgbClr val="DDDDDD"/>
-                      </a:solidFill>
-                      <a:prstDash val="solid"/>
-                      <a:round/>
-                      <a:headEnd type="none" w="med" len="med"/>
-                      <a:tailEnd type="none" w="med" len="med"/>
+                    <a:lnB w="9525" algn="ctr">
+                      <a:solidFill>
+                        <a:srgbClr val="DDDDDD"/>
+                      </a:solidFill>
                     </a:lnB>
                   </a:tcPr>
                 </a:tc>
                 <a:tc>
                   <a:txBody>
                     <a:bodyPr/>
-                    <a:lstStyle/>
                     <a:p>
-                      <a:pPr fontAlgn="t"/>
+                      <a:pPr>
+                        <a:defRPr/>
+                      </a:pPr>
                       <a:r>
-                        <a:rPr lang="en-GB" sz="1800" dirty="0">
-                          <a:effectLst/>
-                        </a:rPr>
+                        <a:rPr lang="en-GB" sz="1800"/>
                         <a:t>Use this when you want to access the database stored procedures. The </a:t>
                       </a:r>
                       <a:r>
-                        <a:rPr lang="en-GB" sz="1800" dirty="0" err="1">
-                          <a:effectLst/>
-                        </a:rPr>
+                        <a:rPr lang="en-GB" sz="1800"/>
                         <a:t>CallableStatement</a:t>
                       </a:r>
                       <a:r>
-                        <a:rPr lang="en-GB" sz="1800" dirty="0">
-                          <a:effectLst/>
-                        </a:rPr>
+                        <a:rPr lang="en-GB" sz="1800"/>
                         <a:t> interface can also accept runtime input parameters.</a:t>
                       </a:r>
+                      <a:endParaRPr/>
                     </a:p>
                   </a:txBody>
                   <a:tcPr marL="64943" marR="64943" marT="64943" marB="64943">
-                    <a:lnL w="9525" cap="flat" cmpd="sng" algn="ctr">
-                      <a:solidFill>
-                        <a:srgbClr val="DDDDDD"/>
-                      </a:solidFill>
-                      <a:prstDash val="solid"/>
-                      <a:round/>
-                      <a:headEnd type="none" w="med" len="med"/>
-                      <a:tailEnd type="none" w="med" len="med"/>
+                    <a:lnL w="9525" algn="ctr">
+                      <a:solidFill>
+                        <a:srgbClr val="DDDDDD"/>
+                      </a:solidFill>
                     </a:lnL>
-                    <a:lnR w="9525" cap="flat" cmpd="sng" algn="ctr">
-                      <a:solidFill>
-                        <a:srgbClr val="DDDDDD"/>
-                      </a:solidFill>
-                      <a:prstDash val="solid"/>
-                      <a:round/>
-                      <a:headEnd type="none" w="med" len="med"/>
-                      <a:tailEnd type="none" w="med" len="med"/>
+                    <a:lnR w="9525" algn="ctr">
+                      <a:solidFill>
+                        <a:srgbClr val="DDDDDD"/>
+                      </a:solidFill>
                     </a:lnR>
-                    <a:lnT w="9525" cap="flat" cmpd="sng" algn="ctr">
-                      <a:solidFill>
-                        <a:srgbClr val="DDDDDD"/>
-                      </a:solidFill>
-                      <a:prstDash val="solid"/>
-                      <a:round/>
-                      <a:headEnd type="none" w="med" len="med"/>
-                      <a:tailEnd type="none" w="med" len="med"/>
+                    <a:lnT w="9525" algn="ctr">
+                      <a:solidFill>
+                        <a:srgbClr val="DDDDDD"/>
+                      </a:solidFill>
                     </a:lnT>
-                    <a:lnB w="9525" cap="flat" cmpd="sng" algn="ctr">
-                      <a:solidFill>
-                        <a:srgbClr val="DDDDDD"/>
-                      </a:solidFill>
-                      <a:prstDash val="solid"/>
-                      <a:round/>
-                      <a:headEnd type="none" w="med" len="med"/>
-                      <a:tailEnd type="none" w="med" len="med"/>
+                    <a:lnB w="9525" algn="ctr">
+                      <a:solidFill>
+                        <a:srgbClr val="DDDDDD"/>
+                      </a:solidFill>
                     </a:lnB>
                   </a:tcPr>
                 </a:tc>
-                <a:extLst>
-                  <a:ext uri="{0D108BD9-81ED-4DB2-BD59-A6C34878D82A}">
-                    <a16:rowId xmlns:a16="http://schemas.microsoft.com/office/drawing/2014/main" val="313338681"/>
-                  </a:ext>
-                </a:extLst>
               </a:tr>
             </a:tbl>
           </a:graphicData>
         </a:graphic>
       </p:graphicFrame>
     </p:spTree>
-    <p:extLst>
-      <p:ext uri="{BB962C8B-B14F-4D97-AF65-F5344CB8AC3E}">
-        <p14:creationId xmlns:p14="http://schemas.microsoft.com/office/powerpoint/2010/main" val="3890972023"/>
-      </p:ext>
-    </p:extLst>
   </p:cSld>
   <p:clrMapOvr>
     <a:masterClrMapping/>
   </p:clrMapOvr>
   <mc:AlternateContent xmlns:mc="http://schemas.openxmlformats.org/markup-compatibility/2006">
     <mc:Choice xmlns:p14="http://schemas.microsoft.com/office/powerpoint/2010/main" Requires="p14">
-      <p:transition spd="med" p14:dur="700">
-        <p:fade/>
+      <p:transition spd="med" p14:dur="700" advClick="1">
+        <p:fade thruBlk="0"/>
       </p:transition>
     </mc:Choice>
     <mc:Fallback>
-      <p:transition spd="med">
-        <p:fade/>
+      <p:transition spd="med" advClick="1">
+        <p:fade thruBlk="0"/>
       </p:transition>
     </mc:Fallback>
   </mc:AlternateContent>
@@ -9077,15 +8097,15 @@
 </file>
 
 <file path=ppt/slides/slide9.xml><?xml version="1.0" encoding="utf-8"?>
-<p:sld xmlns:a="http://schemas.openxmlformats.org/drawingml/2006/main" xmlns:r="http://schemas.openxmlformats.org/officeDocument/2006/relationships" xmlns:p="http://schemas.openxmlformats.org/presentationml/2006/main">
-  <p:cSld>
+<p:sld xmlns:a="http://schemas.openxmlformats.org/drawingml/2006/main" xmlns:r="http://schemas.openxmlformats.org/officeDocument/2006/relationships" xmlns:p="http://schemas.openxmlformats.org/presentationml/2006/main" xmlns:m="http://schemas.openxmlformats.org/officeDocument/2006/math" xmlns:w="http://schemas.openxmlformats.org/wordprocessingml/2006/main" showMasterPhAnim="0" show="1">
+  <p:cSld name="">
     <p:spTree>
       <p:nvGrpSpPr>
         <p:cNvPr id="1" name=""/>
         <p:cNvGrpSpPr/>
         <p:nvPr/>
       </p:nvGrpSpPr>
-      <p:grpSpPr>
+      <p:grpSpPr bwMode="auto">
         <a:xfrm>
           <a:off x="0" y="0"/>
           <a:ext cx="0" cy="0"/>
@@ -9099,7 +8119,7 @@
           <p:cNvSpPr/>
           <p:nvPr/>
         </p:nvSpPr>
-        <p:spPr>
+        <p:spPr bwMode="auto">
           <a:xfrm>
             <a:off x="-32068" y="-76200"/>
             <a:ext cx="9483750" cy="762000"/>
@@ -9109,36 +8129,33 @@
           </a:prstGeom>
         </p:spPr>
         <p:txBody>
-          <a:bodyPr vert="horz" lIns="121899" tIns="60949" rIns="121899" bIns="60949" rtlCol="0" anchor="b">
+          <a:bodyPr vert="horz" lIns="121898" tIns="60949" rIns="121898" bIns="60949" rtlCol="0" anchor="b">
             <a:noAutofit/>
           </a:bodyPr>
           <a:lstStyle/>
           <a:p>
-            <a:pPr defTabSz="914400"/>
-            <a:r>
-              <a:rPr lang="en-US" sz="4000" b="1" dirty="0">
+            <a:pPr defTabSz="914400">
+              <a:defRPr/>
+            </a:pPr>
+            <a:r>
+              <a:rPr lang="en-US" sz="4000" b="1">
                 <a:solidFill>
                   <a:schemeClr val="dk1"/>
                 </a:solidFill>
               </a:rPr>
               <a:t>JDBC Components     </a:t>
             </a:r>
+            <a:endParaRPr/>
           </a:p>
         </p:txBody>
       </p:sp>
       <p:sp>
         <p:nvSpPr>
-          <p:cNvPr id="5" name="TextBox 4">
-            <a:extLst>
-              <a:ext uri="{FF2B5EF4-FFF2-40B4-BE49-F238E27FC236}">
-                <a16:creationId xmlns:a16="http://schemas.microsoft.com/office/drawing/2014/main" id="{0DC3317F-ABEF-2E87-BB1F-78244F3B9CDD}"/>
-              </a:ext>
-            </a:extLst>
-          </p:cNvPr>
+          <p:cNvPr id="5" name="TextBox 4"/>
           <p:cNvSpPr txBox="1"/>
           <p:nvPr/>
         </p:nvSpPr>
-        <p:spPr>
+        <p:spPr bwMode="auto">
           <a:xfrm>
             <a:off x="604414" y="1865055"/>
             <a:ext cx="10979995" cy="2554545"/>
@@ -9154,8 +8171,11 @@
           </a:bodyPr>
           <a:lstStyle/>
           <a:p>
-            <a:r>
-              <a:rPr lang="en-IN" sz="2000" b="1" dirty="0" err="1">
+            <a:pPr>
+              <a:defRPr/>
+            </a:pPr>
+            <a:r>
+              <a:rPr lang="en-IN" sz="2000" b="1">
                 <a:solidFill>
                   <a:schemeClr val="accent1"/>
                 </a:solidFill>
@@ -9163,36 +8183,53 @@
               <a:t>ResultSet</a:t>
             </a:r>
             <a:r>
-              <a:rPr lang="en-IN" sz="2000" dirty="0"/>
+              <a:rPr lang="en-IN" sz="2000"/>
               <a:t> − These objects hold data retrieved from a database after you execute an SQL query using Statement objects. It acts as an iterator to allow you to move through its data.</a:t>
             </a:r>
-          </a:p>
-          <a:p>
-            <a:r>
-              <a:rPr lang="en-GB" sz="2000" dirty="0"/>
+            <a:endParaRPr/>
+          </a:p>
+          <a:p>
+            <a:pPr>
+              <a:defRPr/>
+            </a:pPr>
+            <a:r>
+              <a:rPr lang="en-GB" sz="2000"/>
               <a:t>The object of </a:t>
             </a:r>
             <a:r>
-              <a:rPr lang="en-GB" sz="2000" dirty="0" err="1"/>
+              <a:rPr lang="en-GB" sz="2000"/>
               <a:t>ResultSet</a:t>
             </a:r>
             <a:r>
-              <a:rPr lang="en-GB" sz="2000" dirty="0"/>
+              <a:rPr lang="en-GB" sz="2000"/>
               <a:t> maintains a cursor pointing to a row of a table. Initially, cursor points to before the first row.</a:t>
             </a:r>
-          </a:p>
-          <a:p>
-            <a:endParaRPr lang="en-GB" sz="2000" dirty="0"/>
-          </a:p>
-          <a:p>
-            <a:endParaRPr lang="en-IN" sz="2000" dirty="0"/>
-          </a:p>
-          <a:p>
-            <a:endParaRPr lang="en-IN" sz="2000" dirty="0"/>
-          </a:p>
-          <a:p>
-            <a:r>
-              <a:rPr lang="en-IN" sz="2000" b="1" dirty="0" err="1">
+            <a:endParaRPr/>
+          </a:p>
+          <a:p>
+            <a:pPr>
+              <a:defRPr/>
+            </a:pPr>
+            <a:endParaRPr lang="en-GB" sz="2000"/>
+          </a:p>
+          <a:p>
+            <a:pPr>
+              <a:defRPr/>
+            </a:pPr>
+            <a:endParaRPr lang="en-IN" sz="2000"/>
+          </a:p>
+          <a:p>
+            <a:pPr>
+              <a:defRPr/>
+            </a:pPr>
+            <a:endParaRPr lang="en-IN" sz="2000"/>
+          </a:p>
+          <a:p>
+            <a:pPr>
+              <a:defRPr/>
+            </a:pPr>
+            <a:r>
+              <a:rPr lang="en-IN" sz="2000" b="1">
                 <a:solidFill>
                   <a:schemeClr val="accent1"/>
                 </a:solidFill>
@@ -9200,31 +8237,27 @@
               <a:t>SQLException</a:t>
             </a:r>
             <a:r>
-              <a:rPr lang="en-IN" sz="2000" dirty="0"/>
+              <a:rPr lang="en-IN" sz="2000"/>
               <a:t> − This class handles any errors that occur in a database application.</a:t>
             </a:r>
+            <a:endParaRPr/>
           </a:p>
         </p:txBody>
       </p:sp>
     </p:spTree>
-    <p:extLst>
-      <p:ext uri="{BB962C8B-B14F-4D97-AF65-F5344CB8AC3E}">
-        <p14:creationId xmlns:p14="http://schemas.microsoft.com/office/powerpoint/2010/main" val="1118732512"/>
-      </p:ext>
-    </p:extLst>
   </p:cSld>
   <p:clrMapOvr>
     <a:masterClrMapping/>
   </p:clrMapOvr>
   <mc:AlternateContent xmlns:mc="http://schemas.openxmlformats.org/markup-compatibility/2006">
     <mc:Choice xmlns:p14="http://schemas.microsoft.com/office/powerpoint/2010/main" Requires="p14">
-      <p:transition spd="med" p14:dur="700">
-        <p:fade/>
+      <p:transition spd="med" p14:dur="700" advClick="1">
+        <p:fade thruBlk="0"/>
       </p:transition>
     </mc:Choice>
     <mc:Fallback>
-      <p:transition spd="med">
-        <p:fade/>
+      <p:transition spd="med" advClick="1">
+        <p:fade thruBlk="0"/>
       </p:transition>
     </mc:Fallback>
   </mc:AlternateContent>
@@ -9232,7 +8265,7 @@
 </file>
 
 <file path=ppt/theme/theme1.xml><?xml version="1.0" encoding="utf-8"?>
-<a:theme xmlns:a="http://schemas.openxmlformats.org/drawingml/2006/main" name="Cooking 16x9">
+<a:theme xmlns:a="http://schemas.openxmlformats.org/drawingml/2006/main" xmlns:r="http://schemas.openxmlformats.org/officeDocument/2006/relationships" xmlns:p="http://schemas.openxmlformats.org/presentationml/2006/main" name="Cooking 16x9">
   <a:themeElements>
     <a:clrScheme name="Cooking_16x9">
       <a:dk1>
@@ -9275,73 +8308,13 @@
     <a:fontScheme name="Constantia">
       <a:majorFont>
         <a:latin typeface="Constantia"/>
-        <a:ea typeface=""/>
-        <a:cs typeface=""/>
-        <a:font script="Jpan" typeface="ＭＳ ゴシック"/>
-        <a:font script="Hang" typeface="HY중고딕"/>
-        <a:font script="Hans" typeface="幼圆"/>
-        <a:font script="Hant" typeface="微軟正黑體"/>
-        <a:font script="Arab" typeface="Tahoma"/>
-        <a:font script="Hebr" typeface="Gisha"/>
-        <a:font script="Thai" typeface="DilleniaUPC"/>
-        <a:font script="Ethi" typeface="Nyala"/>
-        <a:font script="Beng" typeface="Vrinda"/>
-        <a:font script="Gujr" typeface="Shruti"/>
-        <a:font script="Khmr" typeface="DaunPenh"/>
-        <a:font script="Knda" typeface="Tunga"/>
-        <a:font script="Guru" typeface="Raavi"/>
-        <a:font script="Cans" typeface="Euphemia"/>
-        <a:font script="Cher" typeface="Plantagenet Cherokee"/>
-        <a:font script="Yiii" typeface="Microsoft Yi Baiti"/>
-        <a:font script="Tibt" typeface="Microsoft Himalaya"/>
-        <a:font script="Thaa" typeface="MV Boli"/>
-        <a:font script="Deva" typeface="Mangal"/>
-        <a:font script="Telu" typeface="Gautami"/>
-        <a:font script="Taml" typeface="Latha"/>
-        <a:font script="Syrc" typeface="Estrangelo Edessa"/>
-        <a:font script="Orya" typeface="Kalinga"/>
-        <a:font script="Mlym" typeface="Kartika"/>
-        <a:font script="Laoo" typeface="DokChampa"/>
-        <a:font script="Sinh" typeface="Iskoola Pota"/>
-        <a:font script="Mong" typeface="Mongolian Baiti"/>
-        <a:font script="Viet" typeface="Tahoma"/>
-        <a:font script="Uigh" typeface="Microsoft Uighur"/>
-        <a:font script="Geor" typeface="Sylfaen"/>
+        <a:ea typeface="Arial"/>
+        <a:cs typeface="Arial"/>
       </a:majorFont>
       <a:minorFont>
         <a:latin typeface="Constantia"/>
-        <a:ea typeface=""/>
-        <a:cs typeface=""/>
-        <a:font script="Jpan" typeface="ＭＳ ゴシック"/>
-        <a:font script="Hang" typeface="HY중고딕"/>
-        <a:font script="Hans" typeface="幼圆"/>
-        <a:font script="Hant" typeface="微軟正黑體"/>
-        <a:font script="Arab" typeface="Tahoma"/>
-        <a:font script="Hebr" typeface="Gisha"/>
-        <a:font script="Thai" typeface="DilleniaUPC"/>
-        <a:font script="Ethi" typeface="Nyala"/>
-        <a:font script="Beng" typeface="Vrinda"/>
-        <a:font script="Gujr" typeface="Shruti"/>
-        <a:font script="Khmr" typeface="DaunPenh"/>
-        <a:font script="Knda" typeface="Tunga"/>
-        <a:font script="Guru" typeface="Raavi"/>
-        <a:font script="Cans" typeface="Euphemia"/>
-        <a:font script="Cher" typeface="Plantagenet Cherokee"/>
-        <a:font script="Yiii" typeface="Microsoft Yi Baiti"/>
-        <a:font script="Tibt" typeface="Microsoft Himalaya"/>
-        <a:font script="Thaa" typeface="MV Boli"/>
-        <a:font script="Deva" typeface="Mangal"/>
-        <a:font script="Telu" typeface="Gautami"/>
-        <a:font script="Taml" typeface="Latha"/>
-        <a:font script="Syrc" typeface="Estrangelo Edessa"/>
-        <a:font script="Orya" typeface="Kalinga"/>
-        <a:font script="Mlym" typeface="Kartika"/>
-        <a:font script="Laoo" typeface="DokChampa"/>
-        <a:font script="Sinh" typeface="Iskoola Pota"/>
-        <a:font script="Mong" typeface="Mongolian Baiti"/>
-        <a:font script="Viet" typeface="Verdana"/>
-        <a:font script="Uigh" typeface="Microsoft Uighur"/>
-        <a:font script="Geor" typeface="Sylfaen"/>
+        <a:ea typeface="Arial"/>
+        <a:cs typeface="Arial"/>
       </a:minorFont>
     </a:fontScheme>
     <a:fmtScheme name="1SubtleSolids">
@@ -9378,8 +8351,8 @@
           <a:solidFill>
             <a:schemeClr val="phClr">
               <a:shade val="95000"/>
+              <a:satMod val="150000"/>
               <a:alpha val="50000"/>
-              <a:satMod val="150000"/>
             </a:schemeClr>
           </a:solidFill>
           <a:prstDash val="solid"/>
@@ -9387,35 +8360,38 @@
       </a:lnStyleLst>
       <a:effectStyleLst>
         <a:effectStyle>
-          <a:effectLst/>
-        </a:effectStyle>
-        <a:effectStyle>
-          <a:effectLst/>
+          <a:effectLst>
+            <a:outerShdw blurRad="40000" dist="20000" dir="5400000" rotWithShape="0">
+              <a:srgbClr val="000000">
+                <a:alpha val="38000"/>
+              </a:srgbClr>
+            </a:outerShdw>
+          </a:effectLst>
         </a:effectStyle>
         <a:effectStyle>
           <a:effectLst>
-            <a:outerShdw blurRad="44450" dist="13970" dir="5400000" algn="ctr" rotWithShape="0">
+            <a:outerShdw blurRad="40000" dist="23000" dir="5400000" rotWithShape="0">
               <a:srgbClr val="000000">
-                <a:alpha val="45000"/>
+                <a:alpha val="35000"/>
               </a:srgbClr>
             </a:outerShdw>
           </a:effectLst>
-          <a:scene3d>
-            <a:camera prst="orthographicFront">
-              <a:rot lat="0" lon="0" rev="0"/>
-            </a:camera>
-            <a:lightRig rig="twoPt" dir="tl"/>
-          </a:scene3d>
-          <a:sp3d prstMaterial="flat">
-            <a:bevelT w="12700" h="25400" prst="coolSlant"/>
-          </a:sp3d>
+        </a:effectStyle>
+        <a:effectStyle>
+          <a:effectLst>
+            <a:outerShdw blurRad="40000" dist="23000" dir="5400000" rotWithShape="0">
+              <a:srgbClr val="000000">
+                <a:alpha val="35000"/>
+              </a:srgbClr>
+            </a:outerShdw>
+          </a:effectLst>
         </a:effectStyle>
       </a:effectStyleLst>
       <a:bgFillStyleLst>
         <a:solidFill>
           <a:schemeClr val="phClr"/>
         </a:solidFill>
-        <a:gradFill rotWithShape="1">
+        <a:gradFill>
           <a:gsLst>
             <a:gs pos="0">
               <a:schemeClr val="phClr">
@@ -9430,11 +8406,9 @@
               </a:schemeClr>
             </a:gs>
           </a:gsLst>
-          <a:path path="circle">
-            <a:fillToRect r="100000" b="100000"/>
-          </a:path>
+          <a:path path="circle"/>
         </a:gradFill>
-        <a:gradFill rotWithShape="1">
+        <a:gradFill>
           <a:gsLst>
             <a:gs pos="0">
               <a:schemeClr val="phClr">
@@ -9449,484 +8423,36 @@
               </a:schemeClr>
             </a:gs>
           </a:gsLst>
-          <a:path path="circle">
-            <a:fillToRect l="180000" t="50000" b="50000"/>
-          </a:path>
+          <a:path path="circle"/>
         </a:gradFill>
       </a:bgFillStyleLst>
     </a:fmtScheme>
   </a:themeElements>
   <a:objectDefaults/>
-  <a:extraClrSchemeLst/>
-  <a:extLst>
-    <a:ext uri="{05A4C25C-085E-4340-85A3-A5531E510DB2}">
-      <thm15:themeFamily xmlns:thm15="http://schemas.microsoft.com/office/thememl/2012/main" name="Fresh food presentation (widescreen).potx" id="{63DD3034-9CB5-4B6F-BCA0-530A5E267AB2}" vid="{9783A5E3-1DF2-4F3C-8902-0C2EB8A188D6}"/>
-    </a:ext>
-  </a:extLst>
-</a:theme>
-</file>
-
-<file path=ppt/theme/theme2.xml><?xml version="1.0" encoding="utf-8"?>
-<a:theme xmlns:a="http://schemas.openxmlformats.org/drawingml/2006/main" name="Office Theme">
-  <a:themeElements>
-    <a:clrScheme name="Cooking_16x9">
-      <a:dk1>
-        <a:srgbClr val="000000"/>
-      </a:dk1>
-      <a:lt1>
-        <a:sysClr val="window" lastClr="FFFFFF"/>
-      </a:lt1>
-      <a:dk2>
-        <a:srgbClr val="7F7F7F"/>
-      </a:dk2>
-      <a:lt2>
-        <a:srgbClr val="E6E6E6"/>
-      </a:lt2>
-      <a:accent1>
-        <a:srgbClr val="89C01C"/>
-      </a:accent1>
-      <a:accent2>
-        <a:srgbClr val="FCB22C"/>
-      </a:accent2>
-      <a:accent3>
-        <a:srgbClr val="FE750E"/>
-      </a:accent3>
-      <a:accent4>
-        <a:srgbClr val="F23610"/>
-      </a:accent4>
-      <a:accent5>
-        <a:srgbClr val="7C283A"/>
-      </a:accent5>
-      <a:accent6>
-        <a:srgbClr val="3E7520"/>
-      </a:accent6>
-      <a:hlink>
-        <a:srgbClr val="89C01C"/>
-      </a:hlink>
-      <a:folHlink>
-        <a:srgbClr val="A6A6A6"/>
-      </a:folHlink>
-    </a:clrScheme>
-    <a:fontScheme name="Constantia">
-      <a:majorFont>
-        <a:latin typeface="Constantia"/>
-        <a:ea typeface=""/>
-        <a:cs typeface=""/>
-        <a:font script="Jpan" typeface="ＭＳ ゴシック"/>
-        <a:font script="Hang" typeface="HY중고딕"/>
-        <a:font script="Hans" typeface="幼圆"/>
-        <a:font script="Hant" typeface="微軟正黑體"/>
-        <a:font script="Arab" typeface="Tahoma"/>
-        <a:font script="Hebr" typeface="Gisha"/>
-        <a:font script="Thai" typeface="DilleniaUPC"/>
-        <a:font script="Ethi" typeface="Nyala"/>
-        <a:font script="Beng" typeface="Vrinda"/>
-        <a:font script="Gujr" typeface="Shruti"/>
-        <a:font script="Khmr" typeface="DaunPenh"/>
-        <a:font script="Knda" typeface="Tunga"/>
-        <a:font script="Guru" typeface="Raavi"/>
-        <a:font script="Cans" typeface="Euphemia"/>
-        <a:font script="Cher" typeface="Plantagenet Cherokee"/>
-        <a:font script="Yiii" typeface="Microsoft Yi Baiti"/>
-        <a:font script="Tibt" typeface="Microsoft Himalaya"/>
-        <a:font script="Thaa" typeface="MV Boli"/>
-        <a:font script="Deva" typeface="Mangal"/>
-        <a:font script="Telu" typeface="Gautami"/>
-        <a:font script="Taml" typeface="Latha"/>
-        <a:font script="Syrc" typeface="Estrangelo Edessa"/>
-        <a:font script="Orya" typeface="Kalinga"/>
-        <a:font script="Mlym" typeface="Kartika"/>
-        <a:font script="Laoo" typeface="DokChampa"/>
-        <a:font script="Sinh" typeface="Iskoola Pota"/>
-        <a:font script="Mong" typeface="Mongolian Baiti"/>
-        <a:font script="Viet" typeface="Tahoma"/>
-        <a:font script="Uigh" typeface="Microsoft Uighur"/>
-        <a:font script="Geor" typeface="Sylfaen"/>
-      </a:majorFont>
-      <a:minorFont>
-        <a:latin typeface="Constantia"/>
-        <a:ea typeface=""/>
-        <a:cs typeface=""/>
-        <a:font script="Jpan" typeface="ＭＳ ゴシック"/>
-        <a:font script="Hang" typeface="HY중고딕"/>
-        <a:font script="Hans" typeface="幼圆"/>
-        <a:font script="Hant" typeface="微軟正黑體"/>
-        <a:font script="Arab" typeface="Tahoma"/>
-        <a:font script="Hebr" typeface="Gisha"/>
-        <a:font script="Thai" typeface="DilleniaUPC"/>
-        <a:font script="Ethi" typeface="Nyala"/>
-        <a:font script="Beng" typeface="Vrinda"/>
-        <a:font script="Gujr" typeface="Shruti"/>
-        <a:font script="Khmr" typeface="DaunPenh"/>
-        <a:font script="Knda" typeface="Tunga"/>
-        <a:font script="Guru" typeface="Raavi"/>
-        <a:font script="Cans" typeface="Euphemia"/>
-        <a:font script="Cher" typeface="Plantagenet Cherokee"/>
-        <a:font script="Yiii" typeface="Microsoft Yi Baiti"/>
-        <a:font script="Tibt" typeface="Microsoft Himalaya"/>
-        <a:font script="Thaa" typeface="MV Boli"/>
-        <a:font script="Deva" typeface="Mangal"/>
-        <a:font script="Telu" typeface="Gautami"/>
-        <a:font script="Taml" typeface="Latha"/>
-        <a:font script="Syrc" typeface="Estrangelo Edessa"/>
-        <a:font script="Orya" typeface="Kalinga"/>
-        <a:font script="Mlym" typeface="Kartika"/>
-        <a:font script="Laoo" typeface="DokChampa"/>
-        <a:font script="Sinh" typeface="Iskoola Pota"/>
-        <a:font script="Mong" typeface="Mongolian Baiti"/>
-        <a:font script="Viet" typeface="Verdana"/>
-        <a:font script="Uigh" typeface="Microsoft Uighur"/>
-        <a:font script="Geor" typeface="Sylfaen"/>
-      </a:minorFont>
-    </a:fontScheme>
-    <a:fmtScheme name="1SubtleSolids">
-      <a:fillStyleLst>
-        <a:solidFill>
-          <a:schemeClr val="phClr"/>
-        </a:solidFill>
-        <a:solidFill>
-          <a:schemeClr val="phClr">
-            <a:tint val="65000"/>
-          </a:schemeClr>
-        </a:solidFill>
-        <a:solidFill>
-          <a:schemeClr val="phClr">
-            <a:shade val="80000"/>
-            <a:satMod val="150000"/>
-          </a:schemeClr>
-        </a:solidFill>
-      </a:fillStyleLst>
-      <a:lnStyleLst>
-        <a:ln w="9525" cap="flat" cmpd="sng" algn="ctr">
-          <a:solidFill>
-            <a:schemeClr val="phClr"/>
-          </a:solidFill>
-          <a:prstDash val="solid"/>
-        </a:ln>
-        <a:ln w="10795" cap="flat" cmpd="sng" algn="ctr">
-          <a:solidFill>
-            <a:schemeClr val="phClr"/>
-          </a:solidFill>
-          <a:prstDash val="solid"/>
-        </a:ln>
-        <a:ln w="17145" cap="flat" cmpd="sng" algn="ctr">
-          <a:solidFill>
-            <a:schemeClr val="phClr">
-              <a:shade val="95000"/>
-              <a:alpha val="50000"/>
-              <a:satMod val="150000"/>
-            </a:schemeClr>
-          </a:solidFill>
-          <a:prstDash val="solid"/>
-        </a:ln>
-      </a:lnStyleLst>
-      <a:effectStyleLst>
-        <a:effectStyle>
-          <a:effectLst/>
-        </a:effectStyle>
-        <a:effectStyle>
-          <a:effectLst/>
-        </a:effectStyle>
-        <a:effectStyle>
-          <a:effectLst>
-            <a:outerShdw blurRad="44450" dist="13970" dir="5400000" algn="ctr" rotWithShape="0">
-              <a:srgbClr val="000000">
-                <a:alpha val="45000"/>
-              </a:srgbClr>
-            </a:outerShdw>
-          </a:effectLst>
-          <a:scene3d>
-            <a:camera prst="orthographicFront">
-              <a:rot lat="0" lon="0" rev="0"/>
-            </a:camera>
-            <a:lightRig rig="twoPt" dir="tl"/>
-          </a:scene3d>
-          <a:sp3d prstMaterial="flat">
-            <a:bevelT w="12700" h="25400" prst="coolSlant"/>
-          </a:sp3d>
-        </a:effectStyle>
-      </a:effectStyleLst>
-      <a:bgFillStyleLst>
-        <a:solidFill>
-          <a:schemeClr val="phClr"/>
-        </a:solidFill>
-        <a:gradFill rotWithShape="1">
-          <a:gsLst>
-            <a:gs pos="0">
-              <a:schemeClr val="phClr">
-                <a:tint val="50000"/>
-                <a:satMod val="180000"/>
-              </a:schemeClr>
-            </a:gs>
-            <a:gs pos="100000">
-              <a:schemeClr val="phClr">
-                <a:shade val="45000"/>
-                <a:satMod val="120000"/>
-              </a:schemeClr>
-            </a:gs>
-          </a:gsLst>
-          <a:path path="circle">
-            <a:fillToRect r="100000" b="100000"/>
-          </a:path>
-        </a:gradFill>
-        <a:gradFill rotWithShape="1">
-          <a:gsLst>
-            <a:gs pos="0">
-              <a:schemeClr val="phClr">
-                <a:tint val="50000"/>
-                <a:satMod val="180000"/>
-              </a:schemeClr>
-            </a:gs>
-            <a:gs pos="100000">
-              <a:schemeClr val="phClr">
-                <a:shade val="45000"/>
-                <a:satMod val="120000"/>
-              </a:schemeClr>
-            </a:gs>
-          </a:gsLst>
-          <a:path path="circle">
-            <a:fillToRect l="180000" t="50000" b="50000"/>
-          </a:path>
-        </a:gradFill>
-      </a:bgFillStyleLst>
-    </a:fmtScheme>
-  </a:themeElements>
-  <a:objectDefaults/>
-  <a:extraClrSchemeLst/>
-</a:theme>
-</file>
-
-<file path=ppt/theme/theme3.xml><?xml version="1.0" encoding="utf-8"?>
-<a:theme xmlns:a="http://schemas.openxmlformats.org/drawingml/2006/main" name="Office Theme">
-  <a:themeElements>
-    <a:clrScheme name="Cooking_16x9">
-      <a:dk1>
-        <a:srgbClr val="000000"/>
-      </a:dk1>
-      <a:lt1>
-        <a:sysClr val="window" lastClr="FFFFFF"/>
-      </a:lt1>
-      <a:dk2>
-        <a:srgbClr val="7F7F7F"/>
-      </a:dk2>
-      <a:lt2>
-        <a:srgbClr val="E6E6E6"/>
-      </a:lt2>
-      <a:accent1>
-        <a:srgbClr val="89C01C"/>
-      </a:accent1>
-      <a:accent2>
-        <a:srgbClr val="FCB22C"/>
-      </a:accent2>
-      <a:accent3>
-        <a:srgbClr val="FE750E"/>
-      </a:accent3>
-      <a:accent4>
-        <a:srgbClr val="F23610"/>
-      </a:accent4>
-      <a:accent5>
-        <a:srgbClr val="7C283A"/>
-      </a:accent5>
-      <a:accent6>
-        <a:srgbClr val="3E7520"/>
-      </a:accent6>
-      <a:hlink>
-        <a:srgbClr val="89C01C"/>
-      </a:hlink>
-      <a:folHlink>
-        <a:srgbClr val="A6A6A6"/>
-      </a:folHlink>
-    </a:clrScheme>
-    <a:fontScheme name="Constantia">
-      <a:majorFont>
-        <a:latin typeface="Constantia"/>
-        <a:ea typeface=""/>
-        <a:cs typeface=""/>
-        <a:font script="Jpan" typeface="ＭＳ ゴシック"/>
-        <a:font script="Hang" typeface="HY중고딕"/>
-        <a:font script="Hans" typeface="幼圆"/>
-        <a:font script="Hant" typeface="微軟正黑體"/>
-        <a:font script="Arab" typeface="Tahoma"/>
-        <a:font script="Hebr" typeface="Gisha"/>
-        <a:font script="Thai" typeface="DilleniaUPC"/>
-        <a:font script="Ethi" typeface="Nyala"/>
-        <a:font script="Beng" typeface="Vrinda"/>
-        <a:font script="Gujr" typeface="Shruti"/>
-        <a:font script="Khmr" typeface="DaunPenh"/>
-        <a:font script="Knda" typeface="Tunga"/>
-        <a:font script="Guru" typeface="Raavi"/>
-        <a:font script="Cans" typeface="Euphemia"/>
-        <a:font script="Cher" typeface="Plantagenet Cherokee"/>
-        <a:font script="Yiii" typeface="Microsoft Yi Baiti"/>
-        <a:font script="Tibt" typeface="Microsoft Himalaya"/>
-        <a:font script="Thaa" typeface="MV Boli"/>
-        <a:font script="Deva" typeface="Mangal"/>
-        <a:font script="Telu" typeface="Gautami"/>
-        <a:font script="Taml" typeface="Latha"/>
-        <a:font script="Syrc" typeface="Estrangelo Edessa"/>
-        <a:font script="Orya" typeface="Kalinga"/>
-        <a:font script="Mlym" typeface="Kartika"/>
-        <a:font script="Laoo" typeface="DokChampa"/>
-        <a:font script="Sinh" typeface="Iskoola Pota"/>
-        <a:font script="Mong" typeface="Mongolian Baiti"/>
-        <a:font script="Viet" typeface="Tahoma"/>
-        <a:font script="Uigh" typeface="Microsoft Uighur"/>
-        <a:font script="Geor" typeface="Sylfaen"/>
-      </a:majorFont>
-      <a:minorFont>
-        <a:latin typeface="Constantia"/>
-        <a:ea typeface=""/>
-        <a:cs typeface=""/>
-        <a:font script="Jpan" typeface="ＭＳ ゴシック"/>
-        <a:font script="Hang" typeface="HY중고딕"/>
-        <a:font script="Hans" typeface="幼圆"/>
-        <a:font script="Hant" typeface="微軟正黑體"/>
-        <a:font script="Arab" typeface="Tahoma"/>
-        <a:font script="Hebr" typeface="Gisha"/>
-        <a:font script="Thai" typeface="DilleniaUPC"/>
-        <a:font script="Ethi" typeface="Nyala"/>
-        <a:font script="Beng" typeface="Vrinda"/>
-        <a:font script="Gujr" typeface="Shruti"/>
-        <a:font script="Khmr" typeface="DaunPenh"/>
-        <a:font script="Knda" typeface="Tunga"/>
-        <a:font script="Guru" typeface="Raavi"/>
-        <a:font script="Cans" typeface="Euphemia"/>
-        <a:font script="Cher" typeface="Plantagenet Cherokee"/>
-        <a:font script="Yiii" typeface="Microsoft Yi Baiti"/>
-        <a:font script="Tibt" typeface="Microsoft Himalaya"/>
-        <a:font script="Thaa" typeface="MV Boli"/>
-        <a:font script="Deva" typeface="Mangal"/>
-        <a:font script="Telu" typeface="Gautami"/>
-        <a:font script="Taml" typeface="Latha"/>
-        <a:font script="Syrc" typeface="Estrangelo Edessa"/>
-        <a:font script="Orya" typeface="Kalinga"/>
-        <a:font script="Mlym" typeface="Kartika"/>
-        <a:font script="Laoo" typeface="DokChampa"/>
-        <a:font script="Sinh" typeface="Iskoola Pota"/>
-        <a:font script="Mong" typeface="Mongolian Baiti"/>
-        <a:font script="Viet" typeface="Verdana"/>
-        <a:font script="Uigh" typeface="Microsoft Uighur"/>
-        <a:font script="Geor" typeface="Sylfaen"/>
-      </a:minorFont>
-    </a:fontScheme>
-    <a:fmtScheme name="1SubtleSolids">
-      <a:fillStyleLst>
-        <a:solidFill>
-          <a:schemeClr val="phClr"/>
-        </a:solidFill>
-        <a:solidFill>
-          <a:schemeClr val="phClr">
-            <a:tint val="65000"/>
-          </a:schemeClr>
-        </a:solidFill>
-        <a:solidFill>
-          <a:schemeClr val="phClr">
-            <a:shade val="80000"/>
-            <a:satMod val="150000"/>
-          </a:schemeClr>
-        </a:solidFill>
-      </a:fillStyleLst>
-      <a:lnStyleLst>
-        <a:ln w="9525" cap="flat" cmpd="sng" algn="ctr">
-          <a:solidFill>
-            <a:schemeClr val="phClr"/>
-          </a:solidFill>
-          <a:prstDash val="solid"/>
-        </a:ln>
-        <a:ln w="10795" cap="flat" cmpd="sng" algn="ctr">
-          <a:solidFill>
-            <a:schemeClr val="phClr"/>
-          </a:solidFill>
-          <a:prstDash val="solid"/>
-        </a:ln>
-        <a:ln w="17145" cap="flat" cmpd="sng" algn="ctr">
-          <a:solidFill>
-            <a:schemeClr val="phClr">
-              <a:shade val="95000"/>
-              <a:alpha val="50000"/>
-              <a:satMod val="150000"/>
-            </a:schemeClr>
-          </a:solidFill>
-          <a:prstDash val="solid"/>
-        </a:ln>
-      </a:lnStyleLst>
-      <a:effectStyleLst>
-        <a:effectStyle>
-          <a:effectLst/>
-        </a:effectStyle>
-        <a:effectStyle>
-          <a:effectLst/>
-        </a:effectStyle>
-        <a:effectStyle>
-          <a:effectLst>
-            <a:outerShdw blurRad="44450" dist="13970" dir="5400000" algn="ctr" rotWithShape="0">
-              <a:srgbClr val="000000">
-                <a:alpha val="45000"/>
-              </a:srgbClr>
-            </a:outerShdw>
-          </a:effectLst>
-          <a:scene3d>
-            <a:camera prst="orthographicFront">
-              <a:rot lat="0" lon="0" rev="0"/>
-            </a:camera>
-            <a:lightRig rig="twoPt" dir="tl"/>
-          </a:scene3d>
-          <a:sp3d prstMaterial="flat">
-            <a:bevelT w="12700" h="25400" prst="coolSlant"/>
-          </a:sp3d>
-        </a:effectStyle>
-      </a:effectStyleLst>
-      <a:bgFillStyleLst>
-        <a:solidFill>
-          <a:schemeClr val="phClr"/>
-        </a:solidFill>
-        <a:gradFill rotWithShape="1">
-          <a:gsLst>
-            <a:gs pos="0">
-              <a:schemeClr val="phClr">
-                <a:tint val="50000"/>
-                <a:satMod val="180000"/>
-              </a:schemeClr>
-            </a:gs>
-            <a:gs pos="100000">
-              <a:schemeClr val="phClr">
-                <a:shade val="45000"/>
-                <a:satMod val="120000"/>
-              </a:schemeClr>
-            </a:gs>
-          </a:gsLst>
-          <a:path path="circle">
-            <a:fillToRect r="100000" b="100000"/>
-          </a:path>
-        </a:gradFill>
-        <a:gradFill rotWithShape="1">
-          <a:gsLst>
-            <a:gs pos="0">
-              <a:schemeClr val="phClr">
-                <a:tint val="50000"/>
-                <a:satMod val="180000"/>
-              </a:schemeClr>
-            </a:gs>
-            <a:gs pos="100000">
-              <a:schemeClr val="phClr">
-                <a:shade val="45000"/>
-                <a:satMod val="120000"/>
-              </a:schemeClr>
-            </a:gs>
-          </a:gsLst>
-          <a:path path="circle">
-            <a:fillToRect l="180000" t="50000" b="50000"/>
-          </a:path>
-        </a:gradFill>
-      </a:bgFillStyleLst>
-    </a:fmtScheme>
-  </a:themeElements>
-  <a:objectDefaults/>
-  <a:extraClrSchemeLst/>
 </a:theme>
 </file>
 
 <file path=customXml/item1.xml><?xml version="1.0" encoding="utf-8"?>
+<p:properties xmlns:p="http://schemas.microsoft.com/office/2006/metadata/properties" xmlns:xsi="http://www.w3.org/2001/XMLSchema-instance" xmlns:pc="http://schemas.microsoft.com/office/infopath/2007/PartnerControls">
+  <documentManagement>
+    <VSO_x0020_item_x0020_id xmlns="40262f94-9f35-4ac3-9a90-690165a166b7" xsi:nil="true"/>
+    <Assetid_x0020_ xmlns="40262f94-9f35-4ac3-9a90-690165a166b7" xsi:nil="true"/>
+    <Item_x0020_Details xmlns="40262f94-9f35-4ac3-9a90-690165a166b7" xsi:nil="true"/>
+    <Template_x0020_details xmlns="40262f94-9f35-4ac3-9a90-690165a166b7" xsi:nil="true"/>
+  </documentManagement>
+</p:properties>
+</file>
+
+<file path=customXml/item2.xml><?xml version="1.0" encoding="utf-8"?>
+<?mso-contentType ?>
+<FormTemplates xmlns="http://schemas.microsoft.com/sharepoint/v3/contenttype/forms">
+  <Display>DocumentLibraryForm</Display>
+  <Edit>DocumentLibraryForm</Edit>
+  <New>DocumentLibraryForm</New>
+</FormTemplates>
+</file>
+
+<file path=customXml/item3.xml><?xml version="1.0" encoding="utf-8"?>
 <ct:contentTypeSchema xmlns:ct="http://schemas.microsoft.com/office/2006/metadata/contentType" xmlns:ma="http://schemas.microsoft.com/office/2006/metadata/properties/metaAttributes" ct:_="" ma:_="" ma:contentTypeName="Document" ma:contentTypeID="0x010100AA3F7D94069FF64A86F7DFF56D60E3BE" ma:contentTypeVersion="6" ma:contentTypeDescription="Create a new document." ma:contentTypeScope="" ma:versionID="c32302c77d4085ecf495bdddb7f5e889">
   <xsd:schema xmlns:xsd="http://www.w3.org/2001/XMLSchema" xmlns:xs="http://www.w3.org/2001/XMLSchema" xmlns:p="http://schemas.microsoft.com/office/2006/metadata/properties" xmlns:ns2="a4f35948-e619-41b3-aa29-22878b09cfd2" xmlns:ns3="40262f94-9f35-4ac3-9a90-690165a166b7" targetNamespace="http://schemas.microsoft.com/office/2006/metadata/properties" ma:root="true" ma:fieldsID="4ab5ae46be95f9d0be6107e8200be7a2" ns2:_="" ns3:_="">
     <xsd:import namespace="a4f35948-e619-41b3-aa29-22878b09cfd2"/>
@@ -10107,27 +8633,32 @@
 </ct:contentTypeSchema>
 </file>
 
-<file path=customXml/item2.xml><?xml version="1.0" encoding="utf-8"?>
-<?mso-contentType ?>
-<FormTemplates xmlns="http://schemas.microsoft.com/sharepoint/v3/contenttype/forms">
-  <Display>DocumentLibraryForm</Display>
-  <Edit>DocumentLibraryForm</Edit>
-  <New>DocumentLibraryForm</New>
-</FormTemplates>
+<file path=customXml/itemProps1.xml><?xml version="1.0" encoding="utf-8"?>
+<ds:datastoreItem xmlns:ds="http://schemas.openxmlformats.org/officeDocument/2006/customXml" ds:itemID="{5E700CCB-20BA-4760-AB9F-AC3B63ED32E0}">
+  <ds:schemaRefs>
+    <ds:schemaRef ds:uri="http://schemas.microsoft.com/office/infopath/2007/PartnerControls"/>
+    <ds:schemaRef ds:uri="http://purl.org/dc/terms/"/>
+    <ds:schemaRef ds:uri="http://www.w3.org/XML/1998/namespace"/>
+    <ds:schemaRef ds:uri="a4f35948-e619-41b3-aa29-22878b09cfd2"/>
+    <ds:schemaRef ds:uri="40262f94-9f35-4ac3-9a90-690165a166b7"/>
+    <ds:schemaRef ds:uri="http://purl.org/dc/dcmitype/"/>
+    <ds:schemaRef ds:uri="http://schemas.microsoft.com/office/2006/documentManagement/types"/>
+    <ds:schemaRef ds:uri="http://purl.org/dc/elements/1.1/"/>
+    <ds:schemaRef ds:uri="http://schemas.openxmlformats.org/package/2006/metadata/core-properties"/>
+    <ds:schemaRef ds:uri="http://schemas.microsoft.com/office/2006/metadata/properties"/>
+  </ds:schemaRefs>
+</ds:datastoreItem>
 </file>
 
-<file path=customXml/item3.xml><?xml version="1.0" encoding="utf-8"?>
-<p:properties xmlns:p="http://schemas.microsoft.com/office/2006/metadata/properties" xmlns:xsi="http://www.w3.org/2001/XMLSchema-instance" xmlns:pc="http://schemas.microsoft.com/office/infopath/2007/PartnerControls">
-  <documentManagement>
-    <VSO_x0020_item_x0020_id xmlns="40262f94-9f35-4ac3-9a90-690165a166b7" xsi:nil="true"/>
-    <Assetid_x0020_ xmlns="40262f94-9f35-4ac3-9a90-690165a166b7" xsi:nil="true"/>
-    <Item_x0020_Details xmlns="40262f94-9f35-4ac3-9a90-690165a166b7" xsi:nil="true"/>
-    <Template_x0020_details xmlns="40262f94-9f35-4ac3-9a90-690165a166b7" xsi:nil="true"/>
-  </documentManagement>
-</p:properties>
+<file path=customXml/itemProps2.xml><?xml version="1.0" encoding="utf-8"?>
+<ds:datastoreItem xmlns:ds="http://schemas.openxmlformats.org/officeDocument/2006/customXml" ds:itemID="{308942AA-0721-4324-BC2C-A3CB43F24E71}">
+  <ds:schemaRefs>
+    <ds:schemaRef ds:uri="http://schemas.microsoft.com/sharepoint/v3/contenttype/forms"/>
+  </ds:schemaRefs>
+</ds:datastoreItem>
 </file>
 
-<file path=customXml/itemProps1.xml><?xml version="1.0" encoding="utf-8"?>
+<file path=customXml/itemProps3.xml><?xml version="1.0" encoding="utf-8"?>
 <ds:datastoreItem xmlns:ds="http://schemas.openxmlformats.org/officeDocument/2006/customXml" ds:itemID="{FB14945D-DABB-422F-9B28-D299995C9226}">
   <ds:schemaRefs>
     <ds:schemaRef ds:uri="http://schemas.microsoft.com/office/2006/metadata/contentType"/>
@@ -10144,29 +8675,4 @@
     <ds:schemaRef ds:uri="http://schemas.microsoft.com/internal/obd"/>
   </ds:schemaRefs>
 </ds:datastoreItem>
-</file>
-
-<file path=customXml/itemProps2.xml><?xml version="1.0" encoding="utf-8"?>
-<ds:datastoreItem xmlns:ds="http://schemas.openxmlformats.org/officeDocument/2006/customXml" ds:itemID="{308942AA-0721-4324-BC2C-A3CB43F24E71}">
-  <ds:schemaRefs>
-    <ds:schemaRef ds:uri="http://schemas.microsoft.com/sharepoint/v3/contenttype/forms"/>
-  </ds:schemaRefs>
-</ds:datastoreItem>
-</file>
-
-<file path=customXml/itemProps3.xml><?xml version="1.0" encoding="utf-8"?>
-<ds:datastoreItem xmlns:ds="http://schemas.openxmlformats.org/officeDocument/2006/customXml" ds:itemID="{5E700CCB-20BA-4760-AB9F-AC3B63ED32E0}">
-  <ds:schemaRefs>
-    <ds:schemaRef ds:uri="http://schemas.microsoft.com/office/infopath/2007/PartnerControls"/>
-    <ds:schemaRef ds:uri="http://purl.org/dc/terms/"/>
-    <ds:schemaRef ds:uri="http://www.w3.org/XML/1998/namespace"/>
-    <ds:schemaRef ds:uri="a4f35948-e619-41b3-aa29-22878b09cfd2"/>
-    <ds:schemaRef ds:uri="40262f94-9f35-4ac3-9a90-690165a166b7"/>
-    <ds:schemaRef ds:uri="http://purl.org/dc/dcmitype/"/>
-    <ds:schemaRef ds:uri="http://schemas.microsoft.com/office/2006/documentManagement/types"/>
-    <ds:schemaRef ds:uri="http://purl.org/dc/elements/1.1/"/>
-    <ds:schemaRef ds:uri="http://schemas.openxmlformats.org/package/2006/metadata/core-properties"/>
-    <ds:schemaRef ds:uri="http://schemas.microsoft.com/office/2006/metadata/properties"/>
-  </ds:schemaRefs>
-</ds:datastoreItem>
 </file>